--- a/presentation/Корешков НИР.pptx
+++ b/presentation/Корешков НИР.pptx
@@ -3873,7 +3873,7 @@
                 <a:ea typeface="Calibri"/>
                 <a:cs typeface="Calibri"/>
               </a:rPr>
-              <a:t>Исследование регулярных ресурсных сетей</a:t>
+              <a:t>Регулярные ресурсные сети и их симметрии</a:t>
             </a:r>
             <a:endParaRPr lang="ru-RU" dirty="0"/>
           </a:p>
@@ -3891,8 +3891,8 @@
         </p:nvSpPr>
         <p:spPr bwMode="auto">
           <a:xfrm>
-            <a:off x="28717" y="3633798"/>
-            <a:ext cx="6172962" cy="2520000"/>
+            <a:off x="1596920" y="3633798"/>
+            <a:ext cx="5950159" cy="1451386"/>
           </a:xfrm>
         </p:spPr>
         <p:txBody>
@@ -3905,7 +3905,7 @@
               <a:defRPr/>
             </a:pPr>
             <a:r>
-              <a:rPr lang="ru-RU" sz="2400" b="1" dirty="0">
+              <a:rPr lang="ru-RU" sz="2400" dirty="0">
                 <a:cs typeface="Arial"/>
               </a:rPr>
               <a:t>Корешков Василий Романович</a:t>
@@ -3926,21 +3926,8 @@
               <a:rPr lang="ru-RU" sz="2400" dirty="0">
                 <a:cs typeface="Arial"/>
               </a:rPr>
-              <a:t>математик лаб. 11</a:t>
-            </a:r>
-            <a:endParaRPr dirty="0"/>
-          </a:p>
-          <a:p>
-            <a:pPr>
-              <a:defRPr/>
-            </a:pPr>
-            <a:r>
-              <a:rPr lang="ru-RU" sz="2400" dirty="0">
-                <a:cs typeface="Arial"/>
-              </a:rPr>
-              <a:t>студент МГТУ им. Н.Э. Баумана</a:t>
-            </a:r>
-            <a:endParaRPr dirty="0"/>
+              <a:t>ФН12-41М</a:t>
+            </a:r>
           </a:p>
         </p:txBody>
       </p:sp>
@@ -3970,28 +3957,227 @@
           </a:p>
         </p:txBody>
       </p:sp>
-      <p:pic>
-        <p:nvPicPr>
-          <p:cNvPr id="10" name="Picture 9"/>
-          <p:cNvPicPr>
-            <a:picLocks noChangeAspect="1"/>
-          </p:cNvPicPr>
-          <p:nvPr/>
-        </p:nvPicPr>
-        <p:blipFill>
-          <a:blip r:embed="rId2"/>
-          <a:stretch/>
-        </p:blipFill>
-        <p:spPr bwMode="auto">
-          <a:xfrm>
-            <a:off x="6300192" y="3550564"/>
-            <a:ext cx="2010780" cy="2686468"/>
-          </a:xfrm>
-          <a:prstGeom prst="rect">
-            <a:avLst/>
-          </a:prstGeom>
-        </p:spPr>
-      </p:pic>
+      <p:graphicFrame>
+        <p:nvGraphicFramePr>
+          <p:cNvPr id="4" name="Table 4">
+            <a:extLst>
+              <a:ext uri="{FF2B5EF4-FFF2-40B4-BE49-F238E27FC236}">
+                <a16:creationId xmlns:a16="http://schemas.microsoft.com/office/drawing/2014/main" id="{D4EF5859-57EC-DE98-CC45-E8D0AE192672}"/>
+              </a:ext>
+            </a:extLst>
+          </p:cNvPr>
+          <p:cNvGraphicFramePr>
+            <a:graphicFrameLocks noGrp="1"/>
+          </p:cNvGraphicFramePr>
+          <p:nvPr>
+            <p:extLst>
+              <p:ext uri="{D42A27DB-BD31-4B8C-83A1-F6EECF244321}">
+                <p14:modId xmlns:p14="http://schemas.microsoft.com/office/powerpoint/2010/main" val="394366261"/>
+              </p:ext>
+            </p:extLst>
+          </p:nvPr>
+        </p:nvGraphicFramePr>
+        <p:xfrm>
+          <a:off x="2019636" y="4893798"/>
+          <a:ext cx="5104726" cy="1364952"/>
+        </p:xfrm>
+        <a:graphic>
+          <a:graphicData uri="http://schemas.openxmlformats.org/drawingml/2006/table">
+            <a:tbl>
+              <a:tblPr firstRow="1" bandRow="1">
+                <a:tableStyleId>{2D5ABB26-0587-4C30-8999-92F81FD0307C}</a:tableStyleId>
+              </a:tblPr>
+              <a:tblGrid>
+                <a:gridCol w="2385597">
+                  <a:extLst>
+                    <a:ext uri="{9D8B030D-6E8A-4147-A177-3AD203B41FA5}">
+                      <a16:colId xmlns:a16="http://schemas.microsoft.com/office/drawing/2014/main" val="4020925179"/>
+                    </a:ext>
+                  </a:extLst>
+                </a:gridCol>
+                <a:gridCol w="2719129">
+                  <a:extLst>
+                    <a:ext uri="{9D8B030D-6E8A-4147-A177-3AD203B41FA5}">
+                      <a16:colId xmlns:a16="http://schemas.microsoft.com/office/drawing/2014/main" val="1567250952"/>
+                    </a:ext>
+                  </a:extLst>
+                </a:gridCol>
+              </a:tblGrid>
+              <a:tr h="635753">
+                <a:tc>
+                  <a:txBody>
+                    <a:bodyPr/>
+                    <a:lstStyle/>
+                    <a:p>
+                      <a:r>
+                        <a:rPr lang="ru-RU" sz="1600" dirty="0">
+                          <a:cs typeface="Arial"/>
+                        </a:rPr>
+                        <a:t>Научный руководитель:</a:t>
+                      </a:r>
+                      <a:endParaRPr lang="en-US" sz="1500" dirty="0"/>
+                    </a:p>
+                  </a:txBody>
+                  <a:tcPr marL="103355" marR="103355" marT="51678" marB="51678" anchor="ctr"/>
+                </a:tc>
+                <a:tc>
+                  <a:txBody>
+                    <a:bodyPr/>
+                    <a:lstStyle/>
+                    <a:p>
+                      <a:pPr marL="0" marR="0" lvl="0" indent="0" algn="l" defTabSz="685800" rtl="0" eaLnBrk="1" fontAlgn="auto" latinLnBrk="0" hangingPunct="1">
+                        <a:lnSpc>
+                          <a:spcPct val="100000"/>
+                        </a:lnSpc>
+                        <a:spcBef>
+                          <a:spcPts val="0"/>
+                        </a:spcBef>
+                        <a:spcAft>
+                          <a:spcPts val="0"/>
+                        </a:spcAft>
+                        <a:buClrTx/>
+                        <a:buSzTx/>
+                        <a:buFontTx/>
+                        <a:buNone/>
+                        <a:tabLst/>
+                        <a:defRPr/>
+                      </a:pPr>
+                      <a:r>
+                        <a:rPr lang="ru-RU" sz="2400" b="1" dirty="0">
+                          <a:cs typeface="Arial"/>
+                        </a:rPr>
+                        <a:t>Фетисов Д. А.</a:t>
+                      </a:r>
+                    </a:p>
+                    <a:p>
+                      <a:pPr marL="0" marR="0" lvl="0" indent="0" algn="l" defTabSz="685800" rtl="0" eaLnBrk="1" fontAlgn="auto" latinLnBrk="0" hangingPunct="1">
+                        <a:lnSpc>
+                          <a:spcPct val="100000"/>
+                        </a:lnSpc>
+                        <a:spcBef>
+                          <a:spcPts val="0"/>
+                        </a:spcBef>
+                        <a:spcAft>
+                          <a:spcPts val="0"/>
+                        </a:spcAft>
+                        <a:buClrTx/>
+                        <a:buSzTx/>
+                        <a:buFontTx/>
+                        <a:buNone/>
+                        <a:tabLst/>
+                        <a:defRPr/>
+                      </a:pPr>
+                      <a:r>
+                        <a:rPr lang="ru-RU" sz="1400" b="0" dirty="0">
+                          <a:cs typeface="Arial"/>
+                        </a:rPr>
+                        <a:t>МГТУ им. Н. Э. Баумана, ФН12</a:t>
+                      </a:r>
+                      <a:endParaRPr lang="ru-RU" sz="1200" b="0" dirty="0">
+                        <a:cs typeface="Arial"/>
+                      </a:endParaRPr>
+                    </a:p>
+                  </a:txBody>
+                  <a:tcPr marL="103355" marR="103355" marT="51678" marB="51678"/>
+                </a:tc>
+                <a:extLst>
+                  <a:ext uri="{0D108BD9-81ED-4DB2-BD59-A6C34878D82A}">
+                    <a16:rowId xmlns:a16="http://schemas.microsoft.com/office/drawing/2014/main" val="84781295"/>
+                  </a:ext>
+                </a:extLst>
+              </a:tr>
+              <a:tr h="635753">
+                <a:tc>
+                  <a:txBody>
+                    <a:bodyPr/>
+                    <a:lstStyle/>
+                    <a:p>
+                      <a:r>
+                        <a:rPr lang="ru-RU" sz="1600" dirty="0">
+                          <a:cs typeface="Arial"/>
+                        </a:rPr>
+                        <a:t>Научный консультант:</a:t>
+                      </a:r>
+                      <a:endParaRPr lang="en-US" sz="1500" dirty="0"/>
+                    </a:p>
+                  </a:txBody>
+                  <a:tcPr marL="103355" marR="103355" marT="51678" marB="51678" anchor="ctr"/>
+                </a:tc>
+                <a:tc>
+                  <a:txBody>
+                    <a:bodyPr/>
+                    <a:lstStyle/>
+                    <a:p>
+                      <a:r>
+                        <a:rPr lang="ru-RU" sz="2400" b="1" dirty="0">
+                          <a:cs typeface="Arial"/>
+                        </a:rPr>
+                        <a:t>Жилякова Л. Ю.</a:t>
+                      </a:r>
+                    </a:p>
+                    <a:p>
+                      <a:pPr marL="0" marR="0" lvl="0" indent="0" algn="l" defTabSz="685800" rtl="0" eaLnBrk="1" fontAlgn="auto" latinLnBrk="0" hangingPunct="1">
+                        <a:lnSpc>
+                          <a:spcPct val="100000"/>
+                        </a:lnSpc>
+                        <a:spcBef>
+                          <a:spcPts val="0"/>
+                        </a:spcBef>
+                        <a:spcAft>
+                          <a:spcPts val="0"/>
+                        </a:spcAft>
+                        <a:buClrTx/>
+                        <a:buSzTx/>
+                        <a:buFontTx/>
+                        <a:buNone/>
+                        <a:tabLst/>
+                        <a:defRPr/>
+                      </a:pPr>
+                      <a:r>
+                        <a:rPr kumimoji="0" lang="ru-RU" sz="1400" b="0" i="0" u="none" strike="noStrike" kern="1200" cap="none" spc="0" normalizeH="0" baseline="0" noProof="0" dirty="0">
+                          <a:ln>
+                            <a:noFill/>
+                          </a:ln>
+                          <a:solidFill>
+                            <a:prstClr val="black"/>
+                          </a:solidFill>
+                          <a:effectLst/>
+                          <a:uLnTx/>
+                          <a:uFillTx/>
+                          <a:latin typeface="+mn-lt"/>
+                          <a:ea typeface="+mn-ea"/>
+                          <a:cs typeface="Arial"/>
+                        </a:rPr>
+                        <a:t>ИПУ РАН, лаб. 11</a:t>
+                      </a:r>
+                      <a:endParaRPr kumimoji="0" lang="ru-RU" sz="1200" b="0" i="0" u="none" strike="noStrike" kern="1200" cap="none" spc="0" normalizeH="0" baseline="0" noProof="0" dirty="0">
+                        <a:ln>
+                          <a:noFill/>
+                        </a:ln>
+                        <a:solidFill>
+                          <a:prstClr val="black"/>
+                        </a:solidFill>
+                        <a:effectLst/>
+                        <a:uLnTx/>
+                        <a:uFillTx/>
+                        <a:latin typeface="+mn-lt"/>
+                        <a:ea typeface="+mn-ea"/>
+                        <a:cs typeface="Arial"/>
+                      </a:endParaRPr>
+                    </a:p>
+                  </a:txBody>
+                  <a:tcPr marL="103355" marR="103355" marT="51678" marB="51678"/>
+                </a:tc>
+                <a:extLst>
+                  <a:ext uri="{0D108BD9-81ED-4DB2-BD59-A6C34878D82A}">
+                    <a16:rowId xmlns:a16="http://schemas.microsoft.com/office/drawing/2014/main" val="1082390365"/>
+                  </a:ext>
+                </a:extLst>
+              </a:tr>
+            </a:tbl>
+          </a:graphicData>
+        </a:graphic>
+      </p:graphicFrame>
     </p:spTree>
   </p:cSld>
   <p:clrMapOvr>
@@ -4135,7 +4321,7 @@
             </p:spPr>
             <p:txBody>
               <a:bodyPr>
-                <a:normAutofit fontScale="92500"/>
+                <a:normAutofit/>
               </a:bodyPr>
               <a:lstStyle/>
               <a:p>
@@ -4860,58 +5046,6 @@
                 </a14:m>
                 <a:endParaRPr lang="en-US" dirty="0"/>
               </a:p>
-              <a:p>
-                <a:pPr marL="0" indent="0" algn="just">
-                  <a:buNone/>
-                </a:pPr>
-                <a:endParaRPr lang="en-US" dirty="0"/>
-              </a:p>
-              <a:p>
-                <a:pPr algn="just"/>
-                <a:r>
-                  <a:rPr lang="ru-RU" dirty="0"/>
-                  <a:t>Публикации:</a:t>
-                </a:r>
-              </a:p>
-              <a:p>
-                <a:pPr lvl="1" algn="just"/>
-                <a:r>
-                  <a:rPr lang="ru-RU" sz="1800" dirty="0">
-                    <a:effectLst/>
-                    <a:ea typeface="Calibri" panose="020F0502020204030204" pitchFamily="34" charset="0"/>
-                  </a:rPr>
-                  <a:t>Жилякова Л.Ю, Корешков В.Р. Моделирование </a:t>
-                </a:r>
-                <a:r>
-                  <a:rPr lang="ru-RU" sz="1800" dirty="0" err="1">
-                    <a:effectLst/>
-                    <a:ea typeface="Calibri" panose="020F0502020204030204" pitchFamily="34" charset="0"/>
-                  </a:rPr>
-                  <a:t>перколяции</a:t>
-                </a:r>
-                <a:r>
-                  <a:rPr lang="ru-RU" sz="1800" dirty="0">
-                    <a:effectLst/>
-                    <a:ea typeface="Calibri" panose="020F0502020204030204" pitchFamily="34" charset="0"/>
-                  </a:rPr>
-                  <a:t> ресурсными сетями // ВСПУ, 2024 </a:t>
-                </a:r>
-                <a:r>
-                  <a:rPr lang="ru-RU" sz="1800" i="1" dirty="0">
-                    <a:effectLst/>
-                    <a:ea typeface="Calibri" panose="020F0502020204030204" pitchFamily="34" charset="0"/>
-                  </a:rPr>
-                  <a:t>(в печати)</a:t>
-                </a:r>
-                <a:r>
-                  <a:rPr lang="ru-RU" sz="1800" dirty="0">
-                    <a:effectLst/>
-                    <a:ea typeface="Calibri" panose="020F0502020204030204" pitchFamily="34" charset="0"/>
-                  </a:rPr>
-                  <a:t>.</a:t>
-                </a:r>
-                <a:endParaRPr lang="ru-RU" dirty="0"/>
-              </a:p>
             </p:txBody>
           </p:sp>
         </mc:Choice>
@@ -4940,7 +5074,7 @@
               <a:blipFill>
                 <a:blip r:embed="rId2"/>
                 <a:stretch>
-                  <a:fillRect l="-541" t="-1340" r="-773"/>
+                  <a:fillRect l="-773" t="-1609" r="-927"/>
                 </a:stretch>
               </a:blipFill>
             </p:spPr>
@@ -4959,42 +5093,6 @@
           </p:sp>
         </mc:Fallback>
       </mc:AlternateContent>
-      <p:cxnSp>
-        <p:nvCxnSpPr>
-          <p:cNvPr id="6" name="Straight Connector 5">
-            <a:extLst>
-              <a:ext uri="{FF2B5EF4-FFF2-40B4-BE49-F238E27FC236}">
-                <a16:creationId xmlns:a16="http://schemas.microsoft.com/office/drawing/2014/main" id="{4F572EEA-ED08-B704-8B9C-767FF9F362A5}"/>
-              </a:ext>
-            </a:extLst>
-          </p:cNvPr>
-          <p:cNvCxnSpPr/>
-          <p:nvPr/>
-        </p:nvCxnSpPr>
-        <p:spPr bwMode="auto">
-          <a:xfrm>
-            <a:off x="791580" y="4509120"/>
-            <a:ext cx="7560840" cy="0"/>
-          </a:xfrm>
-          <a:prstGeom prst="line">
-            <a:avLst/>
-          </a:prstGeom>
-        </p:spPr>
-        <p:style>
-          <a:lnRef idx="1">
-            <a:schemeClr val="accent1"/>
-          </a:lnRef>
-          <a:fillRef idx="0">
-            <a:schemeClr val="accent1"/>
-          </a:fillRef>
-          <a:effectRef idx="0">
-            <a:schemeClr val="accent1"/>
-          </a:effectRef>
-          <a:fontRef idx="minor">
-            <a:schemeClr val="tx1"/>
-          </a:fontRef>
-        </p:style>
-      </p:cxnSp>
     </p:spTree>
     <p:extLst>
       <p:ext uri="{BB962C8B-B14F-4D97-AF65-F5344CB8AC3E}">
@@ -5173,7 +5271,7 @@
           <a:bodyPr/>
           <a:lstStyle/>
           <a:p>
-            <a:pPr marL="0" indent="0" algn="just">
+            <a:pPr marL="0" indent="0">
               <a:buNone/>
             </a:pPr>
             <a:r>
@@ -5667,7 +5765,7 @@
                 <a:ea typeface="Calibri" panose="020F0502020204030204" pitchFamily="34" charset="0"/>
                 <a:cs typeface="+mn-cs"/>
               </a:rPr>
-              <a:t> В.Р. Graph Methods for Improving the Non-Optimal Solution of the Locomotive Assignment Problem under Time Constraints // Advances in Systems Science and Applications. 2022. Vol 22 No 2 (2022). С. 46-61 </a:t>
+              <a:t> В.Р. Graph Methods for Improving the Non-Optimal Solution of the Locomotive Assignment Problem under Time Constraints // Advances in Systems Science and Applications. 2022. Vol 22 No 2 (2022). С. 46-61;</a:t>
             </a:r>
             <a:endParaRPr kumimoji="0" lang="ru-RU" sz="2000" b="0" i="0" u="none" strike="noStrike" kern="1200" cap="none" spc="0" normalizeH="0" baseline="0" noProof="0" dirty="0">
               <a:ln>
@@ -5739,8 +5837,45 @@
                 <a:latin typeface="Calibri" panose="020F0502020204030204"/>
                 <a:ea typeface="Calibri" panose="020F0502020204030204" pitchFamily="34" charset="0"/>
               </a:rPr>
-              <a:t>С. 4095 (1-17).</a:t>
-            </a:r>
+              <a:t>С. 4095 (1-17)</a:t>
+            </a:r>
+            <a:r>
+              <a:rPr lang="en-US" sz="2000" dirty="0">
+                <a:solidFill>
+                  <a:prstClr val="black"/>
+                </a:solidFill>
+                <a:latin typeface="Calibri" panose="020F0502020204030204"/>
+                <a:ea typeface="Calibri" panose="020F0502020204030204" pitchFamily="34" charset="0"/>
+              </a:rPr>
+              <a:t> </a:t>
+            </a:r>
+            <a:r>
+              <a:rPr lang="en-US" sz="2000" i="1" dirty="0">
+                <a:solidFill>
+                  <a:prstClr val="black"/>
+                </a:solidFill>
+                <a:latin typeface="Calibri" panose="020F0502020204030204"/>
+                <a:ea typeface="Calibri" panose="020F0502020204030204" pitchFamily="34" charset="0"/>
+              </a:rPr>
+              <a:t>(Q1 Scopus)</a:t>
+            </a:r>
+            <a:r>
+              <a:rPr lang="en-US" sz="2000" dirty="0">
+                <a:solidFill>
+                  <a:prstClr val="black"/>
+                </a:solidFill>
+                <a:latin typeface="Calibri" panose="020F0502020204030204"/>
+                <a:ea typeface="Calibri" panose="020F0502020204030204" pitchFamily="34" charset="0"/>
+              </a:rPr>
+              <a:t>;</a:t>
+            </a:r>
+            <a:endParaRPr lang="ru-RU" sz="2000" dirty="0">
+              <a:solidFill>
+                <a:prstClr val="black"/>
+              </a:solidFill>
+              <a:latin typeface="Calibri" panose="020F0502020204030204"/>
+              <a:ea typeface="Calibri" panose="020F0502020204030204" pitchFamily="34" charset="0"/>
+            </a:endParaRPr>
           </a:p>
           <a:p>
             <a:pPr algn="just">
@@ -5764,41 +5899,7 @@
                 <a:ea typeface="Calibri" panose="020F0502020204030204" pitchFamily="34" charset="0"/>
                 <a:cs typeface="+mn-cs"/>
               </a:rPr>
-              <a:t>Жилякова Л.Ю, Корешков В.Р. Моделирование </a:t>
-            </a:r>
-            <a:r>
-              <a:rPr kumimoji="0" lang="ru-RU" sz="2000" b="0" i="0" u="none" strike="noStrike" kern="1200" cap="none" spc="0" normalizeH="0" baseline="0" noProof="0" dirty="0" err="1">
-                <a:ln>
-                  <a:noFill/>
-                </a:ln>
-                <a:solidFill>
-                  <a:prstClr val="black"/>
-                </a:solidFill>
-                <a:effectLst/>
-                <a:uLnTx/>
-                <a:uFillTx/>
-                <a:latin typeface="Calibri" panose="020F0502020204030204"/>
-                <a:ea typeface="Calibri" panose="020F0502020204030204" pitchFamily="34" charset="0"/>
-                <a:cs typeface="+mn-cs"/>
-              </a:rPr>
-              <a:t>перколяции</a:t>
-            </a:r>
-            <a:r>
-              <a:rPr kumimoji="0" lang="ru-RU" sz="2000" b="0" i="0" u="none" strike="noStrike" kern="1200" cap="none" spc="0" normalizeH="0" baseline="0" noProof="0" dirty="0">
-                <a:ln>
-                  <a:noFill/>
-                </a:ln>
-                <a:solidFill>
-                  <a:prstClr val="black"/>
-                </a:solidFill>
-                <a:effectLst/>
-                <a:uLnTx/>
-                <a:uFillTx/>
-                <a:latin typeface="Calibri" panose="020F0502020204030204"/>
-                <a:ea typeface="Calibri" panose="020F0502020204030204" pitchFamily="34" charset="0"/>
-                <a:cs typeface="+mn-cs"/>
-              </a:rPr>
-              <a:t> ресурсными сетями // ВСПУ, 2024 </a:t>
+              <a:t>Жилякова Л.Ю, Корешков В.Р. Моделирование перколяции ресурсными сетями // ВСПУ, 2024 </a:t>
             </a:r>
             <a:r>
               <a:rPr kumimoji="0" lang="ru-RU" sz="2000" b="0" i="1" u="none" strike="noStrike" kern="1200" cap="none" spc="0" normalizeH="0" baseline="0" noProof="0" dirty="0">
@@ -6013,20 +6114,12 @@
                   </a:schemeClr>
                 </a:solidFill>
               </a:rPr>
-              <a:t>Цель проекта:</a:t>
+              <a:t>Цель работы:</a:t>
             </a:r>
             <a:r>
               <a:rPr lang="ru-RU" sz="2000" dirty="0"/>
               <a:t> Исследование регулярных ресурсных сетей.</a:t>
             </a:r>
-            <a:endParaRPr lang="ru-RU" dirty="0"/>
-          </a:p>
-          <a:p>
-            <a:pPr marL="0" indent="0" algn="just">
-              <a:buNone/>
-              <a:defRPr/>
-            </a:pPr>
-            <a:endParaRPr lang="ru-RU" sz="2000" dirty="0"/>
           </a:p>
           <a:p>
             <a:pPr marL="0" indent="0" algn="just">
@@ -6050,15 +6143,7 @@
             </a:pPr>
             <a:r>
               <a:rPr lang="ru-RU" sz="2000" dirty="0"/>
-              <a:t>Исследовать свойства ресурсных сетей на регулярных графах для моделирования </a:t>
-            </a:r>
-            <a:r>
-              <a:rPr lang="ru-RU" sz="2000" dirty="0" err="1"/>
-              <a:t>перколяции</a:t>
-            </a:r>
-            <a:r>
-              <a:rPr lang="ru-RU" sz="2000" dirty="0"/>
-              <a:t>;</a:t>
+              <a:t>Исследовать свойства ресурсных сетей на регулярных графах для моделирования перколяции;</a:t>
             </a:r>
           </a:p>
           <a:p>
@@ -6077,6 +6162,40 @@
             <a:r>
               <a:rPr lang="ru-RU" sz="2000" dirty="0"/>
               <a:t>Разработать программу, позволяющую создавать ресурсные сети на регулярных графах, проводить симуляции, а также наглядно визуализировать полученные результаты.</a:t>
+            </a:r>
+          </a:p>
+          <a:p>
+            <a:pPr marL="0" indent="0" algn="just">
+              <a:buNone/>
+              <a:defRPr/>
+            </a:pPr>
+            <a:r>
+              <a:rPr lang="ru-RU" sz="2000" b="1" dirty="0">
+                <a:solidFill>
+                  <a:schemeClr val="accent1">
+                    <a:lumMod val="50000"/>
+                  </a:schemeClr>
+                </a:solidFill>
+              </a:rPr>
+              <a:t>Актуальность:</a:t>
+            </a:r>
+          </a:p>
+          <a:p>
+            <a:pPr algn="just">
+              <a:defRPr/>
+            </a:pPr>
+            <a:r>
+              <a:rPr lang="ru-RU" sz="2000" dirty="0"/>
+              <a:t>Применение ресурсных сетей для моделирования процессов протекания/перераспределения;</a:t>
+            </a:r>
+          </a:p>
+          <a:p>
+            <a:pPr algn="just">
+              <a:defRPr/>
+            </a:pPr>
+            <a:r>
+              <a:rPr lang="ru-RU" sz="2000" dirty="0"/>
+              <a:t>Упрощение вычислений и качественного анализа поведения модели.</a:t>
             </a:r>
           </a:p>
         </p:txBody>
@@ -6156,10 +6275,10 @@
               <a:defRPr/>
             </a:pPr>
             <a:r>
-              <a:rPr lang="ru-RU"/>
-              <a:t>Цели и задачи</a:t>
-            </a:r>
-            <a:endParaRPr/>
+              <a:rPr lang="ru-RU" dirty="0"/>
+              <a:t>Цель, задачи, актуальность</a:t>
+            </a:r>
+            <a:endParaRPr dirty="0"/>
           </a:p>
         </p:txBody>
       </p:sp>
@@ -6188,8 +6307,8 @@
           <a:chExt cx="0" cy="0"/>
         </a:xfrm>
       </p:grpSpPr>
-      <mc:AlternateContent xmlns:mc="http://schemas.openxmlformats.org/markup-compatibility/2006" xmlns:a14="http://schemas.microsoft.com/office/drawing/2010/main">
-        <mc:Choice Requires="a14">
+      <mc:AlternateContent xmlns:mc="http://schemas.openxmlformats.org/markup-compatibility/2006">
+        <mc:Choice xmlns:a14="http://schemas.microsoft.com/office/drawing/2010/main" Requires="a14">
           <p:sp>
             <p:nvSpPr>
               <p:cNvPr id="3" name="Объект 2"/>
@@ -6290,8 +6409,13 @@
                 </a:r>
                 <a:r>
                   <a:rPr lang="ru-RU" sz="1700" dirty="0"/>
-                  <a:t>с. 4095–4096</a:t>
-                </a:r>
+                  <a:t>с. 4095–4</a:t>
+                </a:r>
+                <a:r>
+                  <a:rPr lang="en-US" sz="1700" dirty="0"/>
+                  <a:t>112;</a:t>
+                </a:r>
+                <a:endParaRPr lang="ru-RU" sz="1700" dirty="0"/>
               </a:p>
               <a:p>
                 <a:pPr lvl="1" algn="just">
@@ -6301,6 +6425,11 @@
                   <a:rPr lang="ru-RU" sz="1700" dirty="0"/>
                   <a:t>Чаплинская Н. В. Исследование полных однородных ресурсных сетей с «жадными» вершинами: зона «достаточного большого» ресурса // Управление большими системами: сборник трудов. Институт проблем управления им. В. А. Трапезникова РАН, 2021. с. 49–66</a:t>
                 </a:r>
+                <a:r>
+                  <a:rPr lang="en-US" sz="1700" dirty="0"/>
+                  <a:t>.</a:t>
+                </a:r>
+                <a:endParaRPr lang="ru-RU" sz="1700" dirty="0"/>
               </a:p>
               <a:p>
                 <a:pPr algn="just">
@@ -6333,7 +6462,7 @@
                 </a:pPr>
                 <a:r>
                   <a:rPr lang="it-IT" sz="1700" dirty="0"/>
-                  <a:t>Bollobás B., Riordan O. Percolation. Cambridge University Press, 2006. с. 323–324</a:t>
+                  <a:t>Bollobás B., Riordan O. Percolation. Cambridge University Press, 2006. с. 323–324;</a:t>
                 </a:r>
                 <a:endParaRPr lang="ru-RU" sz="1700" dirty="0"/>
               </a:p>
@@ -6359,7 +6488,7 @@
                 </a:r>
                 <a:r>
                   <a:rPr lang="en-US" sz="1700" dirty="0"/>
-                  <a:t>Reports. Elsevier BV, 2021. т. 907. с. 1–68</a:t>
+                  <a:t>Reports. Elsevier BV, 2021. т. 907. с. 1–68.</a:t>
                 </a:r>
                 <a:endParaRPr lang="ru-RU" sz="1700" dirty="0"/>
               </a:p>
@@ -6400,7 +6529,7 @@
                 </a:r>
                 <a:r>
                   <a:rPr lang="en-US" sz="1700" dirty="0"/>
-                  <a:t>, 2010</a:t>
+                  <a:t>, 2010;</a:t>
                 </a:r>
                 <a:endParaRPr lang="ru-RU" sz="1700" dirty="0"/>
               </a:p>
@@ -6432,11 +6561,11 @@
                       </m:sSubPr>
                       <m:e>
                         <m:r>
-                          <a:rPr lang="en-US" sz="1700" i="1" dirty="0" smtClean="0">
+                          <a:rPr lang="en-US" sz="1700" b="1" i="1" dirty="0" smtClean="0">
                             <a:latin typeface="Cambria Math" panose="02040503050406030204" pitchFamily="18" charset="0"/>
                             <a:ea typeface="Cambria Math" panose="02040503050406030204" pitchFamily="18" charset="0"/>
                           </a:rPr>
-                          <m:t>ℚ</m:t>
+                          <m:t>𝑸</m:t>
                         </m:r>
                       </m:e>
                       <m:sub>
@@ -6460,7 +6589,7 @@
                 </a:r>
                 <a:r>
                   <a:rPr lang="en-US" sz="1700" dirty="0"/>
-                  <a:t>, 2017</a:t>
+                  <a:t>, 2017;</a:t>
                 </a:r>
                 <a:endParaRPr lang="ru-RU" sz="1700" dirty="0"/>
               </a:p>
@@ -6494,7 +6623,7 @@
                 </a:r>
                 <a:r>
                   <a:rPr lang="en-US" sz="1700" dirty="0"/>
-                  <a:t>No 10. с. 1812–1813</a:t>
+                  <a:t>No 10. с. 1812–1813;</a:t>
                 </a:r>
                 <a:endParaRPr lang="ru-RU" sz="1700" dirty="0"/>
               </a:p>
@@ -6532,14 +6661,14 @@
                 </a:r>
                 <a:r>
                   <a:rPr lang="en-US" sz="1700" dirty="0"/>
-                  <a:t>. New York, NY: Springer, 2007</a:t>
+                  <a:t>. New York, NY: Springer, 2007.</a:t>
                 </a:r>
                 <a:endParaRPr lang="ru-RU" sz="1700" dirty="0"/>
               </a:p>
             </p:txBody>
           </p:sp>
         </mc:Choice>
-        <mc:Fallback xmlns="">
+        <mc:Fallback>
           <p:sp>
             <p:nvSpPr>
               <p:cNvPr id="3" name="Объект 2"/>
@@ -7145,8 +7274,8 @@
           <a:chExt cx="0" cy="0"/>
         </a:xfrm>
       </p:grpSpPr>
-      <mc:AlternateContent xmlns:mc="http://schemas.openxmlformats.org/markup-compatibility/2006" xmlns:a14="http://schemas.microsoft.com/office/drawing/2010/main">
-        <mc:Choice Requires="a14">
+      <mc:AlternateContent xmlns:mc="http://schemas.openxmlformats.org/markup-compatibility/2006">
+        <mc:Choice xmlns:a14="http://schemas.microsoft.com/office/drawing/2010/main" Requires="a14">
           <p:sp>
             <p:nvSpPr>
               <p:cNvPr id="3" name="Объект 2"/>
@@ -7219,7 +7348,7 @@
                 </a:pPr>
                 <a:r>
                   <a:rPr lang="ru-RU" sz="1800" i="0" dirty="0"/>
-                  <a:t>Тип: треугольная, шестиугольная или прямоугольная</a:t>
+                  <a:t>Тип: треугольная, шестиугольная или прямоугольная.</a:t>
                 </a:r>
               </a:p>
               <a:p>
@@ -7263,10 +7392,9 @@
                   <a:t>)</a:t>
                 </a:r>
                 <a:r>
-                  <a:rPr lang="en-US" sz="1800" dirty="0"/>
-                  <a:t>;</a:t>
-                </a:r>
-                <a:endParaRPr lang="ru-RU" sz="1800" dirty="0"/>
+                  <a:rPr lang="ru-RU" sz="1800" dirty="0"/>
+                  <a:t>.</a:t>
+                </a:r>
               </a:p>
               <a:p>
                 <a:pPr algn="just">
@@ -7274,7 +7402,7 @@
                 </a:pPr>
                 <a:r>
                   <a:rPr lang="ru-RU" sz="1800" i="0" dirty="0"/>
-                  <a:t>Верхние вершины (в начальный момент времени ресурс только в верхних вершинах)</a:t>
+                  <a:t>Верхние вершины (в начальный момент времени ресурс только в верхних вершинах).</a:t>
                 </a:r>
               </a:p>
               <a:p>
@@ -7283,7 +7411,7 @@
                 </a:pPr>
                 <a:r>
                   <a:rPr lang="ru-RU" sz="1800" dirty="0"/>
-                  <a:t>Стоковые вершины (могут присутствовать, могут отсутствовать)</a:t>
+                  <a:t>Стоковые вершины (могут присутствовать, могут отсутствовать).</a:t>
                 </a:r>
               </a:p>
               <a:p>
@@ -7295,7 +7423,7 @@
             </p:txBody>
           </p:sp>
         </mc:Choice>
-        <mc:Fallback xmlns="">
+        <mc:Fallback>
           <p:sp>
             <p:nvSpPr>
               <p:cNvPr id="3" name="Объект 2"/>
@@ -7749,8 +7877,8 @@
             </p:nvSpPr>
             <p:spPr>
               <a:xfrm>
-                <a:off x="484634" y="3284984"/>
-                <a:ext cx="7886700" cy="4260131"/>
+                <a:off x="484634" y="3284985"/>
+                <a:ext cx="7886700" cy="2664296"/>
               </a:xfrm>
             </p:spPr>
             <p:txBody>
@@ -7759,13 +7887,22 @@
               <a:p>
                 <a:pPr algn="just"/>
                 <a:r>
-                  <a:rPr lang="ru-RU" b="1" dirty="0"/>
+                  <a:rPr lang="ru-RU" b="1" dirty="0">
+                    <a:solidFill>
+                      <a:schemeClr val="accent1">
+                        <a:lumMod val="50000"/>
+                      </a:schemeClr>
+                    </a:solidFill>
+                  </a:rPr>
                   <a:t>Автоморфизм ресурсной сети </a:t>
                 </a:r>
                 <a:r>
                   <a:rPr lang="ru-RU" dirty="0"/>
-                  <a:t>– по аналогии с понятием автоморфизма графов. </a:t>
-                </a:r>
+                  <a:t>– автоморфизм графа как взвешенного.</a:t>
+                </a:r>
+              </a:p>
+              <a:p>
+                <a:pPr algn="just"/>
                 <a14:m>
                   <m:oMath xmlns:m="http://schemas.openxmlformats.org/officeDocument/2006/math">
                     <m:r>
@@ -7773,6 +7910,11 @@
                         <m:nor/>
                       </m:rPr>
                       <a:rPr lang="ru-RU" sz="1800" b="1" smtClean="0">
+                        <a:solidFill>
+                          <a:schemeClr val="accent1">
+                            <a:lumMod val="50000"/>
+                          </a:schemeClr>
+                        </a:solidFill>
                         <a:effectLst/>
                         <a:latin typeface="Cambria Math" panose="02040503050406030204" pitchFamily="18" charset="0"/>
                         <a:ea typeface="Cambria Math" panose="02040503050406030204" pitchFamily="18" charset="0"/>
@@ -7783,6 +7925,11 @@
                       <m:dPr>
                         <m:ctrlPr>
                           <a:rPr lang="en-US" b="1" i="1">
+                            <a:solidFill>
+                              <a:schemeClr val="accent1">
+                                <a:lumMod val="50000"/>
+                              </a:schemeClr>
+                            </a:solidFill>
                             <a:effectLst/>
                             <a:latin typeface="Cambria Math" panose="02040503050406030204" pitchFamily="18" charset="0"/>
                             <a:ea typeface="Cambria Math" panose="02040503050406030204" pitchFamily="18" charset="0"/>
@@ -7795,6 +7942,11 @@
                             <m:nor/>
                           </m:rPr>
                           <a:rPr lang="ru-RU" sz="1800" b="1">
+                            <a:solidFill>
+                              <a:schemeClr val="accent1">
+                                <a:lumMod val="50000"/>
+                              </a:schemeClr>
+                            </a:solidFill>
                             <a:effectLst/>
                             <a:latin typeface="Cambria Math" panose="02040503050406030204" pitchFamily="18" charset="0"/>
                             <a:ea typeface="Cambria Math" panose="02040503050406030204" pitchFamily="18" charset="0"/>
@@ -7806,7 +7958,13 @@
                   </m:oMath>
                 </a14:m>
                 <a:r>
-                  <a:rPr lang="ru-RU" dirty="0"/>
+                  <a:rPr lang="ru-RU" dirty="0">
+                    <a:solidFill>
+                      <a:schemeClr val="accent1">
+                        <a:lumMod val="50000"/>
+                      </a:schemeClr>
+                    </a:solidFill>
+                  </a:rPr>
                   <a:t> </a:t>
                 </a:r>
                 <a:r>
@@ -7822,19 +7980,36 @@
               <a:p>
                 <a:pPr algn="just"/>
                 <a:r>
+                  <a:rPr lang="ru-RU" b="1" dirty="0">
+                    <a:solidFill>
+                      <a:schemeClr val="accent1">
+                        <a:lumMod val="50000"/>
+                      </a:schemeClr>
+                    </a:solidFill>
+                  </a:rPr>
+                  <a:t>Фактор-сеть</a:t>
+                </a:r>
+                <a:r>
                   <a:rPr lang="ru-RU" b="1" dirty="0"/>
-                  <a:t>Фактор-сеть </a:t>
+                  <a:t> </a:t>
                 </a:r>
                 <a:r>
                   <a:rPr lang="ru-RU" dirty="0"/>
-                  <a:t>– по аналогии с понятием фактор-графа.</a:t>
+                  <a:t>– ресурсная сеть, граф которой – факторграф исходной сети.</a:t>
                 </a:r>
               </a:p>
               <a:p>
                 <a:pPr lvl="1" algn="just"/>
                 <a:r>
                   <a:rPr lang="ru-RU" dirty="0"/>
-                  <a:t>Фактор-сеть существует не всегда</a:t>
+                  <a:t>Веса должны быть согласованы.</a:t>
+                </a:r>
+              </a:p>
+              <a:p>
+                <a:pPr lvl="1" algn="just"/>
+                <a:r>
+                  <a:rPr lang="ru-RU" dirty="0"/>
+                  <a:t>Фактор-сеть существует не всегда.</a:t>
                 </a:r>
               </a:p>
             </p:txBody>
@@ -7859,13 +8034,13 @@
             </p:nvSpPr>
             <p:spPr>
               <a:xfrm>
-                <a:off x="484634" y="3284984"/>
-                <a:ext cx="7886700" cy="4260131"/>
+                <a:off x="484634" y="3284985"/>
+                <a:ext cx="7886700" cy="2664296"/>
               </a:xfrm>
               <a:blipFill>
                 <a:blip r:embed="rId2"/>
                 <a:stretch>
-                  <a:fillRect l="-773" t="-1574" r="-928"/>
+                  <a:fillRect l="-773" t="-2517" r="-928"/>
                 </a:stretch>
               </a:blipFill>
             </p:spPr>
@@ -8292,7 +8467,13 @@
                   <a:t> – </a:t>
                 </a:r>
                 <a:r>
-                  <a:rPr lang="ru-RU" b="1" dirty="0" err="1"/>
+                  <a:rPr lang="ru-RU" b="1" dirty="0">
+                    <a:solidFill>
+                      <a:schemeClr val="accent1">
+                        <a:lumMod val="50000"/>
+                      </a:schemeClr>
+                    </a:solidFill>
+                  </a:rPr>
                   <a:t>факторграф</a:t>
                 </a:r>
                 <a:r>

--- a/presentation/Корешков НИР.pptx
+++ b/presentation/Корешков НИР.pptx
@@ -5,21 +5,25 @@
     <p:sldMasterId id="2147483660" r:id="rId1"/>
   </p:sldMasterIdLst>
   <p:notesMasterIdLst>
-    <p:notesMasterId r:id="rId14"/>
+    <p:notesMasterId r:id="rId18"/>
   </p:notesMasterIdLst>
   <p:sldIdLst>
     <p:sldId id="787" r:id="rId2"/>
     <p:sldId id="788" r:id="rId3"/>
     <p:sldId id="797" r:id="rId4"/>
     <p:sldId id="789" r:id="rId5"/>
-    <p:sldId id="790" r:id="rId6"/>
-    <p:sldId id="792" r:id="rId7"/>
-    <p:sldId id="794" r:id="rId8"/>
-    <p:sldId id="793" r:id="rId9"/>
-    <p:sldId id="795" r:id="rId10"/>
-    <p:sldId id="796" r:id="rId11"/>
+    <p:sldId id="803" r:id="rId6"/>
+    <p:sldId id="804" r:id="rId7"/>
+    <p:sldId id="790" r:id="rId8"/>
+    <p:sldId id="794" r:id="rId9"/>
+    <p:sldId id="799" r:id="rId10"/>
+    <p:sldId id="800" r:id="rId11"/>
     <p:sldId id="791" r:id="rId12"/>
-    <p:sldId id="274" r:id="rId13"/>
+    <p:sldId id="796" r:id="rId13"/>
+    <p:sldId id="801" r:id="rId14"/>
+    <p:sldId id="802" r:id="rId15"/>
+    <p:sldId id="274" r:id="rId16"/>
+    <p:sldId id="798" r:id="rId17"/>
   </p:sldIdLst>
   <p:sldSz cx="9144000" cy="6858000" type="screen4x3"/>
   <p:notesSz cx="6858000" cy="9144000"/>
@@ -260,7 +264,7 @@
           <a:p>
             <a:fld id="{15894E88-5F89-4E9D-9D69-63D1403F4EC5}" type="datetimeFigureOut">
               <a:rPr lang="ru-RU" smtClean="0"/>
-              <a:t>22.05.2024</a:t>
+              <a:t>24.06.2024</a:t>
             </a:fld>
             <a:endParaRPr lang="ru-RU"/>
           </a:p>
@@ -678,7 +682,7 @@
           <a:p>
             <a:fld id="{FB909491-6A74-4B8E-AF43-570850896E7C}" type="datetime1">
               <a:rPr lang="ru-RU" smtClean="0"/>
-              <a:t>22.05.2024</a:t>
+              <a:t>24.06.2024</a:t>
             </a:fld>
             <a:endParaRPr lang="ru-RU"/>
           </a:p>
@@ -880,7 +884,7 @@
           <a:p>
             <a:fld id="{8F5D2B6D-73E8-4BC6-8383-DB1DBE680E08}" type="datetime1">
               <a:rPr lang="ru-RU" smtClean="0"/>
-              <a:t>22.05.2024</a:t>
+              <a:t>24.06.2024</a:t>
             </a:fld>
             <a:endParaRPr lang="ru-RU"/>
           </a:p>
@@ -1092,7 +1096,7 @@
           <a:p>
             <a:fld id="{9EE7DEA9-C0B4-4DA1-80B7-C32A83EDD96A}" type="datetime1">
               <a:rPr lang="ru-RU" smtClean="0"/>
-              <a:t>22.05.2024</a:t>
+              <a:t>24.06.2024</a:t>
             </a:fld>
             <a:endParaRPr lang="ru-RU"/>
           </a:p>
@@ -1294,7 +1298,7 @@
           <a:p>
             <a:fld id="{83781BD4-390A-4622-8CB9-F89686B303F1}" type="datetime1">
               <a:rPr lang="ru-RU" smtClean="0"/>
-              <a:t>22.05.2024</a:t>
+              <a:t>24.06.2024</a:t>
             </a:fld>
             <a:endParaRPr lang="ru-RU"/>
           </a:p>
@@ -1590,7 +1594,7 @@
           <a:p>
             <a:fld id="{AA67E982-690B-4748-B3F8-2D6056442731}" type="datetime1">
               <a:rPr lang="ru-RU" smtClean="0"/>
-              <a:t>22.05.2024</a:t>
+              <a:t>24.06.2024</a:t>
             </a:fld>
             <a:endParaRPr lang="ru-RU"/>
           </a:p>
@@ -1876,7 +1880,7 @@
           <a:p>
             <a:fld id="{E8BE2DA4-B2F3-4168-90C1-D73682CC15FA}" type="datetime1">
               <a:rPr lang="ru-RU" smtClean="0"/>
-              <a:t>22.05.2024</a:t>
+              <a:t>24.06.2024</a:t>
             </a:fld>
             <a:endParaRPr lang="ru-RU"/>
           </a:p>
@@ -2292,7 +2296,7 @@
           <a:p>
             <a:fld id="{0A87EC53-6E00-4F84-B388-59F11962B1FA}" type="datetime1">
               <a:rPr lang="ru-RU" smtClean="0"/>
-              <a:t>22.05.2024</a:t>
+              <a:t>24.06.2024</a:t>
             </a:fld>
             <a:endParaRPr lang="ru-RU"/>
           </a:p>
@@ -2437,7 +2441,7 @@
           <a:p>
             <a:fld id="{5F47728F-0B87-41CC-8EB8-175F5524C99D}" type="datetime1">
               <a:rPr lang="ru-RU" smtClean="0"/>
-              <a:t>22.05.2024</a:t>
+              <a:t>24.06.2024</a:t>
             </a:fld>
             <a:endParaRPr lang="ru-RU"/>
           </a:p>
@@ -2554,7 +2558,7 @@
           <a:p>
             <a:fld id="{C0DC363C-5D37-49EA-99F6-CF0AD2911882}" type="datetime1">
               <a:rPr lang="ru-RU" smtClean="0"/>
-              <a:t>22.05.2024</a:t>
+              <a:t>24.06.2024</a:t>
             </a:fld>
             <a:endParaRPr lang="ru-RU"/>
           </a:p>
@@ -2869,7 +2873,7 @@
           <a:p>
             <a:fld id="{66E502FB-0073-426D-B45F-57EE3504BCDD}" type="datetime1">
               <a:rPr lang="ru-RU" smtClean="0"/>
-              <a:t>22.05.2024</a:t>
+              <a:t>24.06.2024</a:t>
             </a:fld>
             <a:endParaRPr lang="ru-RU"/>
           </a:p>
@@ -3161,7 +3165,7 @@
           <a:p>
             <a:fld id="{451C807D-2D47-4174-AABD-8E0706A44625}" type="datetime1">
               <a:rPr lang="ru-RU" smtClean="0"/>
-              <a:t>22.05.2024</a:t>
+              <a:t>24.06.2024</a:t>
             </a:fld>
             <a:endParaRPr lang="ru-RU"/>
           </a:p>
@@ -3406,7 +3410,7 @@
           <a:p>
             <a:fld id="{8F158623-B048-43EB-8801-11E6B6D1E4A4}" type="datetime1">
               <a:rPr lang="ru-RU" smtClean="0"/>
-              <a:t>22.05.2024</a:t>
+              <a:t>24.06.2024</a:t>
             </a:fld>
             <a:endParaRPr lang="ru-RU"/>
           </a:p>
@@ -4253,13 +4257,8 @@
             </a:pPr>
             <a:r>
               <a:rPr lang="ru-RU" dirty="0"/>
-              <a:t>Результаты</a:t>
-            </a:r>
-            <a:r>
-              <a:rPr lang="en-US" dirty="0"/>
-              <a:t> (3)</a:t>
-            </a:r>
-            <a:endParaRPr dirty="0"/>
+              <a:t>Симметрии сетей как графов</a:t>
+            </a:r>
           </a:p>
         </p:txBody>
       </p:sp>
@@ -4290,6 +4289,1837 @@
             <a:fld id="{667099E1-2BD8-4718-81B5-D06A6B18E473}" type="slidenum">
               <a:rPr lang="ru-RU" smtClean="0"/>
               <a:t>10</a:t>
+            </a:fld>
+            <a:endParaRPr lang="ru-RU"/>
+          </a:p>
+        </p:txBody>
+      </p:sp>
+      <mc:AlternateContent xmlns:mc="http://schemas.openxmlformats.org/markup-compatibility/2006" xmlns:a14="http://schemas.microsoft.com/office/drawing/2010/main">
+        <mc:Choice Requires="a14">
+          <p:sp>
+            <p:nvSpPr>
+              <p:cNvPr id="3" name="Content Placeholder 2">
+                <a:extLst>
+                  <a:ext uri="{FF2B5EF4-FFF2-40B4-BE49-F238E27FC236}">
+                    <a16:creationId xmlns:a16="http://schemas.microsoft.com/office/drawing/2014/main" id="{B37D946C-C169-1133-F6FA-82F79F03BCC7}"/>
+                  </a:ext>
+                </a:extLst>
+              </p:cNvPr>
+              <p:cNvSpPr>
+                <a:spLocks noGrp="1"/>
+              </p:cNvSpPr>
+              <p:nvPr>
+                <p:ph idx="1"/>
+              </p:nvPr>
+            </p:nvSpPr>
+            <p:spPr>
+              <a:xfrm>
+                <a:off x="628650" y="1253331"/>
+                <a:ext cx="7886700" cy="1455589"/>
+              </a:xfrm>
+            </p:spPr>
+            <p:txBody>
+              <a:bodyPr>
+                <a:normAutofit/>
+              </a:bodyPr>
+              <a:lstStyle/>
+              <a:p>
+                <a:pPr algn="just"/>
+                <a:r>
+                  <a:rPr lang="ru-RU" dirty="0"/>
+                  <a:t>Описаны симметрии сети на цилиндре </a:t>
+                </a:r>
+                <a14:m>
+                  <m:oMath xmlns:m="http://schemas.openxmlformats.org/officeDocument/2006/math">
+                    <m:r>
+                      <m:rPr>
+                        <m:nor/>
+                      </m:rPr>
+                      <a:rPr lang="ru-RU" sz="1800" smtClean="0">
+                        <a:effectLst/>
+                        <a:ea typeface="Calibri" panose="020F0502020204030204" pitchFamily="34" charset="0"/>
+                      </a:rPr>
+                      <m:t>SN</m:t>
+                    </m:r>
+                    <m:r>
+                      <a:rPr lang="ru-RU" sz="1800">
+                        <a:effectLst/>
+                        <a:latin typeface="Cambria Math" panose="02040503050406030204" pitchFamily="18" charset="0"/>
+                        <a:ea typeface="Calibri" panose="020F0502020204030204" pitchFamily="34" charset="0"/>
+                        <a:cs typeface="Times New Roman" panose="02020603050405020304" pitchFamily="18" charset="0"/>
+                      </a:rPr>
+                      <m:t>/</m:t>
+                    </m:r>
+                    <m:sSub>
+                      <m:sSubPr>
+                        <m:ctrlPr>
+                          <a:rPr lang="en-US" sz="1800" i="1">
+                            <a:effectLst/>
+                            <a:latin typeface="Cambria Math" panose="02040503050406030204" pitchFamily="18" charset="0"/>
+                          </a:rPr>
+                        </m:ctrlPr>
+                      </m:sSubPr>
+                      <m:e>
+                        <m:r>
+                          <a:rPr lang="ru-RU" sz="1800">
+                            <a:effectLst/>
+                            <a:latin typeface="Cambria Math" panose="02040503050406030204" pitchFamily="18" charset="0"/>
+                            <a:ea typeface="Calibri" panose="020F0502020204030204" pitchFamily="34" charset="0"/>
+                            <a:cs typeface="Times New Roman" panose="02020603050405020304" pitchFamily="18" charset="0"/>
+                          </a:rPr>
+                          <m:t>∼</m:t>
+                        </m:r>
+                      </m:e>
+                      <m:sub>
+                        <m:r>
+                          <m:rPr>
+                            <m:nor/>
+                          </m:rPr>
+                          <a:rPr lang="ru-RU" sz="1800">
+                            <a:effectLst/>
+                            <a:ea typeface="Calibri" panose="020F0502020204030204" pitchFamily="34" charset="0"/>
+                          </a:rPr>
+                          <m:t>cyl</m:t>
+                        </m:r>
+                      </m:sub>
+                    </m:sSub>
+                  </m:oMath>
+                </a14:m>
+                <a:r>
+                  <a:rPr lang="ru-RU" dirty="0"/>
+                  <a:t>.</a:t>
+                </a:r>
+              </a:p>
+              <a:p>
+                <a:pPr algn="just"/>
+                <a:endParaRPr lang="ru-RU" dirty="0"/>
+              </a:p>
+              <a:p>
+                <a:pPr lvl="1" algn="just"/>
+                <a:r>
+                  <a:rPr lang="ru-RU" sz="1800" dirty="0">
+                    <a:effectLst/>
+                    <a:ea typeface="Calibri" panose="020F0502020204030204" pitchFamily="34" charset="0"/>
+                  </a:rPr>
+                  <a:t>Пусть </a:t>
+                </a:r>
+                <a14:m>
+                  <m:oMath xmlns:m="http://schemas.openxmlformats.org/officeDocument/2006/math">
+                    <m:acc>
+                      <m:accPr>
+                        <m:chr m:val="̃"/>
+                        <m:ctrlPr>
+                          <a:rPr lang="en-US" i="1">
+                            <a:effectLst/>
+                            <a:latin typeface="Cambria Math" panose="02040503050406030204" pitchFamily="18" charset="0"/>
+                          </a:rPr>
+                        </m:ctrlPr>
+                      </m:accPr>
+                      <m:e>
+                        <m:r>
+                          <a:rPr lang="ru-RU" sz="1800" i="1">
+                            <a:effectLst/>
+                            <a:latin typeface="Cambria Math" panose="02040503050406030204" pitchFamily="18" charset="0"/>
+                            <a:ea typeface="Calibri" panose="020F0502020204030204" pitchFamily="34" charset="0"/>
+                            <a:cs typeface="Times New Roman" panose="02020603050405020304" pitchFamily="18" charset="0"/>
+                          </a:rPr>
+                          <m:t>𝑚</m:t>
+                        </m:r>
+                      </m:e>
+                    </m:acc>
+                    <m:r>
+                      <a:rPr lang="ru-RU" sz="1800">
+                        <a:effectLst/>
+                        <a:latin typeface="Cambria Math" panose="02040503050406030204" pitchFamily="18" charset="0"/>
+                        <a:ea typeface="Calibri" panose="020F0502020204030204" pitchFamily="34" charset="0"/>
+                        <a:cs typeface="Times New Roman" panose="02020603050405020304" pitchFamily="18" charset="0"/>
+                      </a:rPr>
+                      <m:t>=</m:t>
+                    </m:r>
+                    <m:r>
+                      <a:rPr lang="ru-RU" sz="1800" i="1">
+                        <a:effectLst/>
+                        <a:latin typeface="Cambria Math" panose="02040503050406030204" pitchFamily="18" charset="0"/>
+                        <a:ea typeface="Calibri" panose="020F0502020204030204" pitchFamily="34" charset="0"/>
+                        <a:cs typeface="Times New Roman" panose="02020603050405020304" pitchFamily="18" charset="0"/>
+                      </a:rPr>
+                      <m:t>𝑚</m:t>
+                    </m:r>
+                  </m:oMath>
+                </a14:m>
+                <a:r>
+                  <a:rPr lang="ru-RU" sz="1800" dirty="0">
+                    <a:effectLst/>
+                    <a:ea typeface="Calibri" panose="020F0502020204030204" pitchFamily="34" charset="0"/>
+                  </a:rPr>
+                  <a:t>, если сеть прямоугольная или шестиугольная и </a:t>
+                </a:r>
+                <a14:m>
+                  <m:oMath xmlns:m="http://schemas.openxmlformats.org/officeDocument/2006/math">
+                    <m:acc>
+                      <m:accPr>
+                        <m:chr m:val="̃"/>
+                        <m:ctrlPr>
+                          <a:rPr lang="en-US" i="1">
+                            <a:effectLst/>
+                            <a:latin typeface="Cambria Math" panose="02040503050406030204" pitchFamily="18" charset="0"/>
+                          </a:rPr>
+                        </m:ctrlPr>
+                      </m:accPr>
+                      <m:e>
+                        <m:r>
+                          <a:rPr lang="ru-RU" sz="1800" i="1">
+                            <a:effectLst/>
+                            <a:latin typeface="Cambria Math" panose="02040503050406030204" pitchFamily="18" charset="0"/>
+                            <a:ea typeface="Calibri" panose="020F0502020204030204" pitchFamily="34" charset="0"/>
+                            <a:cs typeface="Times New Roman" panose="02020603050405020304" pitchFamily="18" charset="0"/>
+                          </a:rPr>
+                          <m:t>𝑚</m:t>
+                        </m:r>
+                      </m:e>
+                    </m:acc>
+                    <m:r>
+                      <a:rPr lang="ru-RU" sz="1800">
+                        <a:effectLst/>
+                        <a:latin typeface="Cambria Math" panose="02040503050406030204" pitchFamily="18" charset="0"/>
+                        <a:ea typeface="Calibri" panose="020F0502020204030204" pitchFamily="34" charset="0"/>
+                        <a:cs typeface="Times New Roman" panose="02020603050405020304" pitchFamily="18" charset="0"/>
+                      </a:rPr>
+                      <m:t>=</m:t>
+                    </m:r>
+                    <m:d>
+                      <m:dPr>
+                        <m:begChr m:val="⌊"/>
+                        <m:endChr m:val="⌋"/>
+                        <m:ctrlPr>
+                          <a:rPr lang="en-US" i="1">
+                            <a:effectLst/>
+                            <a:latin typeface="Cambria Math" panose="02040503050406030204" pitchFamily="18" charset="0"/>
+                          </a:rPr>
+                        </m:ctrlPr>
+                      </m:dPr>
+                      <m:e>
+                        <m:r>
+                          <a:rPr lang="ru-RU" sz="1800" i="1">
+                            <a:effectLst/>
+                            <a:latin typeface="Cambria Math" panose="02040503050406030204" pitchFamily="18" charset="0"/>
+                            <a:ea typeface="Calibri" panose="020F0502020204030204" pitchFamily="34" charset="0"/>
+                            <a:cs typeface="Times New Roman" panose="02020603050405020304" pitchFamily="18" charset="0"/>
+                          </a:rPr>
+                          <m:t>𝑚</m:t>
+                        </m:r>
+                        <m:r>
+                          <m:rPr>
+                            <m:nor/>
+                          </m:rPr>
+                          <a:rPr lang="ru-RU" sz="1800">
+                            <a:effectLst/>
+                            <a:ea typeface="Calibri" panose="020F0502020204030204" pitchFamily="34" charset="0"/>
+                          </a:rPr>
+                          <m:t> / </m:t>
+                        </m:r>
+                        <m:r>
+                          <a:rPr lang="ru-RU" sz="1800" i="1">
+                            <a:effectLst/>
+                            <a:latin typeface="Cambria Math" panose="02040503050406030204" pitchFamily="18" charset="0"/>
+                            <a:ea typeface="Calibri" panose="020F0502020204030204" pitchFamily="34" charset="0"/>
+                            <a:cs typeface="Times New Roman" panose="02020603050405020304" pitchFamily="18" charset="0"/>
+                          </a:rPr>
+                          <m:t>2</m:t>
+                        </m:r>
+                      </m:e>
+                    </m:d>
+                  </m:oMath>
+                </a14:m>
+                <a:r>
+                  <a:rPr lang="ru-RU" sz="1800" dirty="0">
+                    <a:effectLst/>
+                    <a:ea typeface="Calibri" panose="020F0502020204030204" pitchFamily="34" charset="0"/>
+                  </a:rPr>
+                  <a:t>, если сеть треугольная</a:t>
+                </a:r>
+                <a:r>
+                  <a:rPr lang="en-US" sz="1800" dirty="0">
+                    <a:effectLst/>
+                    <a:ea typeface="Calibri" panose="020F0502020204030204" pitchFamily="34" charset="0"/>
+                  </a:rPr>
+                  <a:t>.</a:t>
+                </a:r>
+              </a:p>
+            </p:txBody>
+          </p:sp>
+        </mc:Choice>
+        <mc:Fallback xmlns="">
+          <p:sp>
+            <p:nvSpPr>
+              <p:cNvPr id="3" name="Content Placeholder 2">
+                <a:extLst>
+                  <a:ext uri="{FF2B5EF4-FFF2-40B4-BE49-F238E27FC236}">
+                    <a16:creationId xmlns:a16="http://schemas.microsoft.com/office/drawing/2014/main" id="{B37D946C-C169-1133-F6FA-82F79F03BCC7}"/>
+                  </a:ext>
+                </a:extLst>
+              </p:cNvPr>
+              <p:cNvSpPr>
+                <a:spLocks noGrp="1" noRot="1" noChangeAspect="1" noMove="1" noResize="1" noEditPoints="1" noAdjustHandles="1" noChangeArrowheads="1" noChangeShapeType="1" noTextEdit="1"/>
+              </p:cNvSpPr>
+              <p:nvPr>
+                <p:ph idx="1"/>
+              </p:nvPr>
+            </p:nvSpPr>
+            <p:spPr>
+              <a:xfrm>
+                <a:off x="628650" y="1253331"/>
+                <a:ext cx="7886700" cy="1455589"/>
+              </a:xfrm>
+              <a:blipFill>
+                <a:blip r:embed="rId2"/>
+                <a:stretch>
+                  <a:fillRect l="-773" t="-6303" r="-1546"/>
+                </a:stretch>
+              </a:blipFill>
+            </p:spPr>
+            <p:txBody>
+              <a:bodyPr/>
+              <a:lstStyle/>
+              <a:p>
+                <a:r>
+                  <a:rPr lang="en-US">
+                    <a:noFill/>
+                  </a:rPr>
+                  <a:t> </a:t>
+                </a:r>
+              </a:p>
+            </p:txBody>
+          </p:sp>
+        </mc:Fallback>
+      </mc:AlternateContent>
+      <p:cxnSp>
+        <p:nvCxnSpPr>
+          <p:cNvPr id="4" name="Straight Connector 3">
+            <a:extLst>
+              <a:ext uri="{FF2B5EF4-FFF2-40B4-BE49-F238E27FC236}">
+                <a16:creationId xmlns:a16="http://schemas.microsoft.com/office/drawing/2014/main" id="{29652B8E-5293-0982-6975-18D13E778670}"/>
+              </a:ext>
+            </a:extLst>
+          </p:cNvPr>
+          <p:cNvCxnSpPr/>
+          <p:nvPr/>
+        </p:nvCxnSpPr>
+        <p:spPr>
+          <a:xfrm>
+            <a:off x="791580" y="1772816"/>
+            <a:ext cx="7560840" cy="0"/>
+          </a:xfrm>
+          <a:prstGeom prst="line">
+            <a:avLst/>
+          </a:prstGeom>
+        </p:spPr>
+        <p:style>
+          <a:lnRef idx="1">
+            <a:schemeClr val="accent1"/>
+          </a:lnRef>
+          <a:fillRef idx="0">
+            <a:schemeClr val="accent1"/>
+          </a:fillRef>
+          <a:effectRef idx="0">
+            <a:schemeClr val="accent1"/>
+          </a:effectRef>
+          <a:fontRef idx="minor">
+            <a:schemeClr val="tx1"/>
+          </a:fontRef>
+        </p:style>
+      </p:cxnSp>
+      <mc:AlternateContent xmlns:mc="http://schemas.openxmlformats.org/markup-compatibility/2006" xmlns:a14="http://schemas.microsoft.com/office/drawing/2010/main">
+        <mc:Choice Requires="a14">
+          <p:sp>
+            <p:nvSpPr>
+              <p:cNvPr id="6" name="Content Placeholder 2">
+                <a:extLst>
+                  <a:ext uri="{FF2B5EF4-FFF2-40B4-BE49-F238E27FC236}">
+                    <a16:creationId xmlns:a16="http://schemas.microsoft.com/office/drawing/2014/main" id="{06F08AB2-5A51-560D-D6EC-FB160E265906}"/>
+                  </a:ext>
+                </a:extLst>
+              </p:cNvPr>
+              <p:cNvSpPr txBox="1">
+                <a:spLocks/>
+              </p:cNvSpPr>
+              <p:nvPr/>
+            </p:nvSpPr>
+            <p:spPr>
+              <a:xfrm>
+                <a:off x="628650" y="2636916"/>
+                <a:ext cx="4159374" cy="3744412"/>
+              </a:xfrm>
+              <a:prstGeom prst="rect">
+                <a:avLst/>
+              </a:prstGeom>
+            </p:spPr>
+            <p:txBody>
+              <a:bodyPr vert="horz" lIns="91440" tIns="45720" rIns="91440" bIns="45720" rtlCol="0">
+                <a:normAutofit/>
+              </a:bodyPr>
+              <a:lstStyle>
+                <a:lvl1pPr marL="171450" indent="-171450" algn="l" defTabSz="685800" rtl="0" eaLnBrk="1" latinLnBrk="0" hangingPunct="1">
+                  <a:lnSpc>
+                    <a:spcPct val="90000"/>
+                  </a:lnSpc>
+                  <a:spcBef>
+                    <a:spcPts val="750"/>
+                  </a:spcBef>
+                  <a:buFont typeface="Arial" panose="020B0604020202020204" pitchFamily="34" charset="0"/>
+                  <a:buChar char="•"/>
+                  <a:defRPr sz="2100" kern="1200">
+                    <a:solidFill>
+                      <a:schemeClr val="tx1"/>
+                    </a:solidFill>
+                    <a:latin typeface="+mn-lt"/>
+                    <a:ea typeface="+mn-ea"/>
+                    <a:cs typeface="+mn-cs"/>
+                  </a:defRPr>
+                </a:lvl1pPr>
+                <a:lvl2pPr marL="514350" indent="-171450" algn="l" defTabSz="685800" rtl="0" eaLnBrk="1" latinLnBrk="0" hangingPunct="1">
+                  <a:lnSpc>
+                    <a:spcPct val="90000"/>
+                  </a:lnSpc>
+                  <a:spcBef>
+                    <a:spcPts val="375"/>
+                  </a:spcBef>
+                  <a:buFont typeface="Arial" panose="020B0604020202020204" pitchFamily="34" charset="0"/>
+                  <a:buChar char="•"/>
+                  <a:defRPr sz="1800" kern="1200">
+                    <a:solidFill>
+                      <a:schemeClr val="tx1"/>
+                    </a:solidFill>
+                    <a:latin typeface="+mn-lt"/>
+                    <a:ea typeface="+mn-ea"/>
+                    <a:cs typeface="+mn-cs"/>
+                  </a:defRPr>
+                </a:lvl2pPr>
+                <a:lvl3pPr marL="857250" indent="-171450" algn="l" defTabSz="685800" rtl="0" eaLnBrk="1" latinLnBrk="0" hangingPunct="1">
+                  <a:lnSpc>
+                    <a:spcPct val="90000"/>
+                  </a:lnSpc>
+                  <a:spcBef>
+                    <a:spcPts val="375"/>
+                  </a:spcBef>
+                  <a:buFont typeface="Arial" panose="020B0604020202020204" pitchFamily="34" charset="0"/>
+                  <a:buChar char="•"/>
+                  <a:defRPr sz="1500" kern="1200">
+                    <a:solidFill>
+                      <a:schemeClr val="tx1"/>
+                    </a:solidFill>
+                    <a:latin typeface="+mn-lt"/>
+                    <a:ea typeface="+mn-ea"/>
+                    <a:cs typeface="+mn-cs"/>
+                  </a:defRPr>
+                </a:lvl3pPr>
+                <a:lvl4pPr marL="1200150" indent="-171450" algn="l" defTabSz="685800" rtl="0" eaLnBrk="1" latinLnBrk="0" hangingPunct="1">
+                  <a:lnSpc>
+                    <a:spcPct val="90000"/>
+                  </a:lnSpc>
+                  <a:spcBef>
+                    <a:spcPts val="375"/>
+                  </a:spcBef>
+                  <a:buFont typeface="Arial" panose="020B0604020202020204" pitchFamily="34" charset="0"/>
+                  <a:buChar char="•"/>
+                  <a:defRPr sz="1350" kern="1200">
+                    <a:solidFill>
+                      <a:schemeClr val="tx1"/>
+                    </a:solidFill>
+                    <a:latin typeface="+mn-lt"/>
+                    <a:ea typeface="+mn-ea"/>
+                    <a:cs typeface="+mn-cs"/>
+                  </a:defRPr>
+                </a:lvl4pPr>
+                <a:lvl5pPr marL="1543050" indent="-171450" algn="l" defTabSz="685800" rtl="0" eaLnBrk="1" latinLnBrk="0" hangingPunct="1">
+                  <a:lnSpc>
+                    <a:spcPct val="90000"/>
+                  </a:lnSpc>
+                  <a:spcBef>
+                    <a:spcPts val="375"/>
+                  </a:spcBef>
+                  <a:buFont typeface="Arial" panose="020B0604020202020204" pitchFamily="34" charset="0"/>
+                  <a:buChar char="•"/>
+                  <a:defRPr sz="1350" kern="1200">
+                    <a:solidFill>
+                      <a:schemeClr val="tx1"/>
+                    </a:solidFill>
+                    <a:latin typeface="+mn-lt"/>
+                    <a:ea typeface="+mn-ea"/>
+                    <a:cs typeface="+mn-cs"/>
+                  </a:defRPr>
+                </a:lvl5pPr>
+                <a:lvl6pPr marL="1885950" indent="-171450" algn="l" defTabSz="685800" rtl="0" eaLnBrk="1" latinLnBrk="0" hangingPunct="1">
+                  <a:lnSpc>
+                    <a:spcPct val="90000"/>
+                  </a:lnSpc>
+                  <a:spcBef>
+                    <a:spcPts val="375"/>
+                  </a:spcBef>
+                  <a:buFont typeface="Arial" panose="020B0604020202020204" pitchFamily="34" charset="0"/>
+                  <a:buChar char="•"/>
+                  <a:defRPr sz="1350" kern="1200">
+                    <a:solidFill>
+                      <a:schemeClr val="tx1"/>
+                    </a:solidFill>
+                    <a:latin typeface="+mn-lt"/>
+                    <a:ea typeface="+mn-ea"/>
+                    <a:cs typeface="+mn-cs"/>
+                  </a:defRPr>
+                </a:lvl6pPr>
+                <a:lvl7pPr marL="2228850" indent="-171450" algn="l" defTabSz="685800" rtl="0" eaLnBrk="1" latinLnBrk="0" hangingPunct="1">
+                  <a:lnSpc>
+                    <a:spcPct val="90000"/>
+                  </a:lnSpc>
+                  <a:spcBef>
+                    <a:spcPts val="375"/>
+                  </a:spcBef>
+                  <a:buFont typeface="Arial" panose="020B0604020202020204" pitchFamily="34" charset="0"/>
+                  <a:buChar char="•"/>
+                  <a:defRPr sz="1350" kern="1200">
+                    <a:solidFill>
+                      <a:schemeClr val="tx1"/>
+                    </a:solidFill>
+                    <a:latin typeface="+mn-lt"/>
+                    <a:ea typeface="+mn-ea"/>
+                    <a:cs typeface="+mn-cs"/>
+                  </a:defRPr>
+                </a:lvl7pPr>
+                <a:lvl8pPr marL="2571750" indent="-171450" algn="l" defTabSz="685800" rtl="0" eaLnBrk="1" latinLnBrk="0" hangingPunct="1">
+                  <a:lnSpc>
+                    <a:spcPct val="90000"/>
+                  </a:lnSpc>
+                  <a:spcBef>
+                    <a:spcPts val="375"/>
+                  </a:spcBef>
+                  <a:buFont typeface="Arial" panose="020B0604020202020204" pitchFamily="34" charset="0"/>
+                  <a:buChar char="•"/>
+                  <a:defRPr sz="1350" kern="1200">
+                    <a:solidFill>
+                      <a:schemeClr val="tx1"/>
+                    </a:solidFill>
+                    <a:latin typeface="+mn-lt"/>
+                    <a:ea typeface="+mn-ea"/>
+                    <a:cs typeface="+mn-cs"/>
+                  </a:defRPr>
+                </a:lvl8pPr>
+                <a:lvl9pPr marL="2914650" indent="-171450" algn="l" defTabSz="685800" rtl="0" eaLnBrk="1" latinLnBrk="0" hangingPunct="1">
+                  <a:lnSpc>
+                    <a:spcPct val="90000"/>
+                  </a:lnSpc>
+                  <a:spcBef>
+                    <a:spcPts val="375"/>
+                  </a:spcBef>
+                  <a:buFont typeface="Arial" panose="020B0604020202020204" pitchFamily="34" charset="0"/>
+                  <a:buChar char="•"/>
+                  <a:defRPr sz="1350" kern="1200">
+                    <a:solidFill>
+                      <a:schemeClr val="tx1"/>
+                    </a:solidFill>
+                    <a:latin typeface="+mn-lt"/>
+                    <a:ea typeface="+mn-ea"/>
+                    <a:cs typeface="+mn-cs"/>
+                  </a:defRPr>
+                </a:lvl9pPr>
+              </a:lstStyle>
+              <a:p>
+                <a:pPr lvl="2" algn="just"/>
+                <a:r>
+                  <a:rPr lang="ru-RU" sz="1800" dirty="0">
+                    <a:effectLst/>
+                    <a:ea typeface="Calibri" panose="020F0502020204030204" pitchFamily="34" charset="0"/>
+                  </a:rPr>
+                  <a:t>Если сеть прямоугольная, то</a:t>
+                </a:r>
+                <a:endParaRPr lang="en-US" sz="1800" dirty="0">
+                  <a:effectLst/>
+                  <a:ea typeface="Calibri" panose="020F0502020204030204" pitchFamily="34" charset="0"/>
+                </a:endParaRPr>
+              </a:p>
+              <a:p>
+                <a:pPr marL="685800" lvl="2" indent="0" algn="ctr">
+                  <a:buNone/>
+                </a:pPr>
+                <a:r>
+                  <a:rPr lang="en-US" sz="1800" dirty="0">
+                    <a:effectLst/>
+                    <a:ea typeface="Calibri" panose="020F0502020204030204" pitchFamily="34" charset="0"/>
+                  </a:rPr>
+                  <a:t>       </a:t>
+                </a:r>
+                <a14:m>
+                  <m:oMath xmlns:m="http://schemas.openxmlformats.org/officeDocument/2006/math">
+                    <m:r>
+                      <m:rPr>
+                        <m:nor/>
+                      </m:rPr>
+                      <a:rPr lang="ru-RU" sz="1800" smtClean="0">
+                        <a:effectLst/>
+                        <a:ea typeface="Calibri" panose="020F0502020204030204" pitchFamily="34" charset="0"/>
+                      </a:rPr>
+                      <m:t>Aut</m:t>
+                    </m:r>
+                    <m:d>
+                      <m:dPr>
+                        <m:ctrlPr>
+                          <a:rPr lang="en-US" sz="1800" i="1">
+                            <a:effectLst/>
+                            <a:latin typeface="Cambria Math" panose="02040503050406030204" pitchFamily="18" charset="0"/>
+                          </a:rPr>
+                        </m:ctrlPr>
+                      </m:dPr>
+                      <m:e>
+                        <m:r>
+                          <m:rPr>
+                            <m:nor/>
+                          </m:rPr>
+                          <a:rPr lang="ru-RU" sz="1800">
+                            <a:effectLst/>
+                            <a:ea typeface="Calibri" panose="020F0502020204030204" pitchFamily="34" charset="0"/>
+                          </a:rPr>
+                          <m:t>SN</m:t>
+                        </m:r>
+                        <m:r>
+                          <a:rPr lang="ru-RU" sz="1800">
+                            <a:effectLst/>
+                            <a:latin typeface="Cambria Math" panose="02040503050406030204" pitchFamily="18" charset="0"/>
+                            <a:ea typeface="Calibri" panose="020F0502020204030204" pitchFamily="34" charset="0"/>
+                            <a:cs typeface="Times New Roman" panose="02020603050405020304" pitchFamily="18" charset="0"/>
+                          </a:rPr>
+                          <m:t>/</m:t>
+                        </m:r>
+                        <m:sSub>
+                          <m:sSubPr>
+                            <m:ctrlPr>
+                              <a:rPr lang="en-US" sz="1800" i="1">
+                                <a:effectLst/>
+                                <a:latin typeface="Cambria Math" panose="02040503050406030204" pitchFamily="18" charset="0"/>
+                              </a:rPr>
+                            </m:ctrlPr>
+                          </m:sSubPr>
+                          <m:e>
+                            <m:r>
+                              <a:rPr lang="ru-RU" sz="1800">
+                                <a:effectLst/>
+                                <a:latin typeface="Cambria Math" panose="02040503050406030204" pitchFamily="18" charset="0"/>
+                                <a:ea typeface="Calibri" panose="020F0502020204030204" pitchFamily="34" charset="0"/>
+                                <a:cs typeface="Times New Roman" panose="02020603050405020304" pitchFamily="18" charset="0"/>
+                              </a:rPr>
+                              <m:t>∼</m:t>
+                            </m:r>
+                          </m:e>
+                          <m:sub>
+                            <m:r>
+                              <m:rPr>
+                                <m:nor/>
+                              </m:rPr>
+                              <a:rPr lang="ru-RU" sz="1800">
+                                <a:effectLst/>
+                                <a:ea typeface="Calibri" panose="020F0502020204030204" pitchFamily="34" charset="0"/>
+                              </a:rPr>
+                              <m:t>cyl</m:t>
+                            </m:r>
+                          </m:sub>
+                        </m:sSub>
+                      </m:e>
+                    </m:d>
+                    <m:r>
+                      <a:rPr lang="ru-RU" sz="1800">
+                        <a:effectLst/>
+                        <a:latin typeface="Cambria Math" panose="02040503050406030204" pitchFamily="18" charset="0"/>
+                        <a:ea typeface="Calibri" panose="020F0502020204030204" pitchFamily="34" charset="0"/>
+                        <a:cs typeface="Times New Roman" panose="02020603050405020304" pitchFamily="18" charset="0"/>
+                      </a:rPr>
+                      <m:t>≅</m:t>
+                    </m:r>
+                    <m:sSub>
+                      <m:sSubPr>
+                        <m:ctrlPr>
+                          <a:rPr lang="en-US" sz="1800" i="1">
+                            <a:effectLst/>
+                            <a:latin typeface="Cambria Math" panose="02040503050406030204" pitchFamily="18" charset="0"/>
+                          </a:rPr>
+                        </m:ctrlPr>
+                      </m:sSubPr>
+                      <m:e>
+                        <m:r>
+                          <a:rPr lang="ru-RU" sz="1800" i="1">
+                            <a:effectLst/>
+                            <a:latin typeface="Cambria Math" panose="02040503050406030204" pitchFamily="18" charset="0"/>
+                            <a:ea typeface="Calibri" panose="020F0502020204030204" pitchFamily="34" charset="0"/>
+                            <a:cs typeface="Times New Roman" panose="02020603050405020304" pitchFamily="18" charset="0"/>
+                          </a:rPr>
+                          <m:t>𝐷</m:t>
+                        </m:r>
+                      </m:e>
+                      <m:sub>
+                        <m:acc>
+                          <m:accPr>
+                            <m:chr m:val="̃"/>
+                            <m:ctrlPr>
+                              <a:rPr lang="en-US" sz="1800" i="1">
+                                <a:effectLst/>
+                                <a:latin typeface="Cambria Math" panose="02040503050406030204" pitchFamily="18" charset="0"/>
+                              </a:rPr>
+                            </m:ctrlPr>
+                          </m:accPr>
+                          <m:e>
+                            <m:r>
+                              <a:rPr lang="ru-RU" sz="1800" i="1">
+                                <a:effectLst/>
+                                <a:latin typeface="Cambria Math" panose="02040503050406030204" pitchFamily="18" charset="0"/>
+                                <a:ea typeface="Calibri" panose="020F0502020204030204" pitchFamily="34" charset="0"/>
+                                <a:cs typeface="Times New Roman" panose="02020603050405020304" pitchFamily="18" charset="0"/>
+                              </a:rPr>
+                              <m:t>𝑚</m:t>
+                            </m:r>
+                          </m:e>
+                        </m:acc>
+                        <m:r>
+                          <a:rPr lang="ru-RU" sz="1800" i="1">
+                            <a:effectLst/>
+                            <a:latin typeface="Cambria Math" panose="02040503050406030204" pitchFamily="18" charset="0"/>
+                            <a:ea typeface="Calibri" panose="020F0502020204030204" pitchFamily="34" charset="0"/>
+                            <a:cs typeface="Times New Roman" panose="02020603050405020304" pitchFamily="18" charset="0"/>
+                          </a:rPr>
+                          <m:t>−1</m:t>
+                        </m:r>
+                      </m:sub>
+                    </m:sSub>
+                    <m:r>
+                      <a:rPr lang="en-US" sz="1800" i="1" smtClean="0">
+                        <a:latin typeface="Cambria Math" panose="02040503050406030204" pitchFamily="18" charset="0"/>
+                        <a:ea typeface="Calibri" panose="020F0502020204030204" pitchFamily="34" charset="0"/>
+                      </a:rPr>
+                      <m:t>,</m:t>
+                    </m:r>
+                  </m:oMath>
+                </a14:m>
+                <a:endParaRPr lang="en-US" sz="1800" dirty="0">
+                  <a:effectLst/>
+                  <a:ea typeface="Calibri" panose="020F0502020204030204" pitchFamily="34" charset="0"/>
+                </a:endParaRPr>
+              </a:p>
+              <a:p>
+                <a:pPr marL="685800" lvl="2" indent="0" algn="just">
+                  <a:buNone/>
+                </a:pPr>
+                <a:r>
+                  <a:rPr lang="en-US" sz="1800" dirty="0"/>
+                  <a:t>   </a:t>
+                </a:r>
+                <a:r>
+                  <a:rPr lang="ru-RU" sz="1800" dirty="0"/>
+                  <a:t>где </a:t>
+                </a:r>
+                <a14:m>
+                  <m:oMath xmlns:m="http://schemas.openxmlformats.org/officeDocument/2006/math">
+                    <m:sSub>
+                      <m:sSubPr>
+                        <m:ctrlPr>
+                          <a:rPr lang="en-US" sz="1800" i="1">
+                            <a:latin typeface="Cambria Math" panose="02040503050406030204" pitchFamily="18" charset="0"/>
+                          </a:rPr>
+                        </m:ctrlPr>
+                      </m:sSubPr>
+                      <m:e>
+                        <m:r>
+                          <a:rPr lang="ru-RU" sz="1800" i="1">
+                            <a:latin typeface="Cambria Math" panose="02040503050406030204" pitchFamily="18" charset="0"/>
+                          </a:rPr>
+                          <m:t>𝐷</m:t>
+                        </m:r>
+                      </m:e>
+                      <m:sub>
+                        <m:r>
+                          <a:rPr lang="ru-RU" sz="1800" i="1">
+                            <a:latin typeface="Cambria Math" panose="02040503050406030204" pitchFamily="18" charset="0"/>
+                          </a:rPr>
+                          <m:t>𝑘</m:t>
+                        </m:r>
+                      </m:sub>
+                    </m:sSub>
+                  </m:oMath>
+                </a14:m>
+                <a:r>
+                  <a:rPr lang="ru-RU" sz="1800" dirty="0"/>
+                  <a:t> – </a:t>
+                </a:r>
+                <a14:m>
+                  <m:oMath xmlns:m="http://schemas.openxmlformats.org/officeDocument/2006/math">
+                    <m:r>
+                      <a:rPr lang="ru-RU" sz="1800" i="1">
+                        <a:latin typeface="Cambria Math" panose="02040503050406030204" pitchFamily="18" charset="0"/>
+                      </a:rPr>
+                      <m:t>𝑘</m:t>
+                    </m:r>
+                  </m:oMath>
+                </a14:m>
+                <a:r>
+                  <a:rPr lang="ru-RU" sz="1800" dirty="0"/>
+                  <a:t>-</a:t>
+                </a:r>
+                <a:r>
+                  <a:rPr lang="ru-RU" sz="1800" dirty="0" err="1"/>
+                  <a:t>ая</a:t>
+                </a:r>
+                <a:r>
+                  <a:rPr lang="ru-RU" sz="1800" dirty="0"/>
+                  <a:t> группа диэдра</a:t>
+                </a:r>
+                <a:r>
+                  <a:rPr lang="en-US" sz="1800" dirty="0"/>
+                  <a:t>;</a:t>
+                </a:r>
+                <a:endParaRPr lang="en-US" sz="1800" dirty="0">
+                  <a:ea typeface="Calibri" panose="020F0502020204030204" pitchFamily="34" charset="0"/>
+                </a:endParaRPr>
+              </a:p>
+              <a:p>
+                <a:pPr lvl="2" algn="just"/>
+                <a:r>
+                  <a:rPr lang="ru-RU" sz="1800" dirty="0">
+                    <a:ea typeface="Calibri" panose="020F0502020204030204" pitchFamily="34" charset="0"/>
+                  </a:rPr>
+                  <a:t>Если сеть треугольная или шестиугольная, а количество столбцов четно, то</a:t>
+                </a:r>
+              </a:p>
+              <a:p>
+                <a:pPr marL="1028700" lvl="3" indent="0" algn="ctr">
+                  <a:buNone/>
+                </a:pPr>
+                <a:r>
+                  <a:rPr lang="en-US" sz="1650" dirty="0">
+                    <a:ea typeface="Calibri" panose="020F0502020204030204" pitchFamily="34" charset="0"/>
+                  </a:rPr>
+                  <a:t> </a:t>
+                </a:r>
+                <a14:m>
+                  <m:oMath xmlns:m="http://schemas.openxmlformats.org/officeDocument/2006/math">
+                    <m:r>
+                      <m:rPr>
+                        <m:nor/>
+                      </m:rPr>
+                      <a:rPr lang="ru-RU" sz="1800">
+                        <a:ea typeface="Calibri" panose="020F0502020204030204" pitchFamily="34" charset="0"/>
+                      </a:rPr>
+                      <m:t>Aut</m:t>
+                    </m:r>
+                    <m:d>
+                      <m:dPr>
+                        <m:ctrlPr>
+                          <a:rPr lang="en-US" sz="1800" i="1">
+                            <a:latin typeface="Cambria Math" panose="02040503050406030204" pitchFamily="18" charset="0"/>
+                          </a:rPr>
+                        </m:ctrlPr>
+                      </m:dPr>
+                      <m:e>
+                        <m:r>
+                          <m:rPr>
+                            <m:nor/>
+                          </m:rPr>
+                          <a:rPr lang="ru-RU" sz="1800">
+                            <a:ea typeface="Calibri" panose="020F0502020204030204" pitchFamily="34" charset="0"/>
+                          </a:rPr>
+                          <m:t>SN</m:t>
+                        </m:r>
+                        <m:r>
+                          <a:rPr lang="ru-RU" sz="1800">
+                            <a:latin typeface="Cambria Math" panose="02040503050406030204" pitchFamily="18" charset="0"/>
+                            <a:ea typeface="Calibri" panose="020F0502020204030204" pitchFamily="34" charset="0"/>
+                            <a:cs typeface="Times New Roman" panose="02020603050405020304" pitchFamily="18" charset="0"/>
+                          </a:rPr>
+                          <m:t>/</m:t>
+                        </m:r>
+                        <m:sSub>
+                          <m:sSubPr>
+                            <m:ctrlPr>
+                              <a:rPr lang="en-US" sz="1800" i="1">
+                                <a:latin typeface="Cambria Math" panose="02040503050406030204" pitchFamily="18" charset="0"/>
+                              </a:rPr>
+                            </m:ctrlPr>
+                          </m:sSubPr>
+                          <m:e>
+                            <m:r>
+                              <a:rPr lang="ru-RU" sz="1800">
+                                <a:latin typeface="Cambria Math" panose="02040503050406030204" pitchFamily="18" charset="0"/>
+                                <a:ea typeface="Calibri" panose="020F0502020204030204" pitchFamily="34" charset="0"/>
+                                <a:cs typeface="Times New Roman" panose="02020603050405020304" pitchFamily="18" charset="0"/>
+                              </a:rPr>
+                              <m:t>∼</m:t>
+                            </m:r>
+                          </m:e>
+                          <m:sub>
+                            <m:r>
+                              <m:rPr>
+                                <m:nor/>
+                              </m:rPr>
+                              <a:rPr lang="ru-RU" sz="1800">
+                                <a:ea typeface="Calibri" panose="020F0502020204030204" pitchFamily="34" charset="0"/>
+                              </a:rPr>
+                              <m:t>cyl</m:t>
+                            </m:r>
+                          </m:sub>
+                        </m:sSub>
+                      </m:e>
+                    </m:d>
+                    <m:r>
+                      <a:rPr lang="ru-RU" sz="1800">
+                        <a:latin typeface="Cambria Math" panose="02040503050406030204" pitchFamily="18" charset="0"/>
+                        <a:ea typeface="Calibri" panose="020F0502020204030204" pitchFamily="34" charset="0"/>
+                        <a:cs typeface="Times New Roman" panose="02020603050405020304" pitchFamily="18" charset="0"/>
+                      </a:rPr>
+                      <m:t>≅</m:t>
+                    </m:r>
+                    <m:sSub>
+                      <m:sSubPr>
+                        <m:ctrlPr>
+                          <a:rPr lang="en-US" sz="1800" i="1">
+                            <a:latin typeface="Cambria Math" panose="02040503050406030204" pitchFamily="18" charset="0"/>
+                          </a:rPr>
+                        </m:ctrlPr>
+                      </m:sSubPr>
+                      <m:e>
+                        <m:r>
+                          <a:rPr lang="ru-RU" sz="1800" i="1">
+                            <a:latin typeface="Cambria Math" panose="02040503050406030204" pitchFamily="18" charset="0"/>
+                            <a:ea typeface="Calibri" panose="020F0502020204030204" pitchFamily="34" charset="0"/>
+                            <a:cs typeface="Times New Roman" panose="02020603050405020304" pitchFamily="18" charset="0"/>
+                          </a:rPr>
+                          <m:t>𝐷</m:t>
+                        </m:r>
+                      </m:e>
+                      <m:sub>
+                        <m:acc>
+                          <m:accPr>
+                            <m:chr m:val="̃"/>
+                            <m:ctrlPr>
+                              <a:rPr lang="en-US" sz="1800" i="1">
+                                <a:latin typeface="Cambria Math" panose="02040503050406030204" pitchFamily="18" charset="0"/>
+                              </a:rPr>
+                            </m:ctrlPr>
+                          </m:accPr>
+                          <m:e>
+                            <m:r>
+                              <a:rPr lang="ru-RU" sz="1800" i="1">
+                                <a:latin typeface="Cambria Math" panose="02040503050406030204" pitchFamily="18" charset="0"/>
+                                <a:ea typeface="Calibri" panose="020F0502020204030204" pitchFamily="34" charset="0"/>
+                                <a:cs typeface="Times New Roman" panose="02020603050405020304" pitchFamily="18" charset="0"/>
+                              </a:rPr>
+                              <m:t>𝑚</m:t>
+                            </m:r>
+                          </m:e>
+                        </m:acc>
+                        <m:r>
+                          <a:rPr lang="ru-RU" sz="1800" i="1">
+                            <a:latin typeface="Cambria Math" panose="02040503050406030204" pitchFamily="18" charset="0"/>
+                            <a:ea typeface="Calibri" panose="020F0502020204030204" pitchFamily="34" charset="0"/>
+                            <a:cs typeface="Times New Roman" panose="02020603050405020304" pitchFamily="18" charset="0"/>
+                          </a:rPr>
+                          <m:t>−1</m:t>
+                        </m:r>
+                      </m:sub>
+                    </m:sSub>
+                  </m:oMath>
+                </a14:m>
+                <a:r>
+                  <a:rPr lang="en-US" sz="1800" dirty="0">
+                    <a:ea typeface="Calibri" panose="020F0502020204030204" pitchFamily="34" charset="0"/>
+                  </a:rPr>
+                  <a:t>;</a:t>
+                </a:r>
+              </a:p>
+              <a:p>
+                <a:pPr lvl="2" algn="just"/>
+                <a:r>
+                  <a:rPr lang="ru-RU" sz="1800" dirty="0">
+                    <a:ea typeface="Calibri" panose="020F0502020204030204" pitchFamily="34" charset="0"/>
+                  </a:rPr>
+                  <a:t>Если сеть треугольная или шестиугольная, но количество столбцов нечетно, то</a:t>
+                </a:r>
+              </a:p>
+              <a:p>
+                <a:pPr marL="685800" lvl="2" indent="0" algn="ctr">
+                  <a:buNone/>
+                </a:pPr>
+                <a:r>
+                  <a:rPr lang="ru-RU" sz="1800" dirty="0">
+                    <a:ea typeface="Calibri" panose="020F0502020204030204" pitchFamily="34" charset="0"/>
+                  </a:rPr>
+                  <a:t>     </a:t>
+                </a:r>
+                <a:r>
+                  <a:rPr lang="en-US" sz="1800" dirty="0">
+                    <a:ea typeface="Calibri" panose="020F0502020204030204" pitchFamily="34" charset="0"/>
+                  </a:rPr>
+                  <a:t> </a:t>
+                </a:r>
+                <a14:m>
+                  <m:oMath xmlns:m="http://schemas.openxmlformats.org/officeDocument/2006/math">
+                    <m:r>
+                      <m:rPr>
+                        <m:nor/>
+                      </m:rPr>
+                      <a:rPr lang="ru-RU" sz="1800">
+                        <a:ea typeface="Calibri" panose="020F0502020204030204" pitchFamily="34" charset="0"/>
+                      </a:rPr>
+                      <m:t>Aut</m:t>
+                    </m:r>
+                    <m:d>
+                      <m:dPr>
+                        <m:ctrlPr>
+                          <a:rPr lang="en-US" sz="1800" i="1">
+                            <a:latin typeface="Cambria Math" panose="02040503050406030204" pitchFamily="18" charset="0"/>
+                          </a:rPr>
+                        </m:ctrlPr>
+                      </m:dPr>
+                      <m:e>
+                        <m:r>
+                          <m:rPr>
+                            <m:nor/>
+                          </m:rPr>
+                          <a:rPr lang="ru-RU" sz="1800">
+                            <a:ea typeface="Calibri" panose="020F0502020204030204" pitchFamily="34" charset="0"/>
+                          </a:rPr>
+                          <m:t>SN</m:t>
+                        </m:r>
+                        <m:r>
+                          <a:rPr lang="ru-RU" sz="1800">
+                            <a:latin typeface="Cambria Math" panose="02040503050406030204" pitchFamily="18" charset="0"/>
+                            <a:ea typeface="Calibri" panose="020F0502020204030204" pitchFamily="34" charset="0"/>
+                            <a:cs typeface="Times New Roman" panose="02020603050405020304" pitchFamily="18" charset="0"/>
+                          </a:rPr>
+                          <m:t>/</m:t>
+                        </m:r>
+                        <m:sSub>
+                          <m:sSubPr>
+                            <m:ctrlPr>
+                              <a:rPr lang="en-US" sz="1800" i="1">
+                                <a:latin typeface="Cambria Math" panose="02040503050406030204" pitchFamily="18" charset="0"/>
+                              </a:rPr>
+                            </m:ctrlPr>
+                          </m:sSubPr>
+                          <m:e>
+                            <m:r>
+                              <a:rPr lang="ru-RU" sz="1800">
+                                <a:latin typeface="Cambria Math" panose="02040503050406030204" pitchFamily="18" charset="0"/>
+                                <a:ea typeface="Calibri" panose="020F0502020204030204" pitchFamily="34" charset="0"/>
+                                <a:cs typeface="Times New Roman" panose="02020603050405020304" pitchFamily="18" charset="0"/>
+                              </a:rPr>
+                              <m:t>∼</m:t>
+                            </m:r>
+                          </m:e>
+                          <m:sub>
+                            <m:r>
+                              <m:rPr>
+                                <m:nor/>
+                              </m:rPr>
+                              <a:rPr lang="ru-RU" sz="1800">
+                                <a:ea typeface="Calibri" panose="020F0502020204030204" pitchFamily="34" charset="0"/>
+                              </a:rPr>
+                              <m:t>cyl</m:t>
+                            </m:r>
+                          </m:sub>
+                        </m:sSub>
+                      </m:e>
+                    </m:d>
+                    <m:r>
+                      <a:rPr lang="ru-RU" sz="1800">
+                        <a:latin typeface="Cambria Math" panose="02040503050406030204" pitchFamily="18" charset="0"/>
+                        <a:ea typeface="Calibri" panose="020F0502020204030204" pitchFamily="34" charset="0"/>
+                        <a:cs typeface="Times New Roman" panose="02020603050405020304" pitchFamily="18" charset="0"/>
+                      </a:rPr>
+                      <m:t>≅</m:t>
+                    </m:r>
+                    <m:r>
+                      <a:rPr lang="ru-RU" sz="1800" i="1">
+                        <a:latin typeface="Cambria Math" panose="02040503050406030204" pitchFamily="18" charset="0"/>
+                        <a:ea typeface="Calibri" panose="020F0502020204030204" pitchFamily="34" charset="0"/>
+                        <a:cs typeface="Times New Roman" panose="02020603050405020304" pitchFamily="18" charset="0"/>
+                      </a:rPr>
+                      <m:t>ℤ</m:t>
+                    </m:r>
+                    <m:r>
+                      <a:rPr lang="ru-RU" sz="1800">
+                        <a:latin typeface="Cambria Math" panose="02040503050406030204" pitchFamily="18" charset="0"/>
+                        <a:ea typeface="Calibri" panose="020F0502020204030204" pitchFamily="34" charset="0"/>
+                        <a:cs typeface="Times New Roman" panose="02020603050405020304" pitchFamily="18" charset="0"/>
+                      </a:rPr>
+                      <m:t>/</m:t>
+                    </m:r>
+                    <m:r>
+                      <a:rPr lang="ru-RU" sz="1800" i="1">
+                        <a:latin typeface="Cambria Math" panose="02040503050406030204" pitchFamily="18" charset="0"/>
+                        <a:ea typeface="Calibri" panose="020F0502020204030204" pitchFamily="34" charset="0"/>
+                        <a:cs typeface="Times New Roman" panose="02020603050405020304" pitchFamily="18" charset="0"/>
+                      </a:rPr>
+                      <m:t>2</m:t>
+                    </m:r>
+                    <m:r>
+                      <a:rPr lang="ru-RU" sz="1800" i="1">
+                        <a:latin typeface="Cambria Math" panose="02040503050406030204" pitchFamily="18" charset="0"/>
+                        <a:ea typeface="Calibri" panose="020F0502020204030204" pitchFamily="34" charset="0"/>
+                        <a:cs typeface="Times New Roman" panose="02020603050405020304" pitchFamily="18" charset="0"/>
+                      </a:rPr>
+                      <m:t>ℤ</m:t>
+                    </m:r>
+                  </m:oMath>
+                </a14:m>
+                <a:r>
+                  <a:rPr lang="en-US" sz="1800" dirty="0">
+                    <a:ea typeface="Calibri" panose="020F0502020204030204" pitchFamily="34" charset="0"/>
+                  </a:rPr>
+                  <a:t>.</a:t>
+                </a:r>
+              </a:p>
+            </p:txBody>
+          </p:sp>
+        </mc:Choice>
+        <mc:Fallback xmlns="">
+          <p:sp>
+            <p:nvSpPr>
+              <p:cNvPr id="6" name="Content Placeholder 2">
+                <a:extLst>
+                  <a:ext uri="{FF2B5EF4-FFF2-40B4-BE49-F238E27FC236}">
+                    <a16:creationId xmlns:a16="http://schemas.microsoft.com/office/drawing/2014/main" id="{06F08AB2-5A51-560D-D6EC-FB160E265906}"/>
+                  </a:ext>
+                </a:extLst>
+              </p:cNvPr>
+              <p:cNvSpPr txBox="1">
+                <a:spLocks noRot="1" noChangeAspect="1" noMove="1" noResize="1" noEditPoints="1" noAdjustHandles="1" noChangeArrowheads="1" noChangeShapeType="1" noTextEdit="1"/>
+              </p:cNvSpPr>
+              <p:nvPr/>
+            </p:nvSpPr>
+            <p:spPr>
+              <a:xfrm>
+                <a:off x="628650" y="2636916"/>
+                <a:ext cx="4159374" cy="3744412"/>
+              </a:xfrm>
+              <a:prstGeom prst="rect">
+                <a:avLst/>
+              </a:prstGeom>
+              <a:blipFill>
+                <a:blip r:embed="rId3"/>
+                <a:stretch>
+                  <a:fillRect t="-1629" r="-1320"/>
+                </a:stretch>
+              </a:blipFill>
+            </p:spPr>
+            <p:txBody>
+              <a:bodyPr/>
+              <a:lstStyle/>
+              <a:p>
+                <a:r>
+                  <a:rPr lang="en-US">
+                    <a:noFill/>
+                  </a:rPr>
+                  <a:t> </a:t>
+                </a:r>
+              </a:p>
+            </p:txBody>
+          </p:sp>
+        </mc:Fallback>
+      </mc:AlternateContent>
+      <p:pic>
+        <p:nvPicPr>
+          <p:cNvPr id="9" name="Graphic 8">
+            <a:extLst>
+              <a:ext uri="{FF2B5EF4-FFF2-40B4-BE49-F238E27FC236}">
+                <a16:creationId xmlns:a16="http://schemas.microsoft.com/office/drawing/2014/main" id="{EA1BFA99-90F8-C09D-D1F3-9665F553DDE4}"/>
+              </a:ext>
+            </a:extLst>
+          </p:cNvPr>
+          <p:cNvPicPr>
+            <a:picLocks noChangeAspect="1"/>
+          </p:cNvPicPr>
+          <p:nvPr/>
+        </p:nvPicPr>
+        <p:blipFill>
+          <a:blip r:embed="rId4">
+            <a:extLst>
+              <a:ext uri="{28A0092B-C50C-407E-A947-70E740481C1C}">
+                <a14:useLocalDpi xmlns:a14="http://schemas.microsoft.com/office/drawing/2010/main" val="0"/>
+              </a:ext>
+              <a:ext uri="{96DAC541-7B7A-43D3-8B79-37D633B846F1}">
+                <asvg:svgBlip xmlns:asvg="http://schemas.microsoft.com/office/drawing/2016/SVG/main" r:embed="rId5"/>
+              </a:ext>
+            </a:extLst>
+          </a:blip>
+          <a:stretch>
+            <a:fillRect/>
+          </a:stretch>
+        </p:blipFill>
+        <p:spPr>
+          <a:xfrm>
+            <a:off x="4759816" y="2636916"/>
+            <a:ext cx="3946345" cy="2961556"/>
+          </a:xfrm>
+          <a:prstGeom prst="rect">
+            <a:avLst/>
+          </a:prstGeom>
+        </p:spPr>
+      </p:pic>
+    </p:spTree>
+    <p:extLst>
+      <p:ext uri="{BB962C8B-B14F-4D97-AF65-F5344CB8AC3E}">
+        <p14:creationId xmlns:p14="http://schemas.microsoft.com/office/powerpoint/2010/main" val="211885419"/>
+      </p:ext>
+    </p:extLst>
+  </p:cSld>
+  <p:clrMapOvr>
+    <a:masterClrMapping/>
+  </p:clrMapOvr>
+</p:sld>
+</file>
+
+<file path=ppt/slides/slide11.xml><?xml version="1.0" encoding="utf-8"?>
+<p:sld xmlns:a="http://schemas.openxmlformats.org/drawingml/2006/main" xmlns:r="http://schemas.openxmlformats.org/officeDocument/2006/relationships" xmlns:p="http://schemas.openxmlformats.org/presentationml/2006/main" showMasterPhAnim="0">
+  <p:cSld>
+    <p:spTree>
+      <p:nvGrpSpPr>
+        <p:cNvPr id="1" name=""/>
+        <p:cNvGrpSpPr/>
+        <p:nvPr/>
+      </p:nvGrpSpPr>
+      <p:grpSpPr bwMode="auto">
+        <a:xfrm>
+          <a:off x="0" y="0"/>
+          <a:ext cx="0" cy="0"/>
+          <a:chOff x="0" y="0"/>
+          <a:chExt cx="0" cy="0"/>
+        </a:xfrm>
+      </p:grpSpPr>
+      <p:pic>
+        <p:nvPicPr>
+          <p:cNvPr id="13" name="Picture">
+            <a:extLst>
+              <a:ext uri="{FF2B5EF4-FFF2-40B4-BE49-F238E27FC236}">
+                <a16:creationId xmlns:a16="http://schemas.microsoft.com/office/drawing/2014/main" id="{D834019C-6F5A-1208-6686-605AC3AD8379}"/>
+              </a:ext>
+            </a:extLst>
+          </p:cNvPr>
+          <p:cNvPicPr/>
+          <p:nvPr/>
+        </p:nvPicPr>
+        <p:blipFill>
+          <a:blip r:embed="rId2"/>
+          <a:stretch>
+            <a:fillRect/>
+          </a:stretch>
+        </p:blipFill>
+        <p:spPr bwMode="auto">
+          <a:xfrm>
+            <a:off x="5220072" y="1977603"/>
+            <a:ext cx="3675350" cy="3490516"/>
+          </a:xfrm>
+          <a:prstGeom prst="rect">
+            <a:avLst/>
+          </a:prstGeom>
+          <a:noFill/>
+          <a:ln w="9525">
+            <a:noFill/>
+            <a:headEnd/>
+            <a:tailEnd/>
+          </a:ln>
+        </p:spPr>
+      </p:pic>
+      <p:sp>
+        <p:nvSpPr>
+          <p:cNvPr id="17" name="Rectangle 2"/>
+          <p:cNvSpPr txBox="1">
+            <a:spLocks noChangeArrowheads="1"/>
+          </p:cNvSpPr>
+          <p:nvPr/>
+        </p:nvSpPr>
+        <p:spPr bwMode="auto">
+          <a:xfrm>
+            <a:off x="1252" y="0"/>
+            <a:ext cx="9144000" cy="1052736"/>
+          </a:xfrm>
+          <a:prstGeom prst="rect">
+            <a:avLst/>
+          </a:prstGeom>
+          <a:solidFill>
+            <a:schemeClr val="bg1">
+              <a:lumMod val="85000"/>
+            </a:schemeClr>
+          </a:solidFill>
+          <a:ln w="9525">
+            <a:noFill/>
+            <a:miter lim="800000"/>
+            <a:headEnd/>
+            <a:tailEnd/>
+          </a:ln>
+        </p:spPr>
+        <p:txBody>
+          <a:bodyPr anchor="ctr"/>
+          <a:lstStyle>
+            <a:defPPr>
+              <a:defRPr lang="ru-RU"/>
+            </a:defPPr>
+            <a:lvl1pPr marL="357188" algn="ctr">
+              <a:defRPr sz="3600" b="1" spc="150">
+                <a:solidFill>
+                  <a:schemeClr val="accent1">
+                    <a:lumMod val="50000"/>
+                  </a:schemeClr>
+                </a:solidFill>
+              </a:defRPr>
+            </a:lvl1pPr>
+          </a:lstStyle>
+          <a:p>
+            <a:pPr>
+              <a:defRPr/>
+            </a:pPr>
+            <a:r>
+              <a:rPr lang="ru-RU" dirty="0"/>
+              <a:t>Программная реализация</a:t>
+            </a:r>
+            <a:endParaRPr dirty="0"/>
+          </a:p>
+        </p:txBody>
+      </p:sp>
+      <p:sp>
+        <p:nvSpPr>
+          <p:cNvPr id="7" name="Slide Number Placeholder 6">
+            <a:extLst>
+              <a:ext uri="{FF2B5EF4-FFF2-40B4-BE49-F238E27FC236}">
+                <a16:creationId xmlns:a16="http://schemas.microsoft.com/office/drawing/2014/main" id="{63B65CF2-77C7-21E1-FD6C-3124FEC49D93}"/>
+              </a:ext>
+            </a:extLst>
+          </p:cNvPr>
+          <p:cNvSpPr>
+            <a:spLocks noGrp="1"/>
+          </p:cNvSpPr>
+          <p:nvPr>
+            <p:ph type="sldNum" sz="quarter" idx="12"/>
+          </p:nvPr>
+        </p:nvSpPr>
+        <p:spPr/>
+        <p:txBody>
+          <a:bodyPr/>
+          <a:lstStyle/>
+          <a:p>
+            <a:pPr>
+              <a:defRPr/>
+            </a:pPr>
+            <a:fld id="{667099E1-2BD8-4718-81B5-D06A6B18E473}" type="slidenum">
+              <a:rPr lang="ru-RU" smtClean="0"/>
+              <a:t>11</a:t>
+            </a:fld>
+            <a:endParaRPr lang="ru-RU"/>
+          </a:p>
+        </p:txBody>
+      </p:sp>
+      <p:sp>
+        <p:nvSpPr>
+          <p:cNvPr id="4" name="Content Placeholder 3">
+            <a:extLst>
+              <a:ext uri="{FF2B5EF4-FFF2-40B4-BE49-F238E27FC236}">
+                <a16:creationId xmlns:a16="http://schemas.microsoft.com/office/drawing/2014/main" id="{E281F606-E77B-BE45-47F6-B8A70B205C5A}"/>
+              </a:ext>
+            </a:extLst>
+          </p:cNvPr>
+          <p:cNvSpPr>
+            <a:spLocks noGrp="1"/>
+          </p:cNvSpPr>
+          <p:nvPr>
+            <p:ph idx="1"/>
+          </p:nvPr>
+        </p:nvSpPr>
+        <p:spPr>
+          <a:xfrm>
+            <a:off x="628650" y="1268760"/>
+            <a:ext cx="4735438" cy="4908203"/>
+          </a:xfrm>
+        </p:spPr>
+        <p:txBody>
+          <a:bodyPr/>
+          <a:lstStyle/>
+          <a:p>
+            <a:pPr marL="0" indent="0">
+              <a:buNone/>
+            </a:pPr>
+            <a:r>
+              <a:rPr lang="ru-RU" sz="2000" b="1" dirty="0">
+                <a:solidFill>
+                  <a:schemeClr val="accent1">
+                    <a:lumMod val="50000"/>
+                  </a:schemeClr>
+                </a:solidFill>
+                <a:latin typeface="Calibri (Body)"/>
+              </a:rPr>
+              <a:t>Приложение</a:t>
+            </a:r>
+            <a:r>
+              <a:rPr lang="ru-RU" sz="2000" dirty="0">
+                <a:solidFill>
+                  <a:schemeClr val="accent1">
+                    <a:lumMod val="50000"/>
+                  </a:schemeClr>
+                </a:solidFill>
+                <a:latin typeface="Calibri (Body)"/>
+              </a:rPr>
+              <a:t> </a:t>
+            </a:r>
+            <a:r>
+              <a:rPr lang="en-US" sz="2000" b="1" dirty="0">
+                <a:solidFill>
+                  <a:schemeClr val="accent1">
+                    <a:lumMod val="50000"/>
+                  </a:schemeClr>
+                </a:solidFill>
+                <a:latin typeface="Calibri (Body)"/>
+                <a:cs typeface="Courier New" panose="02070309020205020404" pitchFamily="49" charset="0"/>
+              </a:rPr>
+              <a:t>S</a:t>
+            </a:r>
+            <a:r>
+              <a:rPr lang="ru-RU" sz="2000" b="1" dirty="0" err="1">
+                <a:solidFill>
+                  <a:schemeClr val="accent1">
+                    <a:lumMod val="50000"/>
+                  </a:schemeClr>
+                </a:solidFill>
+                <a:effectLst/>
+                <a:latin typeface="Calibri (Body)"/>
+                <a:ea typeface="Calibri" panose="020F0502020204030204" pitchFamily="34" charset="0"/>
+                <a:cs typeface="Courier New" panose="02070309020205020404" pitchFamily="49" charset="0"/>
+              </a:rPr>
+              <a:t>ponge-netw</a:t>
+            </a:r>
+            <a:r>
+              <a:rPr lang="en-US" sz="2000" b="1" dirty="0">
+                <a:solidFill>
+                  <a:schemeClr val="accent1">
+                    <a:lumMod val="50000"/>
+                  </a:schemeClr>
+                </a:solidFill>
+                <a:effectLst/>
+                <a:latin typeface="Calibri (Body)"/>
+                <a:ea typeface="Calibri" panose="020F0502020204030204" pitchFamily="34" charset="0"/>
+                <a:cs typeface="Courier New" panose="02070309020205020404" pitchFamily="49" charset="0"/>
+              </a:rPr>
+              <a:t>o</a:t>
+            </a:r>
+            <a:r>
+              <a:rPr lang="ru-RU" sz="2000" b="1" dirty="0" err="1">
+                <a:solidFill>
+                  <a:schemeClr val="accent1">
+                    <a:lumMod val="50000"/>
+                  </a:schemeClr>
+                </a:solidFill>
+                <a:effectLst/>
+                <a:latin typeface="Calibri (Body)"/>
+                <a:ea typeface="Calibri" panose="020F0502020204030204" pitchFamily="34" charset="0"/>
+                <a:cs typeface="Courier New" panose="02070309020205020404" pitchFamily="49" charset="0"/>
+              </a:rPr>
+              <a:t>rks</a:t>
+            </a:r>
+            <a:r>
+              <a:rPr lang="en-US" sz="2000" b="1" dirty="0">
+                <a:solidFill>
+                  <a:schemeClr val="accent1">
+                    <a:lumMod val="50000"/>
+                  </a:schemeClr>
+                </a:solidFill>
+                <a:latin typeface="Calibri (Body)"/>
+                <a:ea typeface="Calibri" panose="020F0502020204030204" pitchFamily="34" charset="0"/>
+                <a:cs typeface="Courier New" panose="02070309020205020404" pitchFamily="49" charset="0"/>
+              </a:rPr>
+              <a:t> </a:t>
+            </a:r>
+            <a:r>
+              <a:rPr lang="en-US" sz="1600" dirty="0">
+                <a:latin typeface="Calibri (Body)"/>
+              </a:rPr>
+              <a:t>(</a:t>
+            </a:r>
+            <a:r>
+              <a:rPr lang="en-US" sz="1600" dirty="0">
+                <a:latin typeface="Calibri (Body)"/>
+                <a:hlinkClick r:id="rId3"/>
+              </a:rPr>
+              <a:t>github.com/heinwol/sponge-networks</a:t>
+            </a:r>
+            <a:r>
+              <a:rPr lang="en-US" sz="1600" dirty="0">
+                <a:latin typeface="Calibri (Body)"/>
+              </a:rPr>
+              <a:t>)</a:t>
+            </a:r>
+            <a:r>
+              <a:rPr lang="en-US" sz="2000" dirty="0">
+                <a:latin typeface="Calibri (Body)"/>
+              </a:rPr>
+              <a:t> </a:t>
+            </a:r>
+          </a:p>
+          <a:p>
+            <a:pPr marL="0" indent="0" algn="just">
+              <a:buNone/>
+            </a:pPr>
+            <a:r>
+              <a:rPr lang="ru-RU" sz="1800" dirty="0">
+                <a:effectLst/>
+                <a:latin typeface="Calibri (Body)"/>
+                <a:ea typeface="Calibri" panose="020F0502020204030204" pitchFamily="34" charset="0"/>
+              </a:rPr>
+              <a:t>Возможности</a:t>
+            </a:r>
+            <a:r>
+              <a:rPr lang="en-US" sz="1800" dirty="0">
+                <a:latin typeface="Calibri (Body)"/>
+                <a:ea typeface="Calibri" panose="020F0502020204030204" pitchFamily="34" charset="0"/>
+              </a:rPr>
+              <a:t>:</a:t>
+            </a:r>
+            <a:endParaRPr lang="en-US" sz="1800" dirty="0">
+              <a:effectLst/>
+              <a:latin typeface="Calibri (Body)"/>
+              <a:ea typeface="Calibri" panose="020F0502020204030204" pitchFamily="34" charset="0"/>
+            </a:endParaRPr>
+          </a:p>
+          <a:p>
+            <a:pPr algn="just">
+              <a:spcBef>
+                <a:spcPts val="400"/>
+              </a:spcBef>
+            </a:pPr>
+            <a:r>
+              <a:rPr lang="ru-RU" sz="1800" dirty="0">
+                <a:effectLst/>
+                <a:latin typeface="Calibri (Body)"/>
+                <a:ea typeface="Calibri" panose="020F0502020204030204" pitchFamily="34" charset="0"/>
+              </a:rPr>
+              <a:t>создавать ресурсные сети на основе</a:t>
+            </a:r>
+            <a:r>
+              <a:rPr lang="en-US" sz="1800" dirty="0">
+                <a:effectLst/>
+                <a:latin typeface="Calibri (Body)"/>
+                <a:ea typeface="Calibri" panose="020F0502020204030204" pitchFamily="34" charset="0"/>
+              </a:rPr>
+              <a:t> </a:t>
+            </a:r>
+            <a:r>
+              <a:rPr lang="ru-RU" sz="1800" dirty="0">
+                <a:effectLst/>
+                <a:latin typeface="Calibri (Body)"/>
+                <a:ea typeface="Calibri" panose="020F0502020204030204" pitchFamily="34" charset="0"/>
+              </a:rPr>
+              <a:t>графов из </a:t>
+            </a:r>
+            <a:r>
+              <a:rPr lang="en-US" sz="1800" dirty="0">
+                <a:effectLst/>
+                <a:latin typeface="Courier New" panose="02070309020205020404" pitchFamily="49" charset="0"/>
+                <a:ea typeface="Calibri" panose="020F0502020204030204" pitchFamily="34" charset="0"/>
+                <a:cs typeface="Courier New" panose="02070309020205020404" pitchFamily="49" charset="0"/>
+              </a:rPr>
+              <a:t>networkx;</a:t>
+            </a:r>
+            <a:endParaRPr lang="ru-RU" sz="1800" dirty="0">
+              <a:effectLst/>
+              <a:latin typeface="Courier New" panose="02070309020205020404" pitchFamily="49" charset="0"/>
+              <a:ea typeface="Calibri" panose="020F0502020204030204" pitchFamily="34" charset="0"/>
+              <a:cs typeface="Courier New" panose="02070309020205020404" pitchFamily="49" charset="0"/>
+            </a:endParaRPr>
+          </a:p>
+          <a:p>
+            <a:pPr algn="just">
+              <a:spcBef>
+                <a:spcPts val="400"/>
+              </a:spcBef>
+            </a:pPr>
+            <a:r>
+              <a:rPr lang="ru-RU" sz="1800" dirty="0">
+                <a:ea typeface="Calibri" panose="020F0502020204030204" pitchFamily="34" charset="0"/>
+                <a:cs typeface="Courier New" panose="02070309020205020404" pitchFamily="49" charset="0"/>
+              </a:rPr>
+              <a:t>проводить симуляции</a:t>
+            </a:r>
+            <a:r>
+              <a:rPr lang="en-US" sz="1800" dirty="0">
+                <a:ea typeface="Calibri" panose="020F0502020204030204" pitchFamily="34" charset="0"/>
+                <a:cs typeface="Courier New" panose="02070309020205020404" pitchFamily="49" charset="0"/>
+              </a:rPr>
+              <a:t>;</a:t>
+            </a:r>
+            <a:endParaRPr lang="en-US" sz="1800" dirty="0">
+              <a:effectLst/>
+              <a:latin typeface="Courier New" panose="02070309020205020404" pitchFamily="49" charset="0"/>
+              <a:ea typeface="Calibri" panose="020F0502020204030204" pitchFamily="34" charset="0"/>
+              <a:cs typeface="Courier New" panose="02070309020205020404" pitchFamily="49" charset="0"/>
+            </a:endParaRPr>
+          </a:p>
+          <a:p>
+            <a:pPr algn="just">
+              <a:spcBef>
+                <a:spcPts val="400"/>
+              </a:spcBef>
+            </a:pPr>
+            <a:r>
+              <a:rPr lang="ru-RU" sz="1800" dirty="0">
+                <a:ea typeface="Calibri" panose="020F0502020204030204" pitchFamily="34" charset="0"/>
+                <a:cs typeface="Courier New" panose="02070309020205020404" pitchFamily="49" charset="0"/>
+              </a:rPr>
+              <a:t>представлять симуляции в виде массивов, листов Excel и графиков;</a:t>
+            </a:r>
+            <a:endParaRPr lang="en-US" sz="1800" dirty="0">
+              <a:ea typeface="Calibri" panose="020F0502020204030204" pitchFamily="34" charset="0"/>
+              <a:cs typeface="Courier New" panose="02070309020205020404" pitchFamily="49" charset="0"/>
+            </a:endParaRPr>
+          </a:p>
+          <a:p>
+            <a:pPr algn="just">
+              <a:spcBef>
+                <a:spcPts val="400"/>
+              </a:spcBef>
+            </a:pPr>
+            <a:r>
+              <a:rPr lang="ru-RU" sz="1800" dirty="0">
+                <a:effectLst/>
+                <a:ea typeface="Calibri" panose="020F0502020204030204" pitchFamily="34" charset="0"/>
+                <a:cs typeface="Courier New" panose="02070309020205020404" pitchFamily="49" charset="0"/>
+              </a:rPr>
+              <a:t>рисовать симуляции в виде ресурсных сетей с </a:t>
+            </a:r>
+            <a:r>
+              <a:rPr lang="ru-RU" sz="1800" dirty="0" err="1">
+                <a:effectLst/>
+                <a:ea typeface="Calibri" panose="020F0502020204030204" pitchFamily="34" charset="0"/>
+                <a:cs typeface="Courier New" panose="02070309020205020404" pitchFamily="49" charset="0"/>
+              </a:rPr>
+              <a:t>анимациями</a:t>
+            </a:r>
+            <a:r>
+              <a:rPr lang="ru-RU" sz="1800" dirty="0">
+                <a:effectLst/>
+                <a:ea typeface="Calibri" panose="020F0502020204030204" pitchFamily="34" charset="0"/>
+                <a:cs typeface="Courier New" panose="02070309020205020404" pitchFamily="49" charset="0"/>
+              </a:rPr>
+              <a:t>, реализованными с помощью слайдер</a:t>
+            </a:r>
+            <a:r>
+              <a:rPr lang="ru-RU" sz="1800" dirty="0">
+                <a:ea typeface="Calibri" panose="020F0502020204030204" pitchFamily="34" charset="0"/>
+                <a:cs typeface="Courier New" panose="02070309020205020404" pitchFamily="49" charset="0"/>
+              </a:rPr>
+              <a:t>а (см. рис.)</a:t>
+            </a:r>
+            <a:r>
+              <a:rPr lang="en-US" sz="1800" dirty="0">
+                <a:ea typeface="Calibri" panose="020F0502020204030204" pitchFamily="34" charset="0"/>
+                <a:cs typeface="Courier New" panose="02070309020205020404" pitchFamily="49" charset="0"/>
+              </a:rPr>
+              <a:t>;</a:t>
+            </a:r>
+            <a:endParaRPr lang="ru-RU" sz="1800" dirty="0">
+              <a:ea typeface="Calibri" panose="020F0502020204030204" pitchFamily="34" charset="0"/>
+              <a:cs typeface="Courier New" panose="02070309020205020404" pitchFamily="49" charset="0"/>
+            </a:endParaRPr>
+          </a:p>
+          <a:p>
+            <a:pPr algn="just">
+              <a:spcBef>
+                <a:spcPts val="400"/>
+              </a:spcBef>
+            </a:pPr>
+            <a:r>
+              <a:rPr lang="ru-RU" sz="1800" dirty="0">
+                <a:ea typeface="Calibri" panose="020F0502020204030204" pitchFamily="34" charset="0"/>
+                <a:cs typeface="Courier New" panose="02070309020205020404" pitchFamily="49" charset="0"/>
+              </a:rPr>
+              <a:t>экспортировать анимации в </a:t>
+            </a:r>
+            <a:r>
+              <a:rPr lang="en-US" sz="1800" dirty="0">
+                <a:ea typeface="Calibri" panose="020F0502020204030204" pitchFamily="34" charset="0"/>
+                <a:cs typeface="Courier New" panose="02070309020205020404" pitchFamily="49" charset="0"/>
+              </a:rPr>
+              <a:t>gif;</a:t>
+            </a:r>
+          </a:p>
+          <a:p>
+            <a:pPr algn="just">
+              <a:spcBef>
+                <a:spcPts val="400"/>
+              </a:spcBef>
+            </a:pPr>
+            <a:r>
+              <a:rPr lang="ru-RU" sz="1800" dirty="0">
+                <a:ea typeface="Calibri" panose="020F0502020204030204" pitchFamily="34" charset="0"/>
+                <a:cs typeface="Courier New" panose="02070309020205020404" pitchFamily="49" charset="0"/>
+              </a:rPr>
+              <a:t>создавать губковые сети</a:t>
+            </a:r>
+            <a:r>
+              <a:rPr lang="en-US" sz="1800" dirty="0">
+                <a:ea typeface="Calibri" panose="020F0502020204030204" pitchFamily="34" charset="0"/>
+                <a:cs typeface="Courier New" panose="02070309020205020404" pitchFamily="49" charset="0"/>
+              </a:rPr>
+              <a:t>;</a:t>
+            </a:r>
+            <a:endParaRPr lang="ru-RU" sz="1800" dirty="0">
+              <a:ea typeface="Calibri" panose="020F0502020204030204" pitchFamily="34" charset="0"/>
+              <a:cs typeface="Courier New" panose="02070309020205020404" pitchFamily="49" charset="0"/>
+            </a:endParaRPr>
+          </a:p>
+          <a:p>
+            <a:pPr algn="just">
+              <a:spcBef>
+                <a:spcPts val="400"/>
+              </a:spcBef>
+            </a:pPr>
+            <a:r>
+              <a:rPr lang="ru-RU" sz="1800" dirty="0">
+                <a:ea typeface="Calibri" panose="020F0502020204030204" pitchFamily="34" charset="0"/>
+                <a:cs typeface="Courier New" panose="02070309020205020404" pitchFamily="49" charset="0"/>
+              </a:rPr>
+              <a:t>фактор-сети на основе заданного отношения эквивалентности</a:t>
+            </a:r>
+            <a:r>
+              <a:rPr lang="en-US" sz="1800" dirty="0">
+                <a:ea typeface="Calibri" panose="020F0502020204030204" pitchFamily="34" charset="0"/>
+                <a:cs typeface="Courier New" panose="02070309020205020404" pitchFamily="49" charset="0"/>
+              </a:rPr>
+              <a:t>;</a:t>
+            </a:r>
+            <a:endParaRPr lang="ru-RU" sz="1800" dirty="0">
+              <a:ea typeface="Calibri" panose="020F0502020204030204" pitchFamily="34" charset="0"/>
+              <a:cs typeface="Courier New" panose="02070309020205020404" pitchFamily="49" charset="0"/>
+            </a:endParaRPr>
+          </a:p>
+          <a:p>
+            <a:pPr algn="just">
+              <a:spcBef>
+                <a:spcPts val="400"/>
+              </a:spcBef>
+            </a:pPr>
+            <a:r>
+              <a:rPr lang="ru-RU" sz="1800" dirty="0">
+                <a:ea typeface="Calibri" panose="020F0502020204030204" pitchFamily="34" charset="0"/>
+                <a:cs typeface="Courier New" panose="02070309020205020404" pitchFamily="49" charset="0"/>
+              </a:rPr>
+              <a:t>визуализация фактор-сетей.</a:t>
+            </a:r>
+          </a:p>
+        </p:txBody>
+      </p:sp>
+    </p:spTree>
+    <p:extLst>
+      <p:ext uri="{BB962C8B-B14F-4D97-AF65-F5344CB8AC3E}">
+        <p14:creationId xmlns:p14="http://schemas.microsoft.com/office/powerpoint/2010/main" val="680294745"/>
+      </p:ext>
+    </p:extLst>
+  </p:cSld>
+  <p:clrMapOvr>
+    <a:masterClrMapping/>
+  </p:clrMapOvr>
+</p:sld>
+</file>
+
+<file path=ppt/slides/slide12.xml><?xml version="1.0" encoding="utf-8"?>
+<p:sld xmlns:a="http://schemas.openxmlformats.org/drawingml/2006/main" xmlns:r="http://schemas.openxmlformats.org/officeDocument/2006/relationships" xmlns:p="http://schemas.openxmlformats.org/presentationml/2006/main" showMasterPhAnim="0">
+  <p:cSld>
+    <p:spTree>
+      <p:nvGrpSpPr>
+        <p:cNvPr id="1" name=""/>
+        <p:cNvGrpSpPr/>
+        <p:nvPr/>
+      </p:nvGrpSpPr>
+      <p:grpSpPr bwMode="auto">
+        <a:xfrm>
+          <a:off x="0" y="0"/>
+          <a:ext cx="0" cy="0"/>
+          <a:chOff x="0" y="0"/>
+          <a:chExt cx="0" cy="0"/>
+        </a:xfrm>
+      </p:grpSpPr>
+      <p:sp>
+        <p:nvSpPr>
+          <p:cNvPr id="17" name="Rectangle 2"/>
+          <p:cNvSpPr txBox="1">
+            <a:spLocks noChangeArrowheads="1"/>
+          </p:cNvSpPr>
+          <p:nvPr/>
+        </p:nvSpPr>
+        <p:spPr bwMode="auto">
+          <a:xfrm>
+            <a:off x="1252" y="0"/>
+            <a:ext cx="9144000" cy="1052736"/>
+          </a:xfrm>
+          <a:prstGeom prst="rect">
+            <a:avLst/>
+          </a:prstGeom>
+          <a:solidFill>
+            <a:schemeClr val="bg1">
+              <a:lumMod val="85000"/>
+            </a:schemeClr>
+          </a:solidFill>
+          <a:ln w="9525">
+            <a:noFill/>
+            <a:miter lim="800000"/>
+            <a:headEnd/>
+            <a:tailEnd/>
+          </a:ln>
+        </p:spPr>
+        <p:txBody>
+          <a:bodyPr anchor="ctr"/>
+          <a:lstStyle>
+            <a:defPPr>
+              <a:defRPr lang="ru-RU"/>
+            </a:defPPr>
+            <a:lvl1pPr marL="357188" algn="ctr">
+              <a:defRPr sz="3600" b="1" spc="150">
+                <a:solidFill>
+                  <a:schemeClr val="accent1">
+                    <a:lumMod val="50000"/>
+                  </a:schemeClr>
+                </a:solidFill>
+              </a:defRPr>
+            </a:lvl1pPr>
+          </a:lstStyle>
+          <a:p>
+            <a:pPr>
+              <a:defRPr/>
+            </a:pPr>
+            <a:r>
+              <a:rPr lang="ru-RU" dirty="0"/>
+              <a:t>Прочие результаты</a:t>
+            </a:r>
+            <a:endParaRPr dirty="0"/>
+          </a:p>
+        </p:txBody>
+      </p:sp>
+      <p:sp>
+        <p:nvSpPr>
+          <p:cNvPr id="7" name="Slide Number Placeholder 6">
+            <a:extLst>
+              <a:ext uri="{FF2B5EF4-FFF2-40B4-BE49-F238E27FC236}">
+                <a16:creationId xmlns:a16="http://schemas.microsoft.com/office/drawing/2014/main" id="{63B65CF2-77C7-21E1-FD6C-3124FEC49D93}"/>
+              </a:ext>
+            </a:extLst>
+          </p:cNvPr>
+          <p:cNvSpPr>
+            <a:spLocks noGrp="1"/>
+          </p:cNvSpPr>
+          <p:nvPr>
+            <p:ph type="sldNum" sz="quarter" idx="12"/>
+          </p:nvPr>
+        </p:nvSpPr>
+        <p:spPr/>
+        <p:txBody>
+          <a:bodyPr/>
+          <a:lstStyle/>
+          <a:p>
+            <a:pPr>
+              <a:defRPr/>
+            </a:pPr>
+            <a:fld id="{667099E1-2BD8-4718-81B5-D06A6B18E473}" type="slidenum">
+              <a:rPr lang="ru-RU" smtClean="0"/>
+              <a:t>12</a:t>
             </a:fld>
             <a:endParaRPr lang="ru-RU"/>
           </a:p>
@@ -4327,8 +6157,24 @@
               <a:p>
                 <a:pPr algn="just"/>
                 <a:r>
-                  <a:rPr lang="ru-RU" dirty="0"/>
-                  <a:t>Установлена связь между симметриями ресурсных сетей как графов и симметриями их как динамических систем;</a:t>
+                  <a:rPr lang="ru-RU" b="1" dirty="0">
+                    <a:solidFill>
+                      <a:schemeClr val="accent1">
+                        <a:lumMod val="50000"/>
+                      </a:schemeClr>
+                    </a:solidFill>
+                  </a:rPr>
+                  <a:t>Установлена связь между симметриями ресурсных сетей как графов и симметриями их как динамических систем</a:t>
+                </a:r>
+                <a:r>
+                  <a:rPr lang="ru-RU" dirty="0">
+                    <a:solidFill>
+                      <a:schemeClr val="accent1">
+                        <a:lumMod val="50000"/>
+                      </a:schemeClr>
+                    </a:solidFill>
+                  </a:rPr>
+                  <a:t>;</a:t>
                 </a:r>
               </a:p>
               <a:p>
@@ -4342,7 +6188,7 @@
                 <a:pPr algn="just"/>
                 <a:r>
                   <a:rPr lang="ru-RU" dirty="0"/>
-                  <a:t>Сформулированы достаточные условия того, чтобы ресурсную сеть можно было факторизовать;</a:t>
+                  <a:t>Сформулированы некоторые достаточные условия того, чтобы ресурсную сеть можно было факторизовать;</a:t>
                 </a:r>
               </a:p>
               <a:p>
@@ -4351,7 +6197,295 @@
                   <a:rPr lang="ru-RU" dirty="0"/>
                   <a:t>Теорема об ограничении группы автоморфизмов графа при известных группах автоморфизмов инвариантных подграфов данного графа</a:t>
                 </a:r>
-                <a:endParaRPr lang="en-US" dirty="0"/>
+              </a:p>
+              <a:p>
+                <a:pPr marL="0" indent="0" algn="ctr">
+                  <a:buNone/>
+                </a:pPr>
+                <a14:m>
+                  <m:oMath xmlns:m="http://schemas.openxmlformats.org/officeDocument/2006/math">
+                    <m:r>
+                      <a:rPr lang="en-US" b="0" i="1" smtClean="0">
+                        <a:latin typeface="Cambria Math" panose="02040503050406030204" pitchFamily="18" charset="0"/>
+                      </a:rPr>
+                      <m:t>𝑉</m:t>
+                    </m:r>
+                    <m:r>
+                      <a:rPr lang="en-US" b="0" i="1" smtClean="0">
+                        <a:latin typeface="Cambria Math" panose="02040503050406030204" pitchFamily="18" charset="0"/>
+                      </a:rPr>
+                      <m:t>=</m:t>
+                    </m:r>
+                    <m:sSub>
+                      <m:sSubPr>
+                        <m:ctrlPr>
+                          <a:rPr lang="en-US" b="0" i="1" smtClean="0">
+                            <a:latin typeface="Cambria Math" panose="02040503050406030204" pitchFamily="18" charset="0"/>
+                          </a:rPr>
+                        </m:ctrlPr>
+                      </m:sSubPr>
+                      <m:e>
+                        <m:r>
+                          <a:rPr lang="en-US" b="0" i="1" smtClean="0">
+                            <a:latin typeface="Cambria Math" panose="02040503050406030204" pitchFamily="18" charset="0"/>
+                          </a:rPr>
+                          <m:t>𝑉</m:t>
+                        </m:r>
+                      </m:e>
+                      <m:sub>
+                        <m:r>
+                          <a:rPr lang="en-US" b="0" i="1" smtClean="0">
+                            <a:latin typeface="Cambria Math" panose="02040503050406030204" pitchFamily="18" charset="0"/>
+                          </a:rPr>
+                          <m:t>1</m:t>
+                        </m:r>
+                      </m:sub>
+                    </m:sSub>
+                    <m:r>
+                      <a:rPr lang="en-US" i="1">
+                        <a:latin typeface="Cambria Math" panose="02040503050406030204" pitchFamily="18" charset="0"/>
+                        <a:ea typeface="Cambria Math" panose="02040503050406030204" pitchFamily="18" charset="0"/>
+                      </a:rPr>
+                      <m:t>⊔</m:t>
+                    </m:r>
+                    <m:sSub>
+                      <m:sSubPr>
+                        <m:ctrlPr>
+                          <a:rPr lang="en-US" b="0" i="1" smtClean="0">
+                            <a:latin typeface="Cambria Math" panose="02040503050406030204" pitchFamily="18" charset="0"/>
+                            <a:ea typeface="Cambria Math" panose="02040503050406030204" pitchFamily="18" charset="0"/>
+                          </a:rPr>
+                        </m:ctrlPr>
+                      </m:sSubPr>
+                      <m:e>
+                        <m:r>
+                          <a:rPr lang="en-US" b="0" i="1" smtClean="0">
+                            <a:latin typeface="Cambria Math" panose="02040503050406030204" pitchFamily="18" charset="0"/>
+                            <a:ea typeface="Cambria Math" panose="02040503050406030204" pitchFamily="18" charset="0"/>
+                          </a:rPr>
+                          <m:t>𝑉</m:t>
+                        </m:r>
+                      </m:e>
+                      <m:sub>
+                        <m:r>
+                          <a:rPr lang="en-US" b="0" i="1" smtClean="0">
+                            <a:latin typeface="Cambria Math" panose="02040503050406030204" pitchFamily="18" charset="0"/>
+                            <a:ea typeface="Cambria Math" panose="02040503050406030204" pitchFamily="18" charset="0"/>
+                          </a:rPr>
+                          <m:t>2</m:t>
+                        </m:r>
+                      </m:sub>
+                    </m:sSub>
+                  </m:oMath>
+                </a14:m>
+                <a:r>
+                  <a:rPr lang="en-US" dirty="0"/>
+                  <a:t>, </a:t>
+                </a:r>
+                <a14:m>
+                  <m:oMath xmlns:m="http://schemas.openxmlformats.org/officeDocument/2006/math">
+                    <m:sSub>
+                      <m:sSubPr>
+                        <m:ctrlPr>
+                          <a:rPr lang="en-US" b="0" i="1" smtClean="0">
+                            <a:latin typeface="Cambria Math" panose="02040503050406030204" pitchFamily="18" charset="0"/>
+                          </a:rPr>
+                        </m:ctrlPr>
+                      </m:sSubPr>
+                      <m:e>
+                        <m:r>
+                          <a:rPr lang="en-US" b="0" i="1" smtClean="0">
+                            <a:latin typeface="Cambria Math" panose="02040503050406030204" pitchFamily="18" charset="0"/>
+                          </a:rPr>
+                          <m:t>𝐻</m:t>
+                        </m:r>
+                      </m:e>
+                      <m:sub>
+                        <m:r>
+                          <a:rPr lang="en-US" b="0" i="1" smtClean="0">
+                            <a:latin typeface="Cambria Math" panose="02040503050406030204" pitchFamily="18" charset="0"/>
+                          </a:rPr>
+                          <m:t>𝑖</m:t>
+                        </m:r>
+                      </m:sub>
+                    </m:sSub>
+                    <m:r>
+                      <a:rPr lang="ru-RU" b="0" i="1" smtClean="0">
+                        <a:latin typeface="Cambria Math" panose="02040503050406030204" pitchFamily="18" charset="0"/>
+                      </a:rPr>
+                      <m:t>=</m:t>
+                    </m:r>
+                    <m:r>
+                      <m:rPr>
+                        <m:sty m:val="p"/>
+                      </m:rPr>
+                      <a:rPr lang="en-US" b="0" i="0" smtClean="0">
+                        <a:latin typeface="Cambria Math" panose="02040503050406030204" pitchFamily="18" charset="0"/>
+                      </a:rPr>
+                      <m:t>Aut</m:t>
+                    </m:r>
+                    <m:d>
+                      <m:dPr>
+                        <m:ctrlPr>
+                          <a:rPr lang="en-US" b="0" i="1" smtClean="0">
+                            <a:latin typeface="Cambria Math" panose="02040503050406030204" pitchFamily="18" charset="0"/>
+                          </a:rPr>
+                        </m:ctrlPr>
+                      </m:dPr>
+                      <m:e>
+                        <m:r>
+                          <m:rPr>
+                            <m:sty m:val="p"/>
+                          </m:rPr>
+                          <a:rPr lang="en-US" b="0" i="0" smtClean="0">
+                            <a:latin typeface="Cambria Math" panose="02040503050406030204" pitchFamily="18" charset="0"/>
+                          </a:rPr>
+                          <m:t>Gen</m:t>
+                        </m:r>
+                        <m:d>
+                          <m:dPr>
+                            <m:ctrlPr>
+                              <a:rPr lang="en-US" b="0" i="1" smtClean="0">
+                                <a:latin typeface="Cambria Math" panose="02040503050406030204" pitchFamily="18" charset="0"/>
+                              </a:rPr>
+                            </m:ctrlPr>
+                          </m:dPr>
+                          <m:e>
+                            <m:sSub>
+                              <m:sSubPr>
+                                <m:ctrlPr>
+                                  <a:rPr lang="en-US" b="0" i="1" smtClean="0">
+                                    <a:latin typeface="Cambria Math" panose="02040503050406030204" pitchFamily="18" charset="0"/>
+                                  </a:rPr>
+                                </m:ctrlPr>
+                              </m:sSubPr>
+                              <m:e>
+                                <m:r>
+                                  <a:rPr lang="en-US" b="0" i="1" smtClean="0">
+                                    <a:latin typeface="Cambria Math" panose="02040503050406030204" pitchFamily="18" charset="0"/>
+                                  </a:rPr>
+                                  <m:t>𝑉</m:t>
+                                </m:r>
+                              </m:e>
+                              <m:sub>
+                                <m:r>
+                                  <a:rPr lang="en-US" b="0" i="1" smtClean="0">
+                                    <a:latin typeface="Cambria Math" panose="02040503050406030204" pitchFamily="18" charset="0"/>
+                                  </a:rPr>
+                                  <m:t>𝑖</m:t>
+                                </m:r>
+                              </m:sub>
+                            </m:sSub>
+                          </m:e>
+                        </m:d>
+                      </m:e>
+                    </m:d>
+                    <m:r>
+                      <a:rPr lang="en-US" b="0" i="1" smtClean="0">
+                        <a:latin typeface="Cambria Math" panose="02040503050406030204" pitchFamily="18" charset="0"/>
+                      </a:rPr>
+                      <m:t>,</m:t>
+                    </m:r>
+                  </m:oMath>
+                </a14:m>
+                <a:r>
+                  <a:rPr lang="en-US" dirty="0"/>
+                  <a:t> </a:t>
+                </a:r>
+                <a14:m>
+                  <m:oMath xmlns:m="http://schemas.openxmlformats.org/officeDocument/2006/math">
+                    <m:acc>
+                      <m:accPr>
+                        <m:chr m:val="̃"/>
+                        <m:ctrlPr>
+                          <a:rPr lang="en-US" b="0" i="1" dirty="0" smtClean="0">
+                            <a:latin typeface="Cambria Math" panose="02040503050406030204" pitchFamily="18" charset="0"/>
+                          </a:rPr>
+                        </m:ctrlPr>
+                      </m:accPr>
+                      <m:e>
+                        <m:sSub>
+                          <m:sSubPr>
+                            <m:ctrlPr>
+                              <a:rPr lang="en-US" b="0" i="1" dirty="0" smtClean="0">
+                                <a:latin typeface="Cambria Math" panose="02040503050406030204" pitchFamily="18" charset="0"/>
+                              </a:rPr>
+                            </m:ctrlPr>
+                          </m:sSubPr>
+                          <m:e>
+                            <m:r>
+                              <a:rPr lang="en-US" b="0" i="1" dirty="0" smtClean="0">
+                                <a:latin typeface="Cambria Math" panose="02040503050406030204" pitchFamily="18" charset="0"/>
+                              </a:rPr>
+                              <m:t>𝑉</m:t>
+                            </m:r>
+                          </m:e>
+                          <m:sub>
+                            <m:r>
+                              <a:rPr lang="en-US" b="0" i="1" dirty="0" smtClean="0">
+                                <a:latin typeface="Cambria Math" panose="02040503050406030204" pitchFamily="18" charset="0"/>
+                              </a:rPr>
+                              <m:t>𝑖</m:t>
+                            </m:r>
+                          </m:sub>
+                        </m:sSub>
+                      </m:e>
+                    </m:acc>
+                  </m:oMath>
+                </a14:m>
+                <a:r>
+                  <a:rPr lang="ru-RU" dirty="0"/>
+                  <a:t> – смежные с </a:t>
+                </a:r>
+                <a14:m>
+                  <m:oMath xmlns:m="http://schemas.openxmlformats.org/officeDocument/2006/math">
+                    <m:sSub>
+                      <m:sSubPr>
+                        <m:ctrlPr>
+                          <a:rPr lang="en-US" b="0" i="1" smtClean="0">
+                            <a:latin typeface="Cambria Math" panose="02040503050406030204" pitchFamily="18" charset="0"/>
+                          </a:rPr>
+                        </m:ctrlPr>
+                      </m:sSubPr>
+                      <m:e>
+                        <m:r>
+                          <a:rPr lang="en-US" b="0" i="1" smtClean="0">
+                            <a:latin typeface="Cambria Math" panose="02040503050406030204" pitchFamily="18" charset="0"/>
+                          </a:rPr>
+                          <m:t>𝑉</m:t>
+                        </m:r>
+                      </m:e>
+                      <m:sub>
+                        <m:r>
+                          <a:rPr lang="en-US" b="0" i="1" smtClean="0">
+                            <a:latin typeface="Cambria Math" panose="02040503050406030204" pitchFamily="18" charset="0"/>
+                          </a:rPr>
+                          <m:t>3−</m:t>
+                        </m:r>
+                        <m:r>
+                          <a:rPr lang="en-US" b="0" i="1" smtClean="0">
+                            <a:latin typeface="Cambria Math" panose="02040503050406030204" pitchFamily="18" charset="0"/>
+                          </a:rPr>
+                          <m:t>𝑖</m:t>
+                        </m:r>
+                      </m:sub>
+                    </m:sSub>
+                  </m:oMath>
+                </a14:m>
+                <a:r>
+                  <a:rPr lang="en-US" dirty="0"/>
+                  <a:t>, </a:t>
+                </a:r>
+                <a:r>
+                  <a:rPr lang="ru-RU" dirty="0"/>
+                  <a:t>тогда: </a:t>
+                </a:r>
+              </a:p>
+              <a:p>
+                <a:pPr marL="0" indent="0" algn="ctr">
+                  <a:buNone/>
+                </a:pPr>
+                <a:endParaRPr lang="en-US" sz="400" dirty="0"/>
               </a:p>
               <a:p>
                 <a:pPr marL="342900" lvl="1" indent="0" algn="just">
@@ -4852,6 +6986,200 @@
                 </a14:m>
                 <a:endParaRPr lang="ru-RU" dirty="0"/>
               </a:p>
+            </p:txBody>
+          </p:sp>
+        </mc:Choice>
+        <mc:Fallback>
+          <p:sp>
+            <p:nvSpPr>
+              <p:cNvPr id="3" name="Content Placeholder 2">
+                <a:extLst>
+                  <a:ext uri="{FF2B5EF4-FFF2-40B4-BE49-F238E27FC236}">
+                    <a16:creationId xmlns:a16="http://schemas.microsoft.com/office/drawing/2014/main" id="{B37D946C-C169-1133-F6FA-82F79F03BCC7}"/>
+                  </a:ext>
+                </a:extLst>
+              </p:cNvPr>
+              <p:cNvSpPr>
+                <a:spLocks noGrp="1" noRot="1" noChangeAspect="1" noMove="1" noResize="1" noEditPoints="1" noAdjustHandles="1" noChangeArrowheads="1" noChangeShapeType="1" noTextEdit="1"/>
+              </p:cNvSpPr>
+              <p:nvPr>
+                <p:ph idx="1"/>
+              </p:nvPr>
+            </p:nvSpPr>
+            <p:spPr>
+              <a:xfrm>
+                <a:off x="628650" y="1253331"/>
+                <a:ext cx="7886700" cy="4551934"/>
+              </a:xfrm>
+              <a:blipFill>
+                <a:blip r:embed="rId2"/>
+                <a:stretch>
+                  <a:fillRect l="-773" t="-1609" r="-927"/>
+                </a:stretch>
+              </a:blipFill>
+            </p:spPr>
+            <p:txBody>
+              <a:bodyPr/>
+              <a:lstStyle/>
+              <a:p>
+                <a:r>
+                  <a:rPr lang="en-US">
+                    <a:noFill/>
+                  </a:rPr>
+                  <a:t> </a:t>
+                </a:r>
+              </a:p>
+            </p:txBody>
+          </p:sp>
+        </mc:Fallback>
+      </mc:AlternateContent>
+    </p:spTree>
+    <p:extLst>
+      <p:ext uri="{BB962C8B-B14F-4D97-AF65-F5344CB8AC3E}">
+        <p14:creationId xmlns:p14="http://schemas.microsoft.com/office/powerpoint/2010/main" val="2260338423"/>
+      </p:ext>
+    </p:extLst>
+  </p:cSld>
+  <p:clrMapOvr>
+    <a:masterClrMapping/>
+  </p:clrMapOvr>
+</p:sld>
+</file>
+
+<file path=ppt/slides/slide13.xml><?xml version="1.0" encoding="utf-8"?>
+<p:sld xmlns:a="http://schemas.openxmlformats.org/drawingml/2006/main" xmlns:r="http://schemas.openxmlformats.org/officeDocument/2006/relationships" xmlns:p="http://schemas.openxmlformats.org/presentationml/2006/main" showMasterPhAnim="0">
+  <p:cSld>
+    <p:spTree>
+      <p:nvGrpSpPr>
+        <p:cNvPr id="1" name=""/>
+        <p:cNvGrpSpPr/>
+        <p:nvPr/>
+      </p:nvGrpSpPr>
+      <p:grpSpPr bwMode="auto">
+        <a:xfrm>
+          <a:off x="0" y="0"/>
+          <a:ext cx="0" cy="0"/>
+          <a:chOff x="0" y="0"/>
+          <a:chExt cx="0" cy="0"/>
+        </a:xfrm>
+      </p:grpSpPr>
+      <p:sp>
+        <p:nvSpPr>
+          <p:cNvPr id="17" name="Rectangle 2"/>
+          <p:cNvSpPr txBox="1">
+            <a:spLocks noChangeArrowheads="1"/>
+          </p:cNvSpPr>
+          <p:nvPr/>
+        </p:nvSpPr>
+        <p:spPr bwMode="auto">
+          <a:xfrm>
+            <a:off x="1252" y="0"/>
+            <a:ext cx="9144000" cy="1052736"/>
+          </a:xfrm>
+          <a:prstGeom prst="rect">
+            <a:avLst/>
+          </a:prstGeom>
+          <a:solidFill>
+            <a:schemeClr val="bg1">
+              <a:lumMod val="85000"/>
+            </a:schemeClr>
+          </a:solidFill>
+          <a:ln w="9525">
+            <a:noFill/>
+            <a:miter lim="800000"/>
+            <a:headEnd/>
+            <a:tailEnd/>
+          </a:ln>
+        </p:spPr>
+        <p:txBody>
+          <a:bodyPr anchor="ctr"/>
+          <a:lstStyle>
+            <a:defPPr>
+              <a:defRPr lang="ru-RU"/>
+            </a:defPPr>
+            <a:lvl1pPr marL="357188" algn="ctr">
+              <a:defRPr sz="3600" b="1" spc="150">
+                <a:solidFill>
+                  <a:schemeClr val="accent1">
+                    <a:lumMod val="50000"/>
+                  </a:schemeClr>
+                </a:solidFill>
+              </a:defRPr>
+            </a:lvl1pPr>
+          </a:lstStyle>
+          <a:p>
+            <a:pPr>
+              <a:defRPr/>
+            </a:pPr>
+            <a:r>
+              <a:rPr lang="ru-RU" dirty="0"/>
+              <a:t>Сохранение стабилизатора</a:t>
+            </a:r>
+            <a:endParaRPr dirty="0"/>
+          </a:p>
+        </p:txBody>
+      </p:sp>
+      <p:sp>
+        <p:nvSpPr>
+          <p:cNvPr id="7" name="Slide Number Placeholder 6">
+            <a:extLst>
+              <a:ext uri="{FF2B5EF4-FFF2-40B4-BE49-F238E27FC236}">
+                <a16:creationId xmlns:a16="http://schemas.microsoft.com/office/drawing/2014/main" id="{63B65CF2-77C7-21E1-FD6C-3124FEC49D93}"/>
+              </a:ext>
+            </a:extLst>
+          </p:cNvPr>
+          <p:cNvSpPr>
+            <a:spLocks noGrp="1"/>
+          </p:cNvSpPr>
+          <p:nvPr>
+            <p:ph type="sldNum" sz="quarter" idx="12"/>
+          </p:nvPr>
+        </p:nvSpPr>
+        <p:spPr/>
+        <p:txBody>
+          <a:bodyPr/>
+          <a:lstStyle/>
+          <a:p>
+            <a:pPr>
+              <a:defRPr/>
+            </a:pPr>
+            <a:fld id="{667099E1-2BD8-4718-81B5-D06A6B18E473}" type="slidenum">
+              <a:rPr lang="ru-RU" smtClean="0"/>
+              <a:t>13</a:t>
+            </a:fld>
+            <a:endParaRPr lang="ru-RU"/>
+          </a:p>
+        </p:txBody>
+      </p:sp>
+      <mc:AlternateContent xmlns:mc="http://schemas.openxmlformats.org/markup-compatibility/2006" xmlns:a14="http://schemas.microsoft.com/office/drawing/2010/main">
+        <mc:Choice Requires="a14">
+          <p:sp>
+            <p:nvSpPr>
+              <p:cNvPr id="3" name="Content Placeholder 2">
+                <a:extLst>
+                  <a:ext uri="{FF2B5EF4-FFF2-40B4-BE49-F238E27FC236}">
+                    <a16:creationId xmlns:a16="http://schemas.microsoft.com/office/drawing/2014/main" id="{B37D946C-C169-1133-F6FA-82F79F03BCC7}"/>
+                  </a:ext>
+                </a:extLst>
+              </p:cNvPr>
+              <p:cNvSpPr>
+                <a:spLocks noGrp="1"/>
+              </p:cNvSpPr>
+              <p:nvPr>
+                <p:ph idx="1"/>
+              </p:nvPr>
+            </p:nvSpPr>
+            <p:spPr>
+              <a:xfrm>
+                <a:off x="628650" y="1253331"/>
+                <a:ext cx="7886700" cy="4551934"/>
+              </a:xfrm>
+            </p:spPr>
+            <p:txBody>
+              <a:bodyPr>
+                <a:normAutofit/>
+              </a:bodyPr>
+              <a:lstStyle/>
               <a:p>
                 <a:pPr algn="just"/>
                 <a:r>
@@ -5049,7 +7377,7 @@
             </p:txBody>
           </p:sp>
         </mc:Choice>
-        <mc:Fallback>
+        <mc:Fallback xmlns="">
           <p:sp>
             <p:nvSpPr>
               <p:cNvPr id="3" name="Content Placeholder 2">
@@ -5074,7 +7402,7 @@
               <a:blipFill>
                 <a:blip r:embed="rId2"/>
                 <a:stretch>
-                  <a:fillRect l="-773" t="-1609" r="-927"/>
+                  <a:fillRect l="-773" t="-1609"/>
                 </a:stretch>
               </a:blipFill>
             </p:spPr>
@@ -5093,10 +7421,85 @@
           </p:sp>
         </mc:Fallback>
       </mc:AlternateContent>
+      <p:pic>
+        <p:nvPicPr>
+          <p:cNvPr id="4" name="Graphic 3">
+            <a:extLst>
+              <a:ext uri="{FF2B5EF4-FFF2-40B4-BE49-F238E27FC236}">
+                <a16:creationId xmlns:a16="http://schemas.microsoft.com/office/drawing/2014/main" id="{5240EDF5-087C-EFE8-C817-30786E719741}"/>
+              </a:ext>
+            </a:extLst>
+          </p:cNvPr>
+          <p:cNvPicPr>
+            <a:picLocks noChangeAspect="1"/>
+          </p:cNvPicPr>
+          <p:nvPr/>
+        </p:nvPicPr>
+        <p:blipFill>
+          <a:blip r:embed="rId3">
+            <a:extLst>
+              <a:ext uri="{28A0092B-C50C-407E-A947-70E740481C1C}">
+                <a14:useLocalDpi xmlns:a14="http://schemas.microsoft.com/office/drawing/2010/main" val="0"/>
+              </a:ext>
+              <a:ext uri="{96DAC541-7B7A-43D3-8B79-37D633B846F1}">
+                <asvg:svgBlip xmlns:asvg="http://schemas.microsoft.com/office/drawing/2016/SVG/main" r:embed="rId4"/>
+              </a:ext>
+            </a:extLst>
+          </a:blip>
+          <a:stretch>
+            <a:fillRect/>
+          </a:stretch>
+        </p:blipFill>
+        <p:spPr>
+          <a:xfrm>
+            <a:off x="1474584" y="1983707"/>
+            <a:ext cx="6194831" cy="4028452"/>
+          </a:xfrm>
+          <a:prstGeom prst="rect">
+            <a:avLst/>
+          </a:prstGeom>
+        </p:spPr>
+      </p:pic>
+      <p:sp>
+        <p:nvSpPr>
+          <p:cNvPr id="5" name="TextBox 4">
+            <a:extLst>
+              <a:ext uri="{FF2B5EF4-FFF2-40B4-BE49-F238E27FC236}">
+                <a16:creationId xmlns:a16="http://schemas.microsoft.com/office/drawing/2014/main" id="{444495EA-6B74-DB5C-3E67-5F8E94F920F3}"/>
+              </a:ext>
+            </a:extLst>
+          </p:cNvPr>
+          <p:cNvSpPr txBox="1"/>
+          <p:nvPr/>
+        </p:nvSpPr>
+        <p:spPr>
+          <a:xfrm>
+            <a:off x="2636084" y="6012159"/>
+            <a:ext cx="3871829" cy="369332"/>
+          </a:xfrm>
+          <a:prstGeom prst="rect">
+            <a:avLst/>
+          </a:prstGeom>
+          <a:noFill/>
+        </p:spPr>
+        <p:txBody>
+          <a:bodyPr wrap="none" rtlCol="0">
+            <a:spAutoFit/>
+          </a:bodyPr>
+          <a:lstStyle/>
+          <a:p>
+            <a:r>
+              <a:rPr lang="ru-RU" dirty="0"/>
+              <a:t>Начальное состояние некоторой сети</a:t>
+            </a:r>
+            <a:endParaRPr lang="en-US" dirty="0"/>
+          </a:p>
+        </p:txBody>
+      </p:sp>
     </p:spTree>
     <p:extLst>
       <p:ext uri="{BB962C8B-B14F-4D97-AF65-F5344CB8AC3E}">
-        <p14:creationId xmlns:p14="http://schemas.microsoft.com/office/powerpoint/2010/main" val="2260338423"/>
+        <p14:creationId xmlns:p14="http://schemas.microsoft.com/office/powerpoint/2010/main" val="3847663901"/>
       </p:ext>
     </p:extLst>
   </p:cSld>
@@ -5106,7 +7509,7 @@
 </p:sld>
 </file>
 
-<file path=ppt/slides/slide11.xml><?xml version="1.0" encoding="utf-8"?>
+<file path=ppt/slides/slide14.xml><?xml version="1.0" encoding="utf-8"?>
 <p:sld xmlns:a="http://schemas.openxmlformats.org/drawingml/2006/main" xmlns:r="http://schemas.openxmlformats.org/officeDocument/2006/relationships" xmlns:p="http://schemas.openxmlformats.org/presentationml/2006/main" showMasterPhAnim="0">
   <p:cSld>
     <p:spTree>
@@ -5123,40 +7526,6 @@
           <a:chExt cx="0" cy="0"/>
         </a:xfrm>
       </p:grpSpPr>
-      <p:pic>
-        <p:nvPicPr>
-          <p:cNvPr id="13" name="Picture">
-            <a:extLst>
-              <a:ext uri="{FF2B5EF4-FFF2-40B4-BE49-F238E27FC236}">
-                <a16:creationId xmlns:a16="http://schemas.microsoft.com/office/drawing/2014/main" id="{D834019C-6F5A-1208-6686-605AC3AD8379}"/>
-              </a:ext>
-            </a:extLst>
-          </p:cNvPr>
-          <p:cNvPicPr/>
-          <p:nvPr/>
-        </p:nvPicPr>
-        <p:blipFill>
-          <a:blip r:embed="rId2"/>
-          <a:stretch>
-            <a:fillRect/>
-          </a:stretch>
-        </p:blipFill>
-        <p:spPr bwMode="auto">
-          <a:xfrm>
-            <a:off x="5220072" y="1977603"/>
-            <a:ext cx="3675350" cy="3490516"/>
-          </a:xfrm>
-          <a:prstGeom prst="rect">
-            <a:avLst/>
-          </a:prstGeom>
-          <a:noFill/>
-          <a:ln w="9525">
-            <a:noFill/>
-            <a:headEnd/>
-            <a:tailEnd/>
-          </a:ln>
-        </p:spPr>
-      </p:pic>
       <p:sp>
         <p:nvSpPr>
           <p:cNvPr id="17" name="Rectangle 2"/>
@@ -5207,7 +7576,7 @@
             </a:pPr>
             <a:r>
               <a:rPr lang="ru-RU" dirty="0"/>
-              <a:t>Программная реализация</a:t>
+              <a:t>Сохранение стабилизатора</a:t>
             </a:r>
             <a:endParaRPr dirty="0"/>
           </a:p>
@@ -5239,412 +7608,433 @@
             </a:pPr>
             <a:fld id="{667099E1-2BD8-4718-81B5-D06A6B18E473}" type="slidenum">
               <a:rPr lang="ru-RU" smtClean="0"/>
-              <a:t>11</a:t>
+              <a:t>14</a:t>
             </a:fld>
-            <a:endParaRPr lang="ru-RU"/>
+            <a:endParaRPr lang="ru-RU" dirty="0"/>
           </a:p>
         </p:txBody>
       </p:sp>
-      <p:sp>
-        <p:nvSpPr>
-          <p:cNvPr id="4" name="Content Placeholder 3">
+      <mc:AlternateContent xmlns:mc="http://schemas.openxmlformats.org/markup-compatibility/2006" xmlns:a14="http://schemas.microsoft.com/office/drawing/2010/main">
+        <mc:Choice Requires="a14">
+          <p:sp>
+            <p:nvSpPr>
+              <p:cNvPr id="3" name="Content Placeholder 2">
+                <a:extLst>
+                  <a:ext uri="{FF2B5EF4-FFF2-40B4-BE49-F238E27FC236}">
+                    <a16:creationId xmlns:a16="http://schemas.microsoft.com/office/drawing/2014/main" id="{B37D946C-C169-1133-F6FA-82F79F03BCC7}"/>
+                  </a:ext>
+                </a:extLst>
+              </p:cNvPr>
+              <p:cNvSpPr>
+                <a:spLocks noGrp="1"/>
+              </p:cNvSpPr>
+              <p:nvPr>
+                <p:ph idx="1"/>
+              </p:nvPr>
+            </p:nvSpPr>
+            <p:spPr>
+              <a:xfrm>
+                <a:off x="628650" y="1253331"/>
+                <a:ext cx="7886700" cy="4551934"/>
+              </a:xfrm>
+            </p:spPr>
+            <p:txBody>
+              <a:bodyPr>
+                <a:normAutofit/>
+              </a:bodyPr>
+              <a:lstStyle/>
+              <a:p>
+                <a:pPr algn="just"/>
+                <a:r>
+                  <a:rPr lang="ru-RU" dirty="0"/>
+                  <a:t>Теорема о сохранении стабилизатора динамической системой</a:t>
+                </a:r>
+                <a:endParaRPr lang="en-US" dirty="0"/>
+              </a:p>
+              <a:p>
+                <a:pPr marL="342900" lvl="1" indent="0" algn="just">
+                  <a:buNone/>
+                </a:pPr>
+                <a14:m>
+                  <m:oMathPara xmlns:m="http://schemas.openxmlformats.org/officeDocument/2006/math">
+                    <m:oMathParaPr>
+                      <m:jc m:val="centerGroup"/>
+                    </m:oMathParaPr>
+                    <m:oMath xmlns:m="http://schemas.openxmlformats.org/officeDocument/2006/math">
+                      <m:r>
+                        <a:rPr lang="ru-RU" sz="1800" smtClean="0">
+                          <a:effectLst/>
+                          <a:latin typeface="Cambria Math" panose="02040503050406030204" pitchFamily="18" charset="0"/>
+                          <a:ea typeface="Calibri" panose="020F0502020204030204" pitchFamily="34" charset="0"/>
+                          <a:cs typeface="Times New Roman" panose="02020603050405020304" pitchFamily="18" charset="0"/>
+                        </a:rPr>
+                        <m:t>∀</m:t>
+                      </m:r>
+                      <m:r>
+                        <a:rPr lang="ru-RU" sz="1800" i="1">
+                          <a:effectLst/>
+                          <a:latin typeface="Cambria Math" panose="02040503050406030204" pitchFamily="18" charset="0"/>
+                          <a:ea typeface="Calibri" panose="020F0502020204030204" pitchFamily="34" charset="0"/>
+                          <a:cs typeface="Times New Roman" panose="02020603050405020304" pitchFamily="18" charset="0"/>
+                        </a:rPr>
+                        <m:t>𝑛</m:t>
+                      </m:r>
+                      <m:r>
+                        <a:rPr lang="ru-RU" sz="1800">
+                          <a:effectLst/>
+                          <a:latin typeface="Cambria Math" panose="02040503050406030204" pitchFamily="18" charset="0"/>
+                          <a:ea typeface="Calibri" panose="020F0502020204030204" pitchFamily="34" charset="0"/>
+                          <a:cs typeface="Times New Roman" panose="02020603050405020304" pitchFamily="18" charset="0"/>
+                        </a:rPr>
+                        <m:t>∈</m:t>
+                      </m:r>
+                      <m:r>
+                        <a:rPr lang="ru-RU" sz="1800" i="1">
+                          <a:effectLst/>
+                          <a:latin typeface="Cambria Math" panose="02040503050406030204" pitchFamily="18" charset="0"/>
+                          <a:ea typeface="Calibri" panose="020F0502020204030204" pitchFamily="34" charset="0"/>
+                          <a:cs typeface="Times New Roman" panose="02020603050405020304" pitchFamily="18" charset="0"/>
+                        </a:rPr>
+                        <m:t>ℕ</m:t>
+                      </m:r>
+                      <m:r>
+                        <a:rPr lang="ru-RU" sz="1800" i="1">
+                          <a:effectLst/>
+                          <a:latin typeface="Cambria Math" panose="02040503050406030204" pitchFamily="18" charset="0"/>
+                          <a:ea typeface="Calibri" panose="020F0502020204030204" pitchFamily="34" charset="0"/>
+                          <a:cs typeface="Times New Roman" panose="02020603050405020304" pitchFamily="18" charset="0"/>
+                        </a:rPr>
+                        <m:t> </m:t>
+                      </m:r>
+                      <m:r>
+                        <m:rPr>
+                          <m:nor/>
+                        </m:rPr>
+                        <a:rPr lang="ru-RU" sz="1800">
+                          <a:effectLst/>
+                          <a:latin typeface="Times New Roman" panose="02020603050405020304" pitchFamily="18" charset="0"/>
+                          <a:ea typeface="Calibri" panose="020F0502020204030204" pitchFamily="34" charset="0"/>
+                        </a:rPr>
+                        <m:t>Stab</m:t>
+                      </m:r>
+                      <m:d>
+                        <m:dPr>
+                          <m:ctrlPr>
+                            <a:rPr lang="en-US" i="1">
+                              <a:effectLst/>
+                              <a:latin typeface="Cambria Math" panose="02040503050406030204" pitchFamily="18" charset="0"/>
+                            </a:rPr>
+                          </m:ctrlPr>
+                        </m:dPr>
+                        <m:e>
+                          <m:r>
+                            <a:rPr lang="ru-RU" sz="1800" i="1">
+                              <a:effectLst/>
+                              <a:latin typeface="Cambria Math" panose="02040503050406030204" pitchFamily="18" charset="0"/>
+                              <a:ea typeface="Calibri" panose="020F0502020204030204" pitchFamily="34" charset="0"/>
+                              <a:cs typeface="Times New Roman" panose="02020603050405020304" pitchFamily="18" charset="0"/>
+                            </a:rPr>
+                            <m:t>𝑥</m:t>
+                          </m:r>
+                        </m:e>
+                      </m:d>
+                      <m:r>
+                        <a:rPr lang="ru-RU" sz="1800">
+                          <a:effectLst/>
+                          <a:latin typeface="Cambria Math" panose="02040503050406030204" pitchFamily="18" charset="0"/>
+                          <a:ea typeface="Calibri" panose="020F0502020204030204" pitchFamily="34" charset="0"/>
+                          <a:cs typeface="Times New Roman" panose="02020603050405020304" pitchFamily="18" charset="0"/>
+                        </a:rPr>
+                        <m:t>⊂</m:t>
+                      </m:r>
+                      <m:r>
+                        <m:rPr>
+                          <m:nor/>
+                        </m:rPr>
+                        <a:rPr lang="ru-RU" sz="1800">
+                          <a:effectLst/>
+                          <a:latin typeface="Times New Roman" panose="02020603050405020304" pitchFamily="18" charset="0"/>
+                          <a:ea typeface="Calibri" panose="020F0502020204030204" pitchFamily="34" charset="0"/>
+                        </a:rPr>
+                        <m:t>Stab</m:t>
+                      </m:r>
+                      <m:d>
+                        <m:dPr>
+                          <m:ctrlPr>
+                            <a:rPr lang="en-US" i="1">
+                              <a:effectLst/>
+                              <a:latin typeface="Cambria Math" panose="02040503050406030204" pitchFamily="18" charset="0"/>
+                            </a:rPr>
+                          </m:ctrlPr>
+                        </m:dPr>
+                        <m:e>
+                          <m:sSup>
+                            <m:sSupPr>
+                              <m:ctrlPr>
+                                <a:rPr lang="en-US" i="1">
+                                  <a:effectLst/>
+                                  <a:latin typeface="Cambria Math" panose="02040503050406030204" pitchFamily="18" charset="0"/>
+                                </a:rPr>
+                              </m:ctrlPr>
+                            </m:sSupPr>
+                            <m:e>
+                              <m:r>
+                                <a:rPr lang="ru-RU" sz="1800" i="1">
+                                  <a:effectLst/>
+                                  <a:latin typeface="Cambria Math" panose="02040503050406030204" pitchFamily="18" charset="0"/>
+                                  <a:ea typeface="Calibri" panose="020F0502020204030204" pitchFamily="34" charset="0"/>
+                                  <a:cs typeface="Times New Roman" panose="02020603050405020304" pitchFamily="18" charset="0"/>
+                                </a:rPr>
+                                <m:t>𝑆</m:t>
+                              </m:r>
+                            </m:e>
+                            <m:sup>
+                              <m:r>
+                                <a:rPr lang="ru-RU" sz="1800" i="1">
+                                  <a:effectLst/>
+                                  <a:latin typeface="Cambria Math" panose="02040503050406030204" pitchFamily="18" charset="0"/>
+                                  <a:ea typeface="Calibri" panose="020F0502020204030204" pitchFamily="34" charset="0"/>
+                                  <a:cs typeface="Times New Roman" panose="02020603050405020304" pitchFamily="18" charset="0"/>
+                                </a:rPr>
+                                <m:t>𝑛</m:t>
+                              </m:r>
+                            </m:sup>
+                          </m:sSup>
+                          <m:d>
+                            <m:dPr>
+                              <m:ctrlPr>
+                                <a:rPr lang="en-US" i="1">
+                                  <a:effectLst/>
+                                  <a:latin typeface="Cambria Math" panose="02040503050406030204" pitchFamily="18" charset="0"/>
+                                </a:rPr>
+                              </m:ctrlPr>
+                            </m:dPr>
+                            <m:e>
+                              <m:r>
+                                <a:rPr lang="ru-RU" sz="1800" i="1">
+                                  <a:effectLst/>
+                                  <a:latin typeface="Cambria Math" panose="02040503050406030204" pitchFamily="18" charset="0"/>
+                                  <a:ea typeface="Calibri" panose="020F0502020204030204" pitchFamily="34" charset="0"/>
+                                  <a:cs typeface="Times New Roman" panose="02020603050405020304" pitchFamily="18" charset="0"/>
+                                </a:rPr>
+                                <m:t>𝑥</m:t>
+                              </m:r>
+                            </m:e>
+                          </m:d>
+                        </m:e>
+                      </m:d>
+                      <m:r>
+                        <a:rPr lang="en-US" sz="1800" b="0" i="1" smtClean="0">
+                          <a:effectLst/>
+                          <a:latin typeface="Cambria Math" panose="02040503050406030204" pitchFamily="18" charset="0"/>
+                          <a:ea typeface="Calibri" panose="020F0502020204030204" pitchFamily="34" charset="0"/>
+                          <a:cs typeface="Times New Roman" panose="02020603050405020304" pitchFamily="18" charset="0"/>
+                        </a:rPr>
+                        <m:t>.</m:t>
+                      </m:r>
+                    </m:oMath>
+                  </m:oMathPara>
+                </a14:m>
+                <a:endParaRPr lang="en-US" dirty="0"/>
+              </a:p>
+            </p:txBody>
+          </p:sp>
+        </mc:Choice>
+        <mc:Fallback xmlns="">
+          <p:sp>
+            <p:nvSpPr>
+              <p:cNvPr id="3" name="Content Placeholder 2">
+                <a:extLst>
+                  <a:ext uri="{FF2B5EF4-FFF2-40B4-BE49-F238E27FC236}">
+                    <a16:creationId xmlns:a16="http://schemas.microsoft.com/office/drawing/2014/main" id="{B37D946C-C169-1133-F6FA-82F79F03BCC7}"/>
+                  </a:ext>
+                </a:extLst>
+              </p:cNvPr>
+              <p:cNvSpPr>
+                <a:spLocks noGrp="1" noRot="1" noChangeAspect="1" noMove="1" noResize="1" noEditPoints="1" noAdjustHandles="1" noChangeArrowheads="1" noChangeShapeType="1" noTextEdit="1"/>
+              </p:cNvSpPr>
+              <p:nvPr>
+                <p:ph idx="1"/>
+              </p:nvPr>
+            </p:nvSpPr>
+            <p:spPr>
+              <a:xfrm>
+                <a:off x="628650" y="1253331"/>
+                <a:ext cx="7886700" cy="4551934"/>
+              </a:xfrm>
+              <a:blipFill>
+                <a:blip r:embed="rId2"/>
+                <a:stretch>
+                  <a:fillRect l="-773" t="-1609"/>
+                </a:stretch>
+              </a:blipFill>
+            </p:spPr>
+            <p:txBody>
+              <a:bodyPr/>
+              <a:lstStyle/>
+              <a:p>
+                <a:r>
+                  <a:rPr lang="en-US">
+                    <a:noFill/>
+                  </a:rPr>
+                  <a:t> </a:t>
+                </a:r>
+              </a:p>
+            </p:txBody>
+          </p:sp>
+        </mc:Fallback>
+      </mc:AlternateContent>
+      <mc:AlternateContent xmlns:mc="http://schemas.openxmlformats.org/markup-compatibility/2006" xmlns:a14="http://schemas.microsoft.com/office/drawing/2010/main">
+        <mc:Choice Requires="a14">
+          <p:sp>
+            <p:nvSpPr>
+              <p:cNvPr id="5" name="TextBox 4">
+                <a:extLst>
+                  <a:ext uri="{FF2B5EF4-FFF2-40B4-BE49-F238E27FC236}">
+                    <a16:creationId xmlns:a16="http://schemas.microsoft.com/office/drawing/2014/main" id="{444495EA-6B74-DB5C-3E67-5F8E94F920F3}"/>
+                  </a:ext>
+                </a:extLst>
+              </p:cNvPr>
+              <p:cNvSpPr txBox="1"/>
+              <p:nvPr/>
+            </p:nvSpPr>
+            <p:spPr>
+              <a:xfrm>
+                <a:off x="2727503" y="6005860"/>
+                <a:ext cx="3655360" cy="369332"/>
+              </a:xfrm>
+              <a:prstGeom prst="rect">
+                <a:avLst/>
+              </a:prstGeom>
+              <a:noFill/>
+            </p:spPr>
+            <p:txBody>
+              <a:bodyPr wrap="none" rtlCol="0">
+                <a:spAutoFit/>
+              </a:bodyPr>
+              <a:lstStyle/>
+              <a:p>
+                <a:r>
+                  <a:rPr lang="ru-RU" dirty="0"/>
+                  <a:t>Та же сеть в момент</a:t>
+                </a:r>
+                <a:r>
+                  <a:rPr lang="en-US" dirty="0"/>
+                  <a:t> </a:t>
+                </a:r>
+                <a:r>
+                  <a:rPr lang="ru-RU" dirty="0"/>
+                  <a:t>времени </a:t>
+                </a:r>
+                <a14:m>
+                  <m:oMath xmlns:m="http://schemas.openxmlformats.org/officeDocument/2006/math">
+                    <m:r>
+                      <a:rPr lang="en-US" b="0" i="1" smtClean="0">
+                        <a:latin typeface="Cambria Math" panose="02040503050406030204" pitchFamily="18" charset="0"/>
+                      </a:rPr>
+                      <m:t>𝑡</m:t>
+                    </m:r>
+                    <m:r>
+                      <a:rPr lang="en-US" b="0" i="1" smtClean="0">
+                        <a:latin typeface="Cambria Math" panose="02040503050406030204" pitchFamily="18" charset="0"/>
+                      </a:rPr>
+                      <m:t>=3</m:t>
+                    </m:r>
+                  </m:oMath>
+                </a14:m>
+                <a:endParaRPr lang="en-US" dirty="0"/>
+              </a:p>
+            </p:txBody>
+          </p:sp>
+        </mc:Choice>
+        <mc:Fallback xmlns="">
+          <p:sp>
+            <p:nvSpPr>
+              <p:cNvPr id="5" name="TextBox 4">
+                <a:extLst>
+                  <a:ext uri="{FF2B5EF4-FFF2-40B4-BE49-F238E27FC236}">
+                    <a16:creationId xmlns:a16="http://schemas.microsoft.com/office/drawing/2014/main" id="{444495EA-6B74-DB5C-3E67-5F8E94F920F3}"/>
+                  </a:ext>
+                </a:extLst>
+              </p:cNvPr>
+              <p:cNvSpPr txBox="1">
+                <a:spLocks noRot="1" noChangeAspect="1" noMove="1" noResize="1" noEditPoints="1" noAdjustHandles="1" noChangeArrowheads="1" noChangeShapeType="1" noTextEdit="1"/>
+              </p:cNvSpPr>
+              <p:nvPr/>
+            </p:nvSpPr>
+            <p:spPr>
+              <a:xfrm>
+                <a:off x="2727503" y="6005860"/>
+                <a:ext cx="3655360" cy="369332"/>
+              </a:xfrm>
+              <a:prstGeom prst="rect">
+                <a:avLst/>
+              </a:prstGeom>
+              <a:blipFill>
+                <a:blip r:embed="rId3"/>
+                <a:stretch>
+                  <a:fillRect l="-1333" t="-8197" b="-24590"/>
+                </a:stretch>
+              </a:blipFill>
+            </p:spPr>
+            <p:txBody>
+              <a:bodyPr/>
+              <a:lstStyle/>
+              <a:p>
+                <a:r>
+                  <a:rPr lang="en-US">
+                    <a:noFill/>
+                  </a:rPr>
+                  <a:t> </a:t>
+                </a:r>
+              </a:p>
+            </p:txBody>
+          </p:sp>
+        </mc:Fallback>
+      </mc:AlternateContent>
+      <p:pic>
+        <p:nvPicPr>
+          <p:cNvPr id="9" name="Graphic 8">
             <a:extLst>
               <a:ext uri="{FF2B5EF4-FFF2-40B4-BE49-F238E27FC236}">
-                <a16:creationId xmlns:a16="http://schemas.microsoft.com/office/drawing/2014/main" id="{E281F606-E77B-BE45-47F6-B8A70B205C5A}"/>
+                <a16:creationId xmlns:a16="http://schemas.microsoft.com/office/drawing/2014/main" id="{4AA0EF85-6C4F-2463-3B13-27E66F897EA7}"/>
               </a:ext>
             </a:extLst>
           </p:cNvPr>
-          <p:cNvSpPr>
-            <a:spLocks noGrp="1"/>
-          </p:cNvSpPr>
-          <p:nvPr>
-            <p:ph idx="1"/>
-          </p:nvPr>
-        </p:nvSpPr>
-        <p:spPr>
+          <p:cNvPicPr>
+            <a:picLocks noChangeAspect="1"/>
+          </p:cNvPicPr>
+          <p:nvPr/>
+        </p:nvPicPr>
+        <p:blipFill>
+          <a:blip r:embed="rId4">
+            <a:extLst>
+              <a:ext uri="{28A0092B-C50C-407E-A947-70E740481C1C}">
+                <a14:useLocalDpi xmlns:a14="http://schemas.microsoft.com/office/drawing/2010/main" val="0"/>
+              </a:ext>
+              <a:ext uri="{96DAC541-7B7A-43D3-8B79-37D633B846F1}">
+                <asvg:svgBlip xmlns:asvg="http://schemas.microsoft.com/office/drawing/2016/SVG/main" r:embed="rId5"/>
+              </a:ext>
+            </a:extLst>
+          </a:blip>
+          <a:stretch>
+            <a:fillRect/>
+          </a:stretch>
+        </p:blipFill>
+        <p:spPr bwMode="auto">
           <a:xfrm>
-            <a:off x="628650" y="1268760"/>
-            <a:ext cx="4735438" cy="4908203"/>
+            <a:off x="1475656" y="1981848"/>
+            <a:ext cx="6159055" cy="4024012"/>
           </a:xfrm>
+          <a:prstGeom prst="rect">
+            <a:avLst/>
+          </a:prstGeom>
         </p:spPr>
-        <p:txBody>
-          <a:bodyPr/>
-          <a:lstStyle/>
-          <a:p>
-            <a:pPr marL="0" indent="0">
-              <a:buNone/>
-            </a:pPr>
-            <a:r>
-              <a:rPr lang="ru-RU" sz="2000" b="1" dirty="0">
-                <a:solidFill>
-                  <a:schemeClr val="accent1">
-                    <a:lumMod val="50000"/>
-                  </a:schemeClr>
-                </a:solidFill>
-                <a:latin typeface="Calibri (Body)"/>
-              </a:rPr>
-              <a:t>Приложение</a:t>
-            </a:r>
-            <a:r>
-              <a:rPr lang="ru-RU" sz="2000" dirty="0">
-                <a:solidFill>
-                  <a:schemeClr val="accent1">
-                    <a:lumMod val="50000"/>
-                  </a:schemeClr>
-                </a:solidFill>
-                <a:latin typeface="Calibri (Body)"/>
-              </a:rPr>
-              <a:t> </a:t>
-            </a:r>
-            <a:r>
-              <a:rPr lang="en-US" sz="2000" b="1" dirty="0">
-                <a:solidFill>
-                  <a:schemeClr val="accent1">
-                    <a:lumMod val="50000"/>
-                  </a:schemeClr>
-                </a:solidFill>
-                <a:latin typeface="Calibri (Body)"/>
-                <a:cs typeface="Courier New" panose="02070309020205020404" pitchFamily="49" charset="0"/>
-              </a:rPr>
-              <a:t>S</a:t>
-            </a:r>
-            <a:r>
-              <a:rPr lang="ru-RU" sz="2000" b="1" dirty="0" err="1">
-                <a:solidFill>
-                  <a:schemeClr val="accent1">
-                    <a:lumMod val="50000"/>
-                  </a:schemeClr>
-                </a:solidFill>
-                <a:effectLst/>
-                <a:latin typeface="Calibri (Body)"/>
-                <a:ea typeface="Calibri" panose="020F0502020204030204" pitchFamily="34" charset="0"/>
-                <a:cs typeface="Courier New" panose="02070309020205020404" pitchFamily="49" charset="0"/>
-              </a:rPr>
-              <a:t>ponge-netw</a:t>
-            </a:r>
-            <a:r>
-              <a:rPr lang="en-US" sz="2000" b="1" dirty="0">
-                <a:solidFill>
-                  <a:schemeClr val="accent1">
-                    <a:lumMod val="50000"/>
-                  </a:schemeClr>
-                </a:solidFill>
-                <a:effectLst/>
-                <a:latin typeface="Calibri (Body)"/>
-                <a:ea typeface="Calibri" panose="020F0502020204030204" pitchFamily="34" charset="0"/>
-                <a:cs typeface="Courier New" panose="02070309020205020404" pitchFamily="49" charset="0"/>
-              </a:rPr>
-              <a:t>o</a:t>
-            </a:r>
-            <a:r>
-              <a:rPr lang="ru-RU" sz="2000" b="1" dirty="0" err="1">
-                <a:solidFill>
-                  <a:schemeClr val="accent1">
-                    <a:lumMod val="50000"/>
-                  </a:schemeClr>
-                </a:solidFill>
-                <a:effectLst/>
-                <a:latin typeface="Calibri (Body)"/>
-                <a:ea typeface="Calibri" panose="020F0502020204030204" pitchFamily="34" charset="0"/>
-                <a:cs typeface="Courier New" panose="02070309020205020404" pitchFamily="49" charset="0"/>
-              </a:rPr>
-              <a:t>rks</a:t>
-            </a:r>
-            <a:r>
-              <a:rPr lang="en-US" sz="2000" b="1" dirty="0">
-                <a:solidFill>
-                  <a:schemeClr val="accent1">
-                    <a:lumMod val="50000"/>
-                  </a:schemeClr>
-                </a:solidFill>
-                <a:latin typeface="Calibri (Body)"/>
-                <a:ea typeface="Calibri" panose="020F0502020204030204" pitchFamily="34" charset="0"/>
-                <a:cs typeface="Courier New" panose="02070309020205020404" pitchFamily="49" charset="0"/>
-              </a:rPr>
-              <a:t> </a:t>
-            </a:r>
-            <a:r>
-              <a:rPr lang="en-US" sz="1600" dirty="0">
-                <a:latin typeface="Calibri (Body)"/>
-              </a:rPr>
-              <a:t>(</a:t>
-            </a:r>
-            <a:r>
-              <a:rPr lang="en-US" sz="1600" dirty="0">
-                <a:latin typeface="Calibri (Body)"/>
-                <a:hlinkClick r:id="rId3"/>
-              </a:rPr>
-              <a:t>github.com/heinwol/sponge-networks</a:t>
-            </a:r>
-            <a:r>
-              <a:rPr lang="en-US" sz="1600" dirty="0">
-                <a:latin typeface="Calibri (Body)"/>
-              </a:rPr>
-              <a:t>)</a:t>
-            </a:r>
-            <a:r>
-              <a:rPr lang="en-US" sz="2000" dirty="0">
-                <a:latin typeface="Calibri (Body)"/>
-              </a:rPr>
-              <a:t> </a:t>
-            </a:r>
-          </a:p>
-          <a:p>
-            <a:pPr marL="0" indent="0" algn="just">
-              <a:buNone/>
-            </a:pPr>
-            <a:r>
-              <a:rPr lang="ru-RU" sz="1800" dirty="0">
-                <a:effectLst/>
-                <a:latin typeface="Calibri (Body)"/>
-                <a:ea typeface="Calibri" panose="020F0502020204030204" pitchFamily="34" charset="0"/>
-              </a:rPr>
-              <a:t>Возможности</a:t>
-            </a:r>
-            <a:r>
-              <a:rPr lang="en-US" sz="1800" dirty="0">
-                <a:latin typeface="Calibri (Body)"/>
-                <a:ea typeface="Calibri" panose="020F0502020204030204" pitchFamily="34" charset="0"/>
-              </a:rPr>
-              <a:t>:</a:t>
-            </a:r>
-            <a:endParaRPr lang="en-US" sz="1800" dirty="0">
-              <a:effectLst/>
-              <a:latin typeface="Calibri (Body)"/>
-              <a:ea typeface="Calibri" panose="020F0502020204030204" pitchFamily="34" charset="0"/>
-            </a:endParaRPr>
-          </a:p>
-          <a:p>
-            <a:pPr algn="just">
-              <a:spcBef>
-                <a:spcPts val="400"/>
-              </a:spcBef>
-            </a:pPr>
-            <a:r>
-              <a:rPr lang="ru-RU" sz="1800" dirty="0">
-                <a:effectLst/>
-                <a:latin typeface="Calibri (Body)"/>
-                <a:ea typeface="Calibri" panose="020F0502020204030204" pitchFamily="34" charset="0"/>
-              </a:rPr>
-              <a:t>создавать ресурсные сети на основе</a:t>
-            </a:r>
-            <a:r>
-              <a:rPr lang="en-US" sz="1800" dirty="0">
-                <a:effectLst/>
-                <a:latin typeface="Calibri (Body)"/>
-                <a:ea typeface="Calibri" panose="020F0502020204030204" pitchFamily="34" charset="0"/>
-              </a:rPr>
-              <a:t> </a:t>
-            </a:r>
-            <a:r>
-              <a:rPr lang="ru-RU" sz="1800" dirty="0">
-                <a:effectLst/>
-                <a:latin typeface="Calibri (Body)"/>
-                <a:ea typeface="Calibri" panose="020F0502020204030204" pitchFamily="34" charset="0"/>
-              </a:rPr>
-              <a:t>графов из </a:t>
-            </a:r>
-            <a:r>
-              <a:rPr lang="en-US" sz="1800" dirty="0">
-                <a:effectLst/>
-                <a:latin typeface="Courier New" panose="02070309020205020404" pitchFamily="49" charset="0"/>
-                <a:ea typeface="Calibri" panose="020F0502020204030204" pitchFamily="34" charset="0"/>
-                <a:cs typeface="Courier New" panose="02070309020205020404" pitchFamily="49" charset="0"/>
-              </a:rPr>
-              <a:t>networkx;</a:t>
-            </a:r>
-            <a:endParaRPr lang="ru-RU" sz="1800" dirty="0">
-              <a:effectLst/>
-              <a:latin typeface="Courier New" panose="02070309020205020404" pitchFamily="49" charset="0"/>
-              <a:ea typeface="Calibri" panose="020F0502020204030204" pitchFamily="34" charset="0"/>
-              <a:cs typeface="Courier New" panose="02070309020205020404" pitchFamily="49" charset="0"/>
-            </a:endParaRPr>
-          </a:p>
-          <a:p>
-            <a:pPr algn="just">
-              <a:spcBef>
-                <a:spcPts val="400"/>
-              </a:spcBef>
-            </a:pPr>
-            <a:r>
-              <a:rPr lang="ru-RU" sz="1800" dirty="0">
-                <a:ea typeface="Calibri" panose="020F0502020204030204" pitchFamily="34" charset="0"/>
-                <a:cs typeface="Courier New" panose="02070309020205020404" pitchFamily="49" charset="0"/>
-              </a:rPr>
-              <a:t>проводить симуляции</a:t>
-            </a:r>
-            <a:r>
-              <a:rPr lang="en-US" sz="1800" dirty="0">
-                <a:ea typeface="Calibri" panose="020F0502020204030204" pitchFamily="34" charset="0"/>
-                <a:cs typeface="Courier New" panose="02070309020205020404" pitchFamily="49" charset="0"/>
-              </a:rPr>
-              <a:t>;</a:t>
-            </a:r>
-            <a:endParaRPr lang="en-US" sz="1800" dirty="0">
-              <a:effectLst/>
-              <a:latin typeface="Courier New" panose="02070309020205020404" pitchFamily="49" charset="0"/>
-              <a:ea typeface="Calibri" panose="020F0502020204030204" pitchFamily="34" charset="0"/>
-              <a:cs typeface="Courier New" panose="02070309020205020404" pitchFamily="49" charset="0"/>
-            </a:endParaRPr>
-          </a:p>
-          <a:p>
-            <a:pPr algn="just">
-              <a:spcBef>
-                <a:spcPts val="400"/>
-              </a:spcBef>
-            </a:pPr>
-            <a:r>
-              <a:rPr lang="ru-RU" sz="1800" dirty="0">
-                <a:ea typeface="Calibri" panose="020F0502020204030204" pitchFamily="34" charset="0"/>
-                <a:cs typeface="Courier New" panose="02070309020205020404" pitchFamily="49" charset="0"/>
-              </a:rPr>
-              <a:t>представлять симуляции в виде массивов, листов Excel и графиков;</a:t>
-            </a:r>
-            <a:endParaRPr lang="en-US" sz="1800" dirty="0">
-              <a:ea typeface="Calibri" panose="020F0502020204030204" pitchFamily="34" charset="0"/>
-              <a:cs typeface="Courier New" panose="02070309020205020404" pitchFamily="49" charset="0"/>
-            </a:endParaRPr>
-          </a:p>
-          <a:p>
-            <a:pPr algn="just">
-              <a:spcBef>
-                <a:spcPts val="400"/>
-              </a:spcBef>
-            </a:pPr>
-            <a:r>
-              <a:rPr lang="ru-RU" sz="1800" dirty="0">
-                <a:effectLst/>
-                <a:ea typeface="Calibri" panose="020F0502020204030204" pitchFamily="34" charset="0"/>
-                <a:cs typeface="Courier New" panose="02070309020205020404" pitchFamily="49" charset="0"/>
-              </a:rPr>
-              <a:t>рисовать симуляции в виде ресурсных сетей с </a:t>
-            </a:r>
-            <a:r>
-              <a:rPr lang="ru-RU" sz="1800" dirty="0" err="1">
-                <a:effectLst/>
-                <a:ea typeface="Calibri" panose="020F0502020204030204" pitchFamily="34" charset="0"/>
-                <a:cs typeface="Courier New" panose="02070309020205020404" pitchFamily="49" charset="0"/>
-              </a:rPr>
-              <a:t>анимациями</a:t>
-            </a:r>
-            <a:r>
-              <a:rPr lang="ru-RU" sz="1800" dirty="0">
-                <a:effectLst/>
-                <a:ea typeface="Calibri" panose="020F0502020204030204" pitchFamily="34" charset="0"/>
-                <a:cs typeface="Courier New" panose="02070309020205020404" pitchFamily="49" charset="0"/>
-              </a:rPr>
-              <a:t>, реализованными с помощью слайдер</a:t>
-            </a:r>
-            <a:r>
-              <a:rPr lang="ru-RU" sz="1800" dirty="0">
-                <a:ea typeface="Calibri" panose="020F0502020204030204" pitchFamily="34" charset="0"/>
-                <a:cs typeface="Courier New" panose="02070309020205020404" pitchFamily="49" charset="0"/>
-              </a:rPr>
-              <a:t>а (см. рис.)</a:t>
-            </a:r>
-            <a:r>
-              <a:rPr lang="en-US" sz="1800" dirty="0">
-                <a:ea typeface="Calibri" panose="020F0502020204030204" pitchFamily="34" charset="0"/>
-                <a:cs typeface="Courier New" panose="02070309020205020404" pitchFamily="49" charset="0"/>
-              </a:rPr>
-              <a:t>;</a:t>
-            </a:r>
-            <a:endParaRPr lang="ru-RU" sz="1800" dirty="0">
-              <a:ea typeface="Calibri" panose="020F0502020204030204" pitchFamily="34" charset="0"/>
-              <a:cs typeface="Courier New" panose="02070309020205020404" pitchFamily="49" charset="0"/>
-            </a:endParaRPr>
-          </a:p>
-          <a:p>
-            <a:pPr algn="just">
-              <a:spcBef>
-                <a:spcPts val="400"/>
-              </a:spcBef>
-            </a:pPr>
-            <a:r>
-              <a:rPr lang="ru-RU" sz="1800" dirty="0">
-                <a:ea typeface="Calibri" panose="020F0502020204030204" pitchFamily="34" charset="0"/>
-                <a:cs typeface="Courier New" panose="02070309020205020404" pitchFamily="49" charset="0"/>
-              </a:rPr>
-              <a:t>экспортировать анимации в </a:t>
-            </a:r>
-            <a:r>
-              <a:rPr lang="en-US" sz="1800" dirty="0">
-                <a:ea typeface="Calibri" panose="020F0502020204030204" pitchFamily="34" charset="0"/>
-                <a:cs typeface="Courier New" panose="02070309020205020404" pitchFamily="49" charset="0"/>
-              </a:rPr>
-              <a:t>gif;</a:t>
-            </a:r>
-          </a:p>
-          <a:p>
-            <a:pPr algn="just">
-              <a:spcBef>
-                <a:spcPts val="400"/>
-              </a:spcBef>
-            </a:pPr>
-            <a:r>
-              <a:rPr lang="ru-RU" sz="1800" dirty="0">
-                <a:ea typeface="Calibri" panose="020F0502020204030204" pitchFamily="34" charset="0"/>
-                <a:cs typeface="Courier New" panose="02070309020205020404" pitchFamily="49" charset="0"/>
-              </a:rPr>
-              <a:t>создавать губковые сети</a:t>
-            </a:r>
-            <a:r>
-              <a:rPr lang="en-US" sz="1800" dirty="0">
-                <a:ea typeface="Calibri" panose="020F0502020204030204" pitchFamily="34" charset="0"/>
-                <a:cs typeface="Courier New" panose="02070309020205020404" pitchFamily="49" charset="0"/>
-              </a:rPr>
-              <a:t>;</a:t>
-            </a:r>
-            <a:endParaRPr lang="ru-RU" sz="1800" dirty="0">
-              <a:ea typeface="Calibri" panose="020F0502020204030204" pitchFamily="34" charset="0"/>
-              <a:cs typeface="Courier New" panose="02070309020205020404" pitchFamily="49" charset="0"/>
-            </a:endParaRPr>
-          </a:p>
-          <a:p>
-            <a:pPr algn="just">
-              <a:spcBef>
-                <a:spcPts val="400"/>
-              </a:spcBef>
-            </a:pPr>
-            <a:r>
-              <a:rPr lang="ru-RU" sz="1800" dirty="0">
-                <a:ea typeface="Calibri" panose="020F0502020204030204" pitchFamily="34" charset="0"/>
-                <a:cs typeface="Courier New" panose="02070309020205020404" pitchFamily="49" charset="0"/>
-              </a:rPr>
-              <a:t>фактор-сети на основе заданного отношения эквивалентности</a:t>
-            </a:r>
-            <a:r>
-              <a:rPr lang="en-US" sz="1800" dirty="0">
-                <a:ea typeface="Calibri" panose="020F0502020204030204" pitchFamily="34" charset="0"/>
-                <a:cs typeface="Courier New" panose="02070309020205020404" pitchFamily="49" charset="0"/>
-              </a:rPr>
-              <a:t>;</a:t>
-            </a:r>
-            <a:endParaRPr lang="ru-RU" sz="1800" dirty="0">
-              <a:ea typeface="Calibri" panose="020F0502020204030204" pitchFamily="34" charset="0"/>
-              <a:cs typeface="Courier New" panose="02070309020205020404" pitchFamily="49" charset="0"/>
-            </a:endParaRPr>
-          </a:p>
-          <a:p>
-            <a:pPr algn="just">
-              <a:spcBef>
-                <a:spcPts val="400"/>
-              </a:spcBef>
-            </a:pPr>
-            <a:r>
-              <a:rPr lang="ru-RU" sz="1800" dirty="0">
-                <a:ea typeface="Calibri" panose="020F0502020204030204" pitchFamily="34" charset="0"/>
-                <a:cs typeface="Courier New" panose="02070309020205020404" pitchFamily="49" charset="0"/>
-              </a:rPr>
-              <a:t>визуализация фактор-сетей.</a:t>
-            </a:r>
-          </a:p>
-        </p:txBody>
-      </p:sp>
+      </p:pic>
     </p:spTree>
     <p:extLst>
       <p:ext uri="{BB962C8B-B14F-4D97-AF65-F5344CB8AC3E}">
-        <p14:creationId xmlns:p14="http://schemas.microsoft.com/office/powerpoint/2010/main" val="680294745"/>
+        <p14:creationId xmlns:p14="http://schemas.microsoft.com/office/powerpoint/2010/main" val="1020953969"/>
       </p:ext>
     </p:extLst>
   </p:cSld>
@@ -5654,7 +8044,7 @@
 </p:sld>
 </file>
 
-<file path=ppt/slides/slide12.xml><?xml version="1.0" encoding="utf-8"?>
+<file path=ppt/slides/slide15.xml><?xml version="1.0" encoding="utf-8"?>
 <p:sld xmlns:a="http://schemas.openxmlformats.org/drawingml/2006/main" xmlns:r="http://schemas.openxmlformats.org/officeDocument/2006/relationships" xmlns:p="http://schemas.openxmlformats.org/presentationml/2006/main" showMasterPhAnim="0">
   <p:cSld>
     <p:spTree>
@@ -5899,41 +8289,7 @@
                 <a:ea typeface="Calibri" panose="020F0502020204030204" pitchFamily="34" charset="0"/>
                 <a:cs typeface="+mn-cs"/>
               </a:rPr>
-              <a:t>Жилякова Л.Ю, Корешков В.Р. Моделирование перколяции ресурсными сетями // ВСПУ, 2024 </a:t>
-            </a:r>
-            <a:r>
-              <a:rPr kumimoji="0" lang="ru-RU" sz="2000" b="0" i="1" u="none" strike="noStrike" kern="1200" cap="none" spc="0" normalizeH="0" baseline="0" noProof="0" dirty="0">
-                <a:ln>
-                  <a:noFill/>
-                </a:ln>
-                <a:solidFill>
-                  <a:prstClr val="black"/>
-                </a:solidFill>
-                <a:effectLst/>
-                <a:uLnTx/>
-                <a:uFillTx/>
-                <a:latin typeface="Calibri" panose="020F0502020204030204"/>
-                <a:ea typeface="Calibri" panose="020F0502020204030204" pitchFamily="34" charset="0"/>
-                <a:cs typeface="+mn-cs"/>
-              </a:rPr>
-              <a:t>(в печати)</a:t>
-            </a:r>
-            <a:r>
-              <a:rPr kumimoji="0" lang="ru-RU" sz="2000" b="0" i="0" u="none" strike="noStrike" kern="1200" cap="none" spc="0" normalizeH="0" baseline="0" noProof="0" dirty="0">
-                <a:ln>
-                  <a:noFill/>
-                </a:ln>
-                <a:solidFill>
-                  <a:prstClr val="black"/>
-                </a:solidFill>
-                <a:effectLst/>
-                <a:uLnTx/>
-                <a:uFillTx/>
-                <a:latin typeface="Calibri" panose="020F0502020204030204"/>
-                <a:ea typeface="Calibri" panose="020F0502020204030204" pitchFamily="34" charset="0"/>
-                <a:cs typeface="+mn-cs"/>
-              </a:rPr>
-              <a:t>.</a:t>
+              <a:t>Жилякова Л.Ю, Корешков В.Р. Моделирование перколяции ресурсными сетями // ВСПУ, 2024.</a:t>
             </a:r>
             <a:endParaRPr kumimoji="0" lang="ru-RU" sz="2000" b="0" i="0" u="none" strike="noStrike" kern="1200" cap="none" spc="0" normalizeH="0" baseline="0" noProof="0" dirty="0">
               <a:ln>
@@ -5977,18 +8333,20 @@
             <a:fld id="{667099E1-2BD8-4718-81B5-D06A6B18E473}" type="slidenum">
               <a:rPr lang="ru-RU">
                 <a:solidFill>
-                  <a:prstClr val="black">
-                    <a:tint val="75000"/>
-                  </a:prstClr>
+                  <a:schemeClr val="tx1">
+                    <a:lumMod val="65000"/>
+                    <a:lumOff val="35000"/>
+                  </a:schemeClr>
                 </a:solidFill>
               </a:rPr>
-              <a:t>12</a:t>
+              <a:t>15</a:t>
             </a:fld>
-            <a:endParaRPr lang="ru-RU">
+            <a:endParaRPr lang="ru-RU" dirty="0">
               <a:solidFill>
-                <a:prstClr val="black">
-                  <a:tint val="75000"/>
-                </a:prstClr>
+                <a:schemeClr val="tx1">
+                  <a:lumMod val="65000"/>
+                  <a:lumOff val="35000"/>
+                </a:schemeClr>
               </a:solidFill>
             </a:endParaRPr>
           </a:p>
@@ -6054,6 +8412,764 @@
     <p:extLst>
       <p:ext uri="{BB962C8B-B14F-4D97-AF65-F5344CB8AC3E}">
         <p14:creationId xmlns:p14="http://schemas.microsoft.com/office/powerpoint/2010/main" val="3816396378"/>
+      </p:ext>
+    </p:extLst>
+  </p:cSld>
+  <p:clrMapOvr>
+    <a:masterClrMapping/>
+  </p:clrMapOvr>
+</p:sld>
+</file>
+
+<file path=ppt/slides/slide16.xml><?xml version="1.0" encoding="utf-8"?>
+<p:sld xmlns:a="http://schemas.openxmlformats.org/drawingml/2006/main" xmlns:r="http://schemas.openxmlformats.org/officeDocument/2006/relationships" xmlns:p="http://schemas.openxmlformats.org/presentationml/2006/main" showMasterPhAnim="0" show="0">
+  <p:cSld>
+    <p:spTree>
+      <p:nvGrpSpPr>
+        <p:cNvPr id="1" name=""/>
+        <p:cNvGrpSpPr/>
+        <p:nvPr/>
+      </p:nvGrpSpPr>
+      <p:grpSpPr bwMode="auto">
+        <a:xfrm>
+          <a:off x="0" y="0"/>
+          <a:ext cx="0" cy="0"/>
+          <a:chOff x="0" y="0"/>
+          <a:chExt cx="0" cy="0"/>
+        </a:xfrm>
+      </p:grpSpPr>
+      <p:sp>
+        <p:nvSpPr>
+          <p:cNvPr id="17" name="Rectangle 2"/>
+          <p:cNvSpPr txBox="1">
+            <a:spLocks noChangeArrowheads="1"/>
+          </p:cNvSpPr>
+          <p:nvPr/>
+        </p:nvSpPr>
+        <p:spPr bwMode="auto">
+          <a:xfrm>
+            <a:off x="1252" y="0"/>
+            <a:ext cx="9144000" cy="1052736"/>
+          </a:xfrm>
+          <a:prstGeom prst="rect">
+            <a:avLst/>
+          </a:prstGeom>
+          <a:solidFill>
+            <a:schemeClr val="bg1">
+              <a:lumMod val="85000"/>
+            </a:schemeClr>
+          </a:solidFill>
+          <a:ln w="9525">
+            <a:noFill/>
+            <a:miter lim="800000"/>
+            <a:headEnd/>
+            <a:tailEnd/>
+          </a:ln>
+        </p:spPr>
+        <p:txBody>
+          <a:bodyPr anchor="ctr"/>
+          <a:lstStyle>
+            <a:defPPr>
+              <a:defRPr lang="ru-RU"/>
+            </a:defPPr>
+            <a:lvl1pPr marL="357188" algn="ctr">
+              <a:defRPr sz="3600" b="1" spc="150">
+                <a:solidFill>
+                  <a:schemeClr val="accent1">
+                    <a:lumMod val="50000"/>
+                  </a:schemeClr>
+                </a:solidFill>
+              </a:defRPr>
+            </a:lvl1pPr>
+          </a:lstStyle>
+          <a:p>
+            <a:pPr>
+              <a:defRPr/>
+            </a:pPr>
+            <a:r>
+              <a:rPr lang="ru-RU" dirty="0"/>
+              <a:t>Дополнительные понятия</a:t>
+            </a:r>
+            <a:endParaRPr dirty="0"/>
+          </a:p>
+        </p:txBody>
+      </p:sp>
+      <p:sp>
+        <p:nvSpPr>
+          <p:cNvPr id="7" name="Slide Number Placeholder 6">
+            <a:extLst>
+              <a:ext uri="{FF2B5EF4-FFF2-40B4-BE49-F238E27FC236}">
+                <a16:creationId xmlns:a16="http://schemas.microsoft.com/office/drawing/2014/main" id="{63B65CF2-77C7-21E1-FD6C-3124FEC49D93}"/>
+              </a:ext>
+            </a:extLst>
+          </p:cNvPr>
+          <p:cNvSpPr>
+            <a:spLocks noGrp="1"/>
+          </p:cNvSpPr>
+          <p:nvPr>
+            <p:ph type="sldNum" sz="quarter" idx="12"/>
+          </p:nvPr>
+        </p:nvSpPr>
+        <p:spPr/>
+        <p:txBody>
+          <a:bodyPr/>
+          <a:lstStyle/>
+          <a:p>
+            <a:pPr>
+              <a:defRPr/>
+            </a:pPr>
+            <a:fld id="{667099E1-2BD8-4718-81B5-D06A6B18E473}" type="slidenum">
+              <a:rPr lang="ru-RU" smtClean="0"/>
+              <a:t>16</a:t>
+            </a:fld>
+            <a:endParaRPr lang="ru-RU"/>
+          </a:p>
+        </p:txBody>
+      </p:sp>
+      <mc:AlternateContent xmlns:mc="http://schemas.openxmlformats.org/markup-compatibility/2006" xmlns:a14="http://schemas.microsoft.com/office/drawing/2010/main">
+        <mc:Choice Requires="a14">
+          <p:sp>
+            <p:nvSpPr>
+              <p:cNvPr id="4" name="Content Placeholder 3">
+                <a:extLst>
+                  <a:ext uri="{FF2B5EF4-FFF2-40B4-BE49-F238E27FC236}">
+                    <a16:creationId xmlns:a16="http://schemas.microsoft.com/office/drawing/2014/main" id="{2F4147B3-BA2D-A1C2-086B-BACBB8271D6E}"/>
+                  </a:ext>
+                </a:extLst>
+              </p:cNvPr>
+              <p:cNvSpPr>
+                <a:spLocks noGrp="1"/>
+              </p:cNvSpPr>
+              <p:nvPr>
+                <p:ph idx="1"/>
+              </p:nvPr>
+            </p:nvSpPr>
+            <p:spPr>
+              <a:xfrm>
+                <a:off x="484634" y="1268760"/>
+                <a:ext cx="7886700" cy="4968552"/>
+              </a:xfrm>
+            </p:spPr>
+            <p:txBody>
+              <a:bodyPr>
+                <a:normAutofit/>
+              </a:bodyPr>
+              <a:lstStyle/>
+              <a:p>
+                <a:pPr algn="just"/>
+                <a:r>
+                  <a:rPr lang="ru-RU" dirty="0"/>
+                  <a:t>Ресурсная сеть –</a:t>
+                </a:r>
+                <a:r>
+                  <a:rPr lang="en-US" dirty="0"/>
+                  <a:t> </a:t>
+                </a:r>
+                <a14:m>
+                  <m:oMath xmlns:m="http://schemas.openxmlformats.org/officeDocument/2006/math">
+                    <m:r>
+                      <m:rPr>
+                        <m:sty m:val="p"/>
+                      </m:rPr>
+                      <a:rPr lang="en-US" b="0" i="0" smtClean="0">
+                        <a:latin typeface="Cambria Math" panose="02040503050406030204" pitchFamily="18" charset="0"/>
+                      </a:rPr>
+                      <m:t>RN</m:t>
+                    </m:r>
+                  </m:oMath>
+                </a14:m>
+                <a:r>
+                  <a:rPr lang="en-US" dirty="0"/>
+                  <a:t>. </a:t>
+                </a:r>
+                <a:r>
+                  <a:rPr lang="ru-RU" dirty="0"/>
+                  <a:t>Губковая сеть –</a:t>
+                </a:r>
+                <a:r>
+                  <a:rPr lang="en-US" dirty="0"/>
+                  <a:t> </a:t>
+                </a:r>
+                <a14:m>
+                  <m:oMath xmlns:m="http://schemas.openxmlformats.org/officeDocument/2006/math">
+                    <m:r>
+                      <m:rPr>
+                        <m:sty m:val="p"/>
+                      </m:rPr>
+                      <a:rPr lang="en-US" dirty="0" smtClean="0">
+                        <a:latin typeface="Cambria Math" panose="02040503050406030204" pitchFamily="18" charset="0"/>
+                      </a:rPr>
+                      <m:t>S</m:t>
+                    </m:r>
+                    <m:r>
+                      <m:rPr>
+                        <m:sty m:val="p"/>
+                      </m:rPr>
+                      <a:rPr lang="en-US">
+                        <a:latin typeface="Cambria Math" panose="02040503050406030204" pitchFamily="18" charset="0"/>
+                      </a:rPr>
+                      <m:t>N</m:t>
+                    </m:r>
+                  </m:oMath>
+                </a14:m>
+                <a:r>
+                  <a:rPr lang="en-US" dirty="0"/>
+                  <a:t>.</a:t>
+                </a:r>
+                <a:r>
+                  <a:rPr lang="ru-RU" dirty="0"/>
+                  <a:t> </a:t>
+                </a:r>
+              </a:p>
+              <a:p>
+                <a:pPr algn="just"/>
+                <a:r>
+                  <a:rPr lang="ru-RU" dirty="0"/>
+                  <a:t>Если </a:t>
+                </a:r>
+                <a14:m>
+                  <m:oMath xmlns:m="http://schemas.openxmlformats.org/officeDocument/2006/math">
+                    <m:r>
+                      <a:rPr lang="en-US" b="0" i="1" smtClean="0">
+                        <a:latin typeface="Cambria Math" panose="02040503050406030204" pitchFamily="18" charset="0"/>
+                      </a:rPr>
+                      <m:t>𝐺</m:t>
+                    </m:r>
+                    <m:r>
+                      <a:rPr lang="en-US" b="0" i="1" smtClean="0">
+                        <a:latin typeface="Cambria Math" panose="02040503050406030204" pitchFamily="18" charset="0"/>
+                      </a:rPr>
+                      <m:t>=</m:t>
+                    </m:r>
+                    <m:d>
+                      <m:dPr>
+                        <m:ctrlPr>
+                          <a:rPr lang="en-US" b="0" i="1" smtClean="0">
+                            <a:latin typeface="Cambria Math" panose="02040503050406030204" pitchFamily="18" charset="0"/>
+                          </a:rPr>
+                        </m:ctrlPr>
+                      </m:dPr>
+                      <m:e>
+                        <m:r>
+                          <a:rPr lang="en-US" b="0" i="1" smtClean="0">
+                            <a:latin typeface="Cambria Math" panose="02040503050406030204" pitchFamily="18" charset="0"/>
+                          </a:rPr>
+                          <m:t>𝑉</m:t>
+                        </m:r>
+                        <m:r>
+                          <a:rPr lang="en-US" b="0" i="1" smtClean="0">
+                            <a:latin typeface="Cambria Math" panose="02040503050406030204" pitchFamily="18" charset="0"/>
+                          </a:rPr>
+                          <m:t>, </m:t>
+                        </m:r>
+                        <m:r>
+                          <a:rPr lang="en-US" b="0" i="1" smtClean="0">
+                            <a:latin typeface="Cambria Math" panose="02040503050406030204" pitchFamily="18" charset="0"/>
+                          </a:rPr>
+                          <m:t>𝐸</m:t>
+                        </m:r>
+                      </m:e>
+                    </m:d>
+                  </m:oMath>
+                </a14:m>
+                <a:r>
+                  <a:rPr lang="en-US" dirty="0"/>
+                  <a:t> – </a:t>
+                </a:r>
+                <a:r>
+                  <a:rPr lang="ru-RU" dirty="0"/>
+                  <a:t>некоторый граф, а </a:t>
+                </a:r>
+                <a14:m>
+                  <m:oMath xmlns:m="http://schemas.openxmlformats.org/officeDocument/2006/math">
+                    <m:r>
+                      <a:rPr lang="en-US" b="0" i="1" smtClean="0">
+                        <a:latin typeface="Cambria Math" panose="02040503050406030204" pitchFamily="18" charset="0"/>
+                      </a:rPr>
+                      <m:t>~</m:t>
+                    </m:r>
+                  </m:oMath>
+                </a14:m>
+                <a:r>
+                  <a:rPr lang="en-US" dirty="0"/>
+                  <a:t> – </a:t>
+                </a:r>
+                <a:r>
+                  <a:rPr lang="ru-RU" dirty="0"/>
+                  <a:t>отношение эквивалентности на </a:t>
+                </a:r>
+                <a14:m>
+                  <m:oMath xmlns:m="http://schemas.openxmlformats.org/officeDocument/2006/math">
+                    <m:r>
+                      <a:rPr lang="en-US" b="0" i="1" smtClean="0">
+                        <a:latin typeface="Cambria Math" panose="02040503050406030204" pitchFamily="18" charset="0"/>
+                      </a:rPr>
+                      <m:t>𝑉</m:t>
+                    </m:r>
+                  </m:oMath>
+                </a14:m>
+                <a:r>
+                  <a:rPr lang="ru-RU" dirty="0"/>
+                  <a:t>, то </a:t>
+                </a:r>
+                <a14:m>
+                  <m:oMath xmlns:m="http://schemas.openxmlformats.org/officeDocument/2006/math">
+                    <m:r>
+                      <a:rPr lang="en-US" b="0" i="1" smtClean="0">
+                        <a:latin typeface="Cambria Math" panose="02040503050406030204" pitchFamily="18" charset="0"/>
+                      </a:rPr>
+                      <m:t>𝐺</m:t>
+                    </m:r>
+                    <m:r>
+                      <a:rPr lang="en-US" b="0" i="1" smtClean="0">
+                        <a:latin typeface="Cambria Math" panose="02040503050406030204" pitchFamily="18" charset="0"/>
+                      </a:rPr>
+                      <m:t>/~</m:t>
+                    </m:r>
+                  </m:oMath>
+                </a14:m>
+                <a:r>
+                  <a:rPr lang="en-US" dirty="0"/>
+                  <a:t> – </a:t>
+                </a:r>
+                <a:r>
+                  <a:rPr lang="ru-RU" b="1" dirty="0">
+                    <a:solidFill>
+                      <a:schemeClr val="accent1">
+                        <a:lumMod val="50000"/>
+                      </a:schemeClr>
+                    </a:solidFill>
+                  </a:rPr>
+                  <a:t>факторграф</a:t>
+                </a:r>
+                <a:r>
+                  <a:rPr lang="ru-RU" b="1" dirty="0"/>
+                  <a:t> </a:t>
+                </a:r>
+                <a14:m>
+                  <m:oMath xmlns:m="http://schemas.openxmlformats.org/officeDocument/2006/math">
+                    <m:r>
+                      <a:rPr lang="en-US" b="0" i="1" smtClean="0">
+                        <a:latin typeface="Cambria Math" panose="02040503050406030204" pitchFamily="18" charset="0"/>
+                      </a:rPr>
+                      <m:t>𝐺</m:t>
+                    </m:r>
+                  </m:oMath>
+                </a14:m>
+                <a:r>
+                  <a:rPr lang="en-US" dirty="0"/>
+                  <a:t> </a:t>
+                </a:r>
+                <a:r>
+                  <a:rPr lang="ru-RU" dirty="0"/>
+                  <a:t>по отношению </a:t>
+                </a:r>
+                <a14:m>
+                  <m:oMath xmlns:m="http://schemas.openxmlformats.org/officeDocument/2006/math">
+                    <m:r>
+                      <a:rPr lang="en-US" b="0" i="1" smtClean="0">
+                        <a:latin typeface="Cambria Math" panose="02040503050406030204" pitchFamily="18" charset="0"/>
+                      </a:rPr>
+                      <m:t>~</m:t>
+                    </m:r>
+                  </m:oMath>
+                </a14:m>
+                <a:r>
+                  <a:rPr lang="en-US" dirty="0"/>
+                  <a:t>.</a:t>
+                </a:r>
+                <a:endParaRPr lang="ru-RU" dirty="0"/>
+              </a:p>
+              <a:p>
+                <a:pPr lvl="1" algn="just"/>
+                <a:r>
+                  <a:rPr lang="ru-RU" dirty="0"/>
+                  <a:t>Отождествление вершин.</a:t>
+                </a:r>
+              </a:p>
+              <a:p>
+                <a:pPr marL="0" indent="0" algn="just">
+                  <a:buNone/>
+                </a:pPr>
+                <a:endParaRPr lang="ru-RU" b="1" dirty="0">
+                  <a:solidFill>
+                    <a:schemeClr val="accent1">
+                      <a:lumMod val="50000"/>
+                    </a:schemeClr>
+                  </a:solidFill>
+                </a:endParaRPr>
+              </a:p>
+              <a:p>
+                <a:pPr algn="just"/>
+                <a:r>
+                  <a:rPr lang="ru-RU" b="1" dirty="0">
+                    <a:solidFill>
+                      <a:schemeClr val="accent1">
+                        <a:lumMod val="50000"/>
+                      </a:schemeClr>
+                    </a:solidFill>
+                  </a:rPr>
+                  <a:t>Автоморфизм ресурсной сети </a:t>
+                </a:r>
+                <a:r>
+                  <a:rPr lang="ru-RU" dirty="0"/>
+                  <a:t>– автоморфизм графа как взвешенного.</a:t>
+                </a:r>
+              </a:p>
+              <a:p>
+                <a:pPr algn="just"/>
+                <a14:m>
+                  <m:oMath xmlns:m="http://schemas.openxmlformats.org/officeDocument/2006/math">
+                    <m:r>
+                      <m:rPr>
+                        <m:nor/>
+                      </m:rPr>
+                      <a:rPr lang="ru-RU" b="1" smtClean="0">
+                        <a:solidFill>
+                          <a:schemeClr val="accent1">
+                            <a:lumMod val="50000"/>
+                          </a:schemeClr>
+                        </a:solidFill>
+                        <a:effectLst/>
+                        <a:latin typeface="Cambria Math" panose="02040503050406030204" pitchFamily="18" charset="0"/>
+                        <a:ea typeface="Cambria Math" panose="02040503050406030204" pitchFamily="18" charset="0"/>
+                      </a:rPr>
+                      <m:t>Aut</m:t>
+                    </m:r>
+                    <m:d>
+                      <m:dPr>
+                        <m:ctrlPr>
+                          <a:rPr lang="en-US" b="1" i="1">
+                            <a:solidFill>
+                              <a:schemeClr val="accent1">
+                                <a:lumMod val="50000"/>
+                              </a:schemeClr>
+                            </a:solidFill>
+                            <a:effectLst/>
+                            <a:latin typeface="Cambria Math" panose="02040503050406030204" pitchFamily="18" charset="0"/>
+                            <a:ea typeface="Cambria Math" panose="02040503050406030204" pitchFamily="18" charset="0"/>
+                          </a:rPr>
+                        </m:ctrlPr>
+                      </m:dPr>
+                      <m:e>
+                        <m:r>
+                          <m:rPr>
+                            <m:nor/>
+                          </m:rPr>
+                          <a:rPr lang="ru-RU" b="1">
+                            <a:solidFill>
+                              <a:schemeClr val="accent1">
+                                <a:lumMod val="50000"/>
+                              </a:schemeClr>
+                            </a:solidFill>
+                            <a:effectLst/>
+                            <a:latin typeface="Cambria Math" panose="02040503050406030204" pitchFamily="18" charset="0"/>
+                            <a:ea typeface="Cambria Math" panose="02040503050406030204" pitchFamily="18" charset="0"/>
+                          </a:rPr>
+                          <m:t>RN</m:t>
+                        </m:r>
+                      </m:e>
+                    </m:d>
+                  </m:oMath>
+                </a14:m>
+                <a:r>
+                  <a:rPr lang="ru-RU" b="1" dirty="0">
+                    <a:solidFill>
+                      <a:schemeClr val="accent1">
+                        <a:lumMod val="50000"/>
+                      </a:schemeClr>
+                    </a:solidFill>
+                  </a:rPr>
+                  <a:t> </a:t>
+                </a:r>
+                <a:r>
+                  <a:rPr lang="en-US" dirty="0"/>
+                  <a:t>– </a:t>
+                </a:r>
+                <a:r>
+                  <a:rPr lang="ru-RU" dirty="0"/>
+                  <a:t>группа автоморфизмов ресурсной сети.</a:t>
+                </a:r>
+              </a:p>
+              <a:p>
+                <a:pPr algn="just"/>
+                <a14:m>
+                  <m:oMath xmlns:m="http://schemas.openxmlformats.org/officeDocument/2006/math">
+                    <m:r>
+                      <a:rPr lang="en-US" b="1" i="0" smtClean="0">
+                        <a:solidFill>
+                          <a:schemeClr val="accent1">
+                            <a:lumMod val="50000"/>
+                          </a:schemeClr>
+                        </a:solidFill>
+                        <a:latin typeface="Cambria Math" panose="02040503050406030204" pitchFamily="18" charset="0"/>
+                      </a:rPr>
+                      <m:t>𝐒𝐭𝐚</m:t>
+                    </m:r>
+                    <m:sSub>
+                      <m:sSubPr>
+                        <m:ctrlPr>
+                          <a:rPr lang="en-US" b="1" i="1" smtClean="0">
+                            <a:solidFill>
+                              <a:schemeClr val="accent1">
+                                <a:lumMod val="50000"/>
+                              </a:schemeClr>
+                            </a:solidFill>
+                            <a:latin typeface="Cambria Math" panose="02040503050406030204" pitchFamily="18" charset="0"/>
+                          </a:rPr>
+                        </m:ctrlPr>
+                      </m:sSubPr>
+                      <m:e>
+                        <m:r>
+                          <a:rPr lang="en-US" b="1" i="0" smtClean="0">
+                            <a:solidFill>
+                              <a:schemeClr val="accent1">
+                                <a:lumMod val="50000"/>
+                              </a:schemeClr>
+                            </a:solidFill>
+                            <a:latin typeface="Cambria Math" panose="02040503050406030204" pitchFamily="18" charset="0"/>
+                          </a:rPr>
+                          <m:t>𝐛</m:t>
+                        </m:r>
+                      </m:e>
+                      <m:sub>
+                        <m:r>
+                          <a:rPr lang="en-US" b="1" i="1" smtClean="0">
+                            <a:solidFill>
+                              <a:schemeClr val="accent1">
+                                <a:lumMod val="50000"/>
+                              </a:schemeClr>
+                            </a:solidFill>
+                            <a:latin typeface="Cambria Math" panose="02040503050406030204" pitchFamily="18" charset="0"/>
+                          </a:rPr>
+                          <m:t>𝑮</m:t>
+                        </m:r>
+                      </m:sub>
+                    </m:sSub>
+                    <m:r>
+                      <a:rPr lang="en-US" b="1" i="1" smtClean="0">
+                        <a:solidFill>
+                          <a:schemeClr val="accent1">
+                            <a:lumMod val="50000"/>
+                          </a:schemeClr>
+                        </a:solidFill>
+                        <a:latin typeface="Cambria Math" panose="02040503050406030204" pitchFamily="18" charset="0"/>
+                      </a:rPr>
+                      <m:t>(</m:t>
+                    </m:r>
+                    <m:r>
+                      <a:rPr lang="en-US" b="1" i="1" smtClean="0">
+                        <a:solidFill>
+                          <a:schemeClr val="accent1">
+                            <a:lumMod val="50000"/>
+                          </a:schemeClr>
+                        </a:solidFill>
+                        <a:latin typeface="Cambria Math" panose="02040503050406030204" pitchFamily="18" charset="0"/>
+                      </a:rPr>
+                      <m:t>𝒙</m:t>
+                    </m:r>
+                    <m:r>
+                      <a:rPr lang="en-US" b="1" i="1" smtClean="0">
+                        <a:solidFill>
+                          <a:schemeClr val="accent1">
+                            <a:lumMod val="50000"/>
+                          </a:schemeClr>
+                        </a:solidFill>
+                        <a:latin typeface="Cambria Math" panose="02040503050406030204" pitchFamily="18" charset="0"/>
+                      </a:rPr>
+                      <m:t>)</m:t>
+                    </m:r>
+                  </m:oMath>
+                </a14:m>
+                <a:r>
+                  <a:rPr lang="en-US" b="1" dirty="0">
+                    <a:solidFill>
+                      <a:schemeClr val="accent1">
+                        <a:lumMod val="50000"/>
+                      </a:schemeClr>
+                    </a:solidFill>
+                  </a:rPr>
+                  <a:t> </a:t>
+                </a:r>
+                <a:r>
+                  <a:rPr lang="en-US" dirty="0"/>
+                  <a:t>– </a:t>
+                </a:r>
+                <a:r>
+                  <a:rPr lang="ru-RU" dirty="0"/>
+                  <a:t>стабилизатор состояния </a:t>
+                </a:r>
+                <a14:m>
+                  <m:oMath xmlns:m="http://schemas.openxmlformats.org/officeDocument/2006/math">
+                    <m:r>
+                      <a:rPr lang="en-US" b="0" i="1" smtClean="0">
+                        <a:latin typeface="Cambria Math" panose="02040503050406030204" pitchFamily="18" charset="0"/>
+                      </a:rPr>
+                      <m:t>𝑥</m:t>
+                    </m:r>
+                  </m:oMath>
+                </a14:m>
+                <a:r>
+                  <a:rPr lang="en-US" dirty="0"/>
+                  <a:t> </a:t>
+                </a:r>
+                <a:r>
+                  <a:rPr lang="ru-RU" dirty="0"/>
+                  <a:t>под действием группы </a:t>
+                </a:r>
+                <a14:m>
+                  <m:oMath xmlns:m="http://schemas.openxmlformats.org/officeDocument/2006/math">
+                    <m:r>
+                      <a:rPr lang="en-US" b="0" i="1" smtClean="0">
+                        <a:latin typeface="Cambria Math" panose="02040503050406030204" pitchFamily="18" charset="0"/>
+                      </a:rPr>
+                      <m:t>𝐺</m:t>
+                    </m:r>
+                  </m:oMath>
+                </a14:m>
+                <a:r>
+                  <a:rPr lang="ru-RU" dirty="0"/>
+                  <a:t>, т.е. множество тех симметрий, которые оставляют на месте </a:t>
+                </a:r>
+                <a14:m>
+                  <m:oMath xmlns:m="http://schemas.openxmlformats.org/officeDocument/2006/math">
+                    <m:r>
+                      <a:rPr lang="en-US" b="0" i="1" smtClean="0">
+                        <a:latin typeface="Cambria Math" panose="02040503050406030204" pitchFamily="18" charset="0"/>
+                      </a:rPr>
+                      <m:t>𝑥</m:t>
+                    </m:r>
+                  </m:oMath>
+                </a14:m>
+                <a:r>
+                  <a:rPr lang="ru-RU" dirty="0"/>
+                  <a:t>.</a:t>
+                </a:r>
+                <a:endParaRPr lang="en-US" dirty="0"/>
+              </a:p>
+              <a:p>
+                <a:pPr algn="just"/>
+                <a:r>
+                  <a:rPr lang="ru-RU" b="1" dirty="0">
+                    <a:solidFill>
+                      <a:schemeClr val="accent1">
+                        <a:lumMod val="50000"/>
+                      </a:schemeClr>
+                    </a:solidFill>
+                  </a:rPr>
+                  <a:t>Фактор-сеть</a:t>
+                </a:r>
+                <a:r>
+                  <a:rPr lang="ru-RU" b="1" dirty="0"/>
+                  <a:t> </a:t>
+                </a:r>
+                <a:r>
+                  <a:rPr lang="ru-RU" dirty="0"/>
+                  <a:t>– ресурсная сеть, граф которой – факторграф исходной сети.</a:t>
+                </a:r>
+              </a:p>
+              <a:p>
+                <a:pPr lvl="1" algn="just"/>
+                <a:r>
+                  <a:rPr lang="ru-RU" dirty="0"/>
+                  <a:t>Веса должны быть согласованы.</a:t>
+                </a:r>
+              </a:p>
+              <a:p>
+                <a:pPr lvl="1" algn="just"/>
+                <a:r>
+                  <a:rPr lang="ru-RU" dirty="0"/>
+                  <a:t>Фактор-сеть существует не всегда.</a:t>
+                </a:r>
+              </a:p>
+            </p:txBody>
+          </p:sp>
+        </mc:Choice>
+        <mc:Fallback xmlns="">
+          <p:sp>
+            <p:nvSpPr>
+              <p:cNvPr id="4" name="Content Placeholder 3">
+                <a:extLst>
+                  <a:ext uri="{FF2B5EF4-FFF2-40B4-BE49-F238E27FC236}">
+                    <a16:creationId xmlns:a16="http://schemas.microsoft.com/office/drawing/2014/main" id="{2F4147B3-BA2D-A1C2-086B-BACBB8271D6E}"/>
+                  </a:ext>
+                </a:extLst>
+              </p:cNvPr>
+              <p:cNvSpPr>
+                <a:spLocks noGrp="1" noRot="1" noChangeAspect="1" noMove="1" noResize="1" noEditPoints="1" noAdjustHandles="1" noChangeArrowheads="1" noChangeShapeType="1" noTextEdit="1"/>
+              </p:cNvSpPr>
+              <p:nvPr>
+                <p:ph idx="1"/>
+              </p:nvPr>
+            </p:nvSpPr>
+            <p:spPr>
+              <a:xfrm>
+                <a:off x="484634" y="1268760"/>
+                <a:ext cx="7886700" cy="4968552"/>
+              </a:xfrm>
+              <a:blipFill>
+                <a:blip r:embed="rId2"/>
+                <a:stretch>
+                  <a:fillRect l="-773" t="-1350" r="-928"/>
+                </a:stretch>
+              </a:blipFill>
+            </p:spPr>
+            <p:txBody>
+              <a:bodyPr/>
+              <a:lstStyle/>
+              <a:p>
+                <a:r>
+                  <a:rPr lang="en-US">
+                    <a:noFill/>
+                  </a:rPr>
+                  <a:t> </a:t>
+                </a:r>
+              </a:p>
+            </p:txBody>
+          </p:sp>
+        </mc:Fallback>
+      </mc:AlternateContent>
+      <p:cxnSp>
+        <p:nvCxnSpPr>
+          <p:cNvPr id="6" name="Straight Connector 5">
+            <a:extLst>
+              <a:ext uri="{FF2B5EF4-FFF2-40B4-BE49-F238E27FC236}">
+                <a16:creationId xmlns:a16="http://schemas.microsoft.com/office/drawing/2014/main" id="{93F47625-4523-D22A-FCB8-A113DACD0E96}"/>
+              </a:ext>
+            </a:extLst>
+          </p:cNvPr>
+          <p:cNvCxnSpPr/>
+          <p:nvPr/>
+        </p:nvCxnSpPr>
+        <p:spPr>
+          <a:xfrm>
+            <a:off x="755576" y="2852936"/>
+            <a:ext cx="7344816" cy="0"/>
+          </a:xfrm>
+          <a:prstGeom prst="line">
+            <a:avLst/>
+          </a:prstGeom>
+          <a:ln w="12700"/>
+        </p:spPr>
+        <p:style>
+          <a:lnRef idx="1">
+            <a:schemeClr val="accent1"/>
+          </a:lnRef>
+          <a:fillRef idx="0">
+            <a:schemeClr val="accent1"/>
+          </a:fillRef>
+          <a:effectRef idx="0">
+            <a:schemeClr val="accent1"/>
+          </a:effectRef>
+          <a:fontRef idx="minor">
+            <a:schemeClr val="tx1"/>
+          </a:fontRef>
+        </p:style>
+      </p:cxnSp>
+    </p:spTree>
+    <p:extLst>
+      <p:ext uri="{BB962C8B-B14F-4D97-AF65-F5344CB8AC3E}">
+        <p14:creationId xmlns:p14="http://schemas.microsoft.com/office/powerpoint/2010/main" val="3832179439"/>
       </p:ext>
     </p:extLst>
   </p:cSld>
@@ -6307,8 +9423,8 @@
           <a:chExt cx="0" cy="0"/>
         </a:xfrm>
       </p:grpSpPr>
-      <mc:AlternateContent xmlns:mc="http://schemas.openxmlformats.org/markup-compatibility/2006">
-        <mc:Choice xmlns:a14="http://schemas.microsoft.com/office/drawing/2010/main" Requires="a14">
+      <mc:AlternateContent xmlns:mc="http://schemas.openxmlformats.org/markup-compatibility/2006" xmlns:a14="http://schemas.microsoft.com/office/drawing/2010/main">
+        <mc:Choice Requires="a14">
           <p:sp>
             <p:nvSpPr>
               <p:cNvPr id="3" name="Объект 2"/>
@@ -6668,7 +9784,7 @@
             </p:txBody>
           </p:sp>
         </mc:Choice>
-        <mc:Fallback>
+        <mc:Fallback xmlns="">
           <p:sp>
             <p:nvSpPr>
               <p:cNvPr id="3" name="Объект 2"/>
@@ -7274,8 +10390,1627 @@
           <a:chExt cx="0" cy="0"/>
         </a:xfrm>
       </p:grpSpPr>
-      <mc:AlternateContent xmlns:mc="http://schemas.openxmlformats.org/markup-compatibility/2006">
-        <mc:Choice xmlns:a14="http://schemas.microsoft.com/office/drawing/2010/main" Requires="a14">
+      <p:pic>
+        <p:nvPicPr>
+          <p:cNvPr id="8" name="Graphic 7">
+            <a:extLst>
+              <a:ext uri="{FF2B5EF4-FFF2-40B4-BE49-F238E27FC236}">
+                <a16:creationId xmlns:a16="http://schemas.microsoft.com/office/drawing/2014/main" id="{4C278079-63B8-97C3-D0C7-1141FA6E6DAD}"/>
+              </a:ext>
+            </a:extLst>
+          </p:cNvPr>
+          <p:cNvPicPr>
+            <a:picLocks noChangeAspect="1"/>
+          </p:cNvPicPr>
+          <p:nvPr/>
+        </p:nvPicPr>
+        <p:blipFill>
+          <a:blip r:embed="rId2">
+            <a:extLst>
+              <a:ext uri="{28A0092B-C50C-407E-A947-70E740481C1C}">
+                <a14:useLocalDpi xmlns:a14="http://schemas.microsoft.com/office/drawing/2010/main" val="0"/>
+              </a:ext>
+              <a:ext uri="{96DAC541-7B7A-43D3-8B79-37D633B846F1}">
+                <asvg:svgBlip xmlns:asvg="http://schemas.microsoft.com/office/drawing/2016/SVG/main" r:embed="rId3"/>
+              </a:ext>
+            </a:extLst>
+          </a:blip>
+          <a:stretch>
+            <a:fillRect/>
+          </a:stretch>
+        </p:blipFill>
+        <p:spPr>
+          <a:xfrm>
+            <a:off x="45233" y="1332383"/>
+            <a:ext cx="3888432" cy="3809678"/>
+          </a:xfrm>
+          <a:prstGeom prst="rect">
+            <a:avLst/>
+          </a:prstGeom>
+        </p:spPr>
+      </p:pic>
+      <p:pic>
+        <p:nvPicPr>
+          <p:cNvPr id="10" name="Graphic 9">
+            <a:extLst>
+              <a:ext uri="{FF2B5EF4-FFF2-40B4-BE49-F238E27FC236}">
+                <a16:creationId xmlns:a16="http://schemas.microsoft.com/office/drawing/2014/main" id="{44AB19C9-C6F5-ACAE-6F3F-366F4598F9B9}"/>
+              </a:ext>
+            </a:extLst>
+          </p:cNvPr>
+          <p:cNvPicPr>
+            <a:picLocks noChangeAspect="1"/>
+          </p:cNvPicPr>
+          <p:nvPr/>
+        </p:nvPicPr>
+        <p:blipFill>
+          <a:blip r:embed="rId4">
+            <a:extLst>
+              <a:ext uri="{28A0092B-C50C-407E-A947-70E740481C1C}">
+                <a14:useLocalDpi xmlns:a14="http://schemas.microsoft.com/office/drawing/2010/main" val="0"/>
+              </a:ext>
+              <a:ext uri="{96DAC541-7B7A-43D3-8B79-37D633B846F1}">
+                <asvg:svgBlip xmlns:asvg="http://schemas.microsoft.com/office/drawing/2016/SVG/main" r:embed="rId5"/>
+              </a:ext>
+            </a:extLst>
+          </a:blip>
+          <a:stretch>
+            <a:fillRect/>
+          </a:stretch>
+        </p:blipFill>
+        <p:spPr>
+          <a:xfrm>
+            <a:off x="4067944" y="1331970"/>
+            <a:ext cx="3898275" cy="3809678"/>
+          </a:xfrm>
+          <a:prstGeom prst="rect">
+            <a:avLst/>
+          </a:prstGeom>
+        </p:spPr>
+      </p:pic>
+      <p:sp>
+        <p:nvSpPr>
+          <p:cNvPr id="17" name="Rectangle 2"/>
+          <p:cNvSpPr txBox="1">
+            <a:spLocks noChangeArrowheads="1"/>
+          </p:cNvSpPr>
+          <p:nvPr/>
+        </p:nvSpPr>
+        <p:spPr bwMode="auto">
+          <a:xfrm>
+            <a:off x="1252" y="0"/>
+            <a:ext cx="9144000" cy="1052736"/>
+          </a:xfrm>
+          <a:prstGeom prst="rect">
+            <a:avLst/>
+          </a:prstGeom>
+          <a:solidFill>
+            <a:schemeClr val="bg1">
+              <a:lumMod val="85000"/>
+            </a:schemeClr>
+          </a:solidFill>
+          <a:ln w="9525">
+            <a:noFill/>
+            <a:miter lim="800000"/>
+            <a:headEnd/>
+            <a:tailEnd/>
+          </a:ln>
+        </p:spPr>
+        <p:txBody>
+          <a:bodyPr anchor="ctr"/>
+          <a:lstStyle>
+            <a:defPPr>
+              <a:defRPr lang="ru-RU"/>
+            </a:defPPr>
+            <a:lvl1pPr marL="357188" algn="ctr">
+              <a:defRPr sz="3600" b="1" spc="150">
+                <a:solidFill>
+                  <a:schemeClr val="accent1">
+                    <a:lumMod val="50000"/>
+                  </a:schemeClr>
+                </a:solidFill>
+              </a:defRPr>
+            </a:lvl1pPr>
+          </a:lstStyle>
+          <a:p>
+            <a:pPr>
+              <a:defRPr/>
+            </a:pPr>
+            <a:r>
+              <a:rPr lang="ru-RU" dirty="0"/>
+              <a:t>Функционирование модели</a:t>
+            </a:r>
+            <a:endParaRPr dirty="0"/>
+          </a:p>
+        </p:txBody>
+      </p:sp>
+      <p:sp>
+        <p:nvSpPr>
+          <p:cNvPr id="7" name="Slide Number Placeholder 6">
+            <a:extLst>
+              <a:ext uri="{FF2B5EF4-FFF2-40B4-BE49-F238E27FC236}">
+                <a16:creationId xmlns:a16="http://schemas.microsoft.com/office/drawing/2014/main" id="{63B65CF2-77C7-21E1-FD6C-3124FEC49D93}"/>
+              </a:ext>
+            </a:extLst>
+          </p:cNvPr>
+          <p:cNvSpPr>
+            <a:spLocks noGrp="1"/>
+          </p:cNvSpPr>
+          <p:nvPr>
+            <p:ph type="sldNum" sz="quarter" idx="12"/>
+          </p:nvPr>
+        </p:nvSpPr>
+        <p:spPr/>
+        <p:txBody>
+          <a:bodyPr/>
+          <a:lstStyle/>
+          <a:p>
+            <a:pPr>
+              <a:defRPr/>
+            </a:pPr>
+            <a:fld id="{667099E1-2BD8-4718-81B5-D06A6B18E473}" type="slidenum">
+              <a:rPr lang="ru-RU" smtClean="0"/>
+              <a:t>5</a:t>
+            </a:fld>
+            <a:endParaRPr lang="ru-RU"/>
+          </a:p>
+        </p:txBody>
+      </p:sp>
+      <p:grpSp>
+        <p:nvGrpSpPr>
+          <p:cNvPr id="13" name="Group 12">
+            <a:extLst>
+              <a:ext uri="{FF2B5EF4-FFF2-40B4-BE49-F238E27FC236}">
+                <a16:creationId xmlns:a16="http://schemas.microsoft.com/office/drawing/2014/main" id="{E3C98AE7-A136-F3A7-D76A-3ADDE4A2B0D5}"/>
+              </a:ext>
+            </a:extLst>
+          </p:cNvPr>
+          <p:cNvGrpSpPr/>
+          <p:nvPr/>
+        </p:nvGrpSpPr>
+        <p:grpSpPr>
+          <a:xfrm>
+            <a:off x="3933665" y="2492834"/>
+            <a:ext cx="864096" cy="472760"/>
+            <a:chOff x="3933665" y="2524192"/>
+            <a:chExt cx="864096" cy="472760"/>
+          </a:xfrm>
+        </p:grpSpPr>
+        <p:sp>
+          <p:nvSpPr>
+            <p:cNvPr id="11" name="Arrow: Right 10">
+              <a:extLst>
+                <a:ext uri="{FF2B5EF4-FFF2-40B4-BE49-F238E27FC236}">
+                  <a16:creationId xmlns:a16="http://schemas.microsoft.com/office/drawing/2014/main" id="{7896C19E-7D40-310C-F559-2C61F6223809}"/>
+                </a:ext>
+              </a:extLst>
+            </p:cNvPr>
+            <p:cNvSpPr/>
+            <p:nvPr/>
+          </p:nvSpPr>
+          <p:spPr>
+            <a:xfrm>
+              <a:off x="3933665" y="2780928"/>
+              <a:ext cx="864096" cy="216024"/>
+            </a:xfrm>
+            <a:prstGeom prst="rightArrow">
+              <a:avLst/>
+            </a:prstGeom>
+          </p:spPr>
+          <p:style>
+            <a:lnRef idx="2">
+              <a:schemeClr val="accent1">
+                <a:shade val="50000"/>
+              </a:schemeClr>
+            </a:lnRef>
+            <a:fillRef idx="1">
+              <a:schemeClr val="accent1"/>
+            </a:fillRef>
+            <a:effectRef idx="0">
+              <a:schemeClr val="accent1"/>
+            </a:effectRef>
+            <a:fontRef idx="minor">
+              <a:schemeClr val="lt1"/>
+            </a:fontRef>
+          </p:style>
+          <p:txBody>
+            <a:bodyPr rtlCol="0" anchor="ctr"/>
+            <a:lstStyle/>
+            <a:p>
+              <a:pPr algn="ctr"/>
+              <a:endParaRPr lang="en-US"/>
+            </a:p>
+          </p:txBody>
+        </p:sp>
+        <mc:AlternateContent xmlns:mc="http://schemas.openxmlformats.org/markup-compatibility/2006" xmlns:a14="http://schemas.microsoft.com/office/drawing/2010/main">
+          <mc:Choice Requires="a14">
+            <p:sp>
+              <p:nvSpPr>
+                <p:cNvPr id="12" name="TextBox 11">
+                  <a:extLst>
+                    <a:ext uri="{FF2B5EF4-FFF2-40B4-BE49-F238E27FC236}">
+                      <a16:creationId xmlns:a16="http://schemas.microsoft.com/office/drawing/2014/main" id="{2EF1AD67-F60C-0D7E-5BE5-578BA680065A}"/>
+                    </a:ext>
+                  </a:extLst>
+                </p:cNvPr>
+                <p:cNvSpPr txBox="1"/>
+                <p:nvPr/>
+              </p:nvSpPr>
+              <p:spPr>
+                <a:xfrm>
+                  <a:off x="4183772" y="2524192"/>
+                  <a:ext cx="363882" cy="369332"/>
+                </a:xfrm>
+                <a:prstGeom prst="rect">
+                  <a:avLst/>
+                </a:prstGeom>
+                <a:noFill/>
+              </p:spPr>
+              <p:txBody>
+                <a:bodyPr wrap="none" rtlCol="0">
+                  <a:spAutoFit/>
+                </a:bodyPr>
+                <a:lstStyle/>
+                <a:p>
+                  <a:pPr/>
+                  <a14:m>
+                    <m:oMathPara xmlns:m="http://schemas.openxmlformats.org/officeDocument/2006/math">
+                      <m:oMathParaPr>
+                        <m:jc m:val="centerGroup"/>
+                      </m:oMathParaPr>
+                      <m:oMath xmlns:m="http://schemas.openxmlformats.org/officeDocument/2006/math">
+                        <m:r>
+                          <a:rPr lang="en-US" b="0" i="1" smtClean="0">
+                            <a:latin typeface="Cambria Math" panose="02040503050406030204" pitchFamily="18" charset="0"/>
+                          </a:rPr>
+                          <m:t>𝑆</m:t>
+                        </m:r>
+                      </m:oMath>
+                    </m:oMathPara>
+                  </a14:m>
+                  <a:endParaRPr lang="en-US" dirty="0"/>
+                </a:p>
+              </p:txBody>
+            </p:sp>
+          </mc:Choice>
+          <mc:Fallback xmlns="">
+            <p:sp>
+              <p:nvSpPr>
+                <p:cNvPr id="12" name="TextBox 11">
+                  <a:extLst>
+                    <a:ext uri="{FF2B5EF4-FFF2-40B4-BE49-F238E27FC236}">
+                      <a16:creationId xmlns:a16="http://schemas.microsoft.com/office/drawing/2014/main" id="{2EF1AD67-F60C-0D7E-5BE5-578BA680065A}"/>
+                    </a:ext>
+                  </a:extLst>
+                </p:cNvPr>
+                <p:cNvSpPr txBox="1">
+                  <a:spLocks noRot="1" noChangeAspect="1" noMove="1" noResize="1" noEditPoints="1" noAdjustHandles="1" noChangeArrowheads="1" noChangeShapeType="1" noTextEdit="1"/>
+                </p:cNvSpPr>
+                <p:nvPr/>
+              </p:nvSpPr>
+              <p:spPr>
+                <a:xfrm>
+                  <a:off x="4183772" y="2524192"/>
+                  <a:ext cx="363882" cy="369332"/>
+                </a:xfrm>
+                <a:prstGeom prst="rect">
+                  <a:avLst/>
+                </a:prstGeom>
+                <a:blipFill>
+                  <a:blip r:embed="rId6"/>
+                  <a:stretch>
+                    <a:fillRect/>
+                  </a:stretch>
+                </a:blipFill>
+              </p:spPr>
+              <p:txBody>
+                <a:bodyPr/>
+                <a:lstStyle/>
+                <a:p>
+                  <a:r>
+                    <a:rPr lang="en-US">
+                      <a:noFill/>
+                    </a:rPr>
+                    <a:t> </a:t>
+                  </a:r>
+                </a:p>
+              </p:txBody>
+            </p:sp>
+          </mc:Fallback>
+        </mc:AlternateContent>
+      </p:grpSp>
+      <p:grpSp>
+        <p:nvGrpSpPr>
+          <p:cNvPr id="19" name="Group 18">
+            <a:extLst>
+              <a:ext uri="{FF2B5EF4-FFF2-40B4-BE49-F238E27FC236}">
+                <a16:creationId xmlns:a16="http://schemas.microsoft.com/office/drawing/2014/main" id="{3FB4F532-7154-4BCE-E757-DD3586F0D87D}"/>
+              </a:ext>
+            </a:extLst>
+          </p:cNvPr>
+          <p:cNvGrpSpPr/>
+          <p:nvPr/>
+        </p:nvGrpSpPr>
+        <p:grpSpPr>
+          <a:xfrm>
+            <a:off x="7988315" y="2472478"/>
+            <a:ext cx="864096" cy="472760"/>
+            <a:chOff x="3933665" y="2524192"/>
+            <a:chExt cx="864096" cy="472760"/>
+          </a:xfrm>
+        </p:grpSpPr>
+        <p:sp>
+          <p:nvSpPr>
+            <p:cNvPr id="21" name="Arrow: Right 20">
+              <a:extLst>
+                <a:ext uri="{FF2B5EF4-FFF2-40B4-BE49-F238E27FC236}">
+                  <a16:creationId xmlns:a16="http://schemas.microsoft.com/office/drawing/2014/main" id="{4A219C94-5D37-487C-6948-D0EB7E34DB2E}"/>
+                </a:ext>
+              </a:extLst>
+            </p:cNvPr>
+            <p:cNvSpPr/>
+            <p:nvPr/>
+          </p:nvSpPr>
+          <p:spPr>
+            <a:xfrm>
+              <a:off x="3933665" y="2780928"/>
+              <a:ext cx="864096" cy="216024"/>
+            </a:xfrm>
+            <a:prstGeom prst="rightArrow">
+              <a:avLst/>
+            </a:prstGeom>
+          </p:spPr>
+          <p:style>
+            <a:lnRef idx="2">
+              <a:schemeClr val="accent1">
+                <a:shade val="50000"/>
+              </a:schemeClr>
+            </a:lnRef>
+            <a:fillRef idx="1">
+              <a:schemeClr val="accent1"/>
+            </a:fillRef>
+            <a:effectRef idx="0">
+              <a:schemeClr val="accent1"/>
+            </a:effectRef>
+            <a:fontRef idx="minor">
+              <a:schemeClr val="lt1"/>
+            </a:fontRef>
+          </p:style>
+          <p:txBody>
+            <a:bodyPr rtlCol="0" anchor="ctr"/>
+            <a:lstStyle/>
+            <a:p>
+              <a:pPr algn="ctr"/>
+              <a:endParaRPr lang="en-US"/>
+            </a:p>
+          </p:txBody>
+        </p:sp>
+        <mc:AlternateContent xmlns:mc="http://schemas.openxmlformats.org/markup-compatibility/2006" xmlns:a14="http://schemas.microsoft.com/office/drawing/2010/main">
+          <mc:Choice Requires="a14">
+            <p:sp>
+              <p:nvSpPr>
+                <p:cNvPr id="22" name="TextBox 21">
+                  <a:extLst>
+                    <a:ext uri="{FF2B5EF4-FFF2-40B4-BE49-F238E27FC236}">
+                      <a16:creationId xmlns:a16="http://schemas.microsoft.com/office/drawing/2014/main" id="{08498A8B-5D13-59EC-7758-DE8570D62FFF}"/>
+                    </a:ext>
+                  </a:extLst>
+                </p:cNvPr>
+                <p:cNvSpPr txBox="1"/>
+                <p:nvPr/>
+              </p:nvSpPr>
+              <p:spPr>
+                <a:xfrm>
+                  <a:off x="4183772" y="2524192"/>
+                  <a:ext cx="363882" cy="369332"/>
+                </a:xfrm>
+                <a:prstGeom prst="rect">
+                  <a:avLst/>
+                </a:prstGeom>
+                <a:noFill/>
+              </p:spPr>
+              <p:txBody>
+                <a:bodyPr wrap="none" rtlCol="0">
+                  <a:spAutoFit/>
+                </a:bodyPr>
+                <a:lstStyle/>
+                <a:p>
+                  <a:pPr/>
+                  <a14:m>
+                    <m:oMathPara xmlns:m="http://schemas.openxmlformats.org/officeDocument/2006/math">
+                      <m:oMathParaPr>
+                        <m:jc m:val="centerGroup"/>
+                      </m:oMathParaPr>
+                      <m:oMath xmlns:m="http://schemas.openxmlformats.org/officeDocument/2006/math">
+                        <m:r>
+                          <a:rPr lang="en-US" b="0" i="1" smtClean="0">
+                            <a:latin typeface="Cambria Math" panose="02040503050406030204" pitchFamily="18" charset="0"/>
+                          </a:rPr>
+                          <m:t>𝑆</m:t>
+                        </m:r>
+                      </m:oMath>
+                    </m:oMathPara>
+                  </a14:m>
+                  <a:endParaRPr lang="en-US" dirty="0"/>
+                </a:p>
+              </p:txBody>
+            </p:sp>
+          </mc:Choice>
+          <mc:Fallback xmlns="">
+            <p:sp>
+              <p:nvSpPr>
+                <p:cNvPr id="22" name="TextBox 21">
+                  <a:extLst>
+                    <a:ext uri="{FF2B5EF4-FFF2-40B4-BE49-F238E27FC236}">
+                      <a16:creationId xmlns:a16="http://schemas.microsoft.com/office/drawing/2014/main" id="{08498A8B-5D13-59EC-7758-DE8570D62FFF}"/>
+                    </a:ext>
+                  </a:extLst>
+                </p:cNvPr>
+                <p:cNvSpPr txBox="1">
+                  <a:spLocks noRot="1" noChangeAspect="1" noMove="1" noResize="1" noEditPoints="1" noAdjustHandles="1" noChangeArrowheads="1" noChangeShapeType="1" noTextEdit="1"/>
+                </p:cNvSpPr>
+                <p:nvPr/>
+              </p:nvSpPr>
+              <p:spPr>
+                <a:xfrm>
+                  <a:off x="4183772" y="2524192"/>
+                  <a:ext cx="363882" cy="369332"/>
+                </a:xfrm>
+                <a:prstGeom prst="rect">
+                  <a:avLst/>
+                </a:prstGeom>
+                <a:blipFill>
+                  <a:blip r:embed="rId7"/>
+                  <a:stretch>
+                    <a:fillRect/>
+                  </a:stretch>
+                </a:blipFill>
+              </p:spPr>
+              <p:txBody>
+                <a:bodyPr/>
+                <a:lstStyle/>
+                <a:p>
+                  <a:r>
+                    <a:rPr lang="en-US">
+                      <a:noFill/>
+                    </a:rPr>
+                    <a:t> </a:t>
+                  </a:r>
+                </a:p>
+              </p:txBody>
+            </p:sp>
+          </mc:Fallback>
+        </mc:AlternateContent>
+      </p:grpSp>
+      <mc:AlternateContent xmlns:mc="http://schemas.openxmlformats.org/markup-compatibility/2006" xmlns:a14="http://schemas.microsoft.com/office/drawing/2010/main">
+        <mc:Choice Requires="a14">
+          <p:sp>
+            <p:nvSpPr>
+              <p:cNvPr id="14" name="TextBox 13">
+                <a:extLst>
+                  <a:ext uri="{FF2B5EF4-FFF2-40B4-BE49-F238E27FC236}">
+                    <a16:creationId xmlns:a16="http://schemas.microsoft.com/office/drawing/2014/main" id="{E80E7517-CB43-E01E-8A83-778FB14E5B1C}"/>
+                  </a:ext>
+                </a:extLst>
+              </p:cNvPr>
+              <p:cNvSpPr txBox="1"/>
+              <p:nvPr/>
+            </p:nvSpPr>
+            <p:spPr>
+              <a:xfrm>
+                <a:off x="1331640" y="4956982"/>
+                <a:ext cx="764184" cy="369332"/>
+              </a:xfrm>
+              <a:prstGeom prst="rect">
+                <a:avLst/>
+              </a:prstGeom>
+              <a:noFill/>
+            </p:spPr>
+            <p:txBody>
+              <a:bodyPr wrap="none" rtlCol="0">
+                <a:spAutoFit/>
+              </a:bodyPr>
+              <a:lstStyle/>
+              <a:p>
+                <a:pPr/>
+                <a14:m>
+                  <m:oMathPara xmlns:m="http://schemas.openxmlformats.org/officeDocument/2006/math">
+                    <m:oMathParaPr>
+                      <m:jc m:val="centerGroup"/>
+                    </m:oMathParaPr>
+                    <m:oMath xmlns:m="http://schemas.openxmlformats.org/officeDocument/2006/math">
+                      <m:r>
+                        <a:rPr lang="en-US" b="0" i="1" smtClean="0">
+                          <a:latin typeface="Cambria Math" panose="02040503050406030204" pitchFamily="18" charset="0"/>
+                        </a:rPr>
+                        <m:t>𝑡</m:t>
+                      </m:r>
+                      <m:r>
+                        <a:rPr lang="en-US" b="0" i="1" smtClean="0">
+                          <a:latin typeface="Cambria Math" panose="02040503050406030204" pitchFamily="18" charset="0"/>
+                        </a:rPr>
+                        <m:t>=0</m:t>
+                      </m:r>
+                    </m:oMath>
+                  </m:oMathPara>
+                </a14:m>
+                <a:endParaRPr lang="en-US" dirty="0"/>
+              </a:p>
+            </p:txBody>
+          </p:sp>
+        </mc:Choice>
+        <mc:Fallback xmlns="">
+          <p:sp>
+            <p:nvSpPr>
+              <p:cNvPr id="14" name="TextBox 13">
+                <a:extLst>
+                  <a:ext uri="{FF2B5EF4-FFF2-40B4-BE49-F238E27FC236}">
+                    <a16:creationId xmlns:a16="http://schemas.microsoft.com/office/drawing/2014/main" id="{E80E7517-CB43-E01E-8A83-778FB14E5B1C}"/>
+                  </a:ext>
+                </a:extLst>
+              </p:cNvPr>
+              <p:cNvSpPr txBox="1">
+                <a:spLocks noRot="1" noChangeAspect="1" noMove="1" noResize="1" noEditPoints="1" noAdjustHandles="1" noChangeArrowheads="1" noChangeShapeType="1" noTextEdit="1"/>
+              </p:cNvSpPr>
+              <p:nvPr/>
+            </p:nvSpPr>
+            <p:spPr>
+              <a:xfrm>
+                <a:off x="1331640" y="4956982"/>
+                <a:ext cx="764184" cy="369332"/>
+              </a:xfrm>
+              <a:prstGeom prst="rect">
+                <a:avLst/>
+              </a:prstGeom>
+              <a:blipFill>
+                <a:blip r:embed="rId8"/>
+                <a:stretch>
+                  <a:fillRect/>
+                </a:stretch>
+              </a:blipFill>
+            </p:spPr>
+            <p:txBody>
+              <a:bodyPr/>
+              <a:lstStyle/>
+              <a:p>
+                <a:r>
+                  <a:rPr lang="en-US">
+                    <a:noFill/>
+                  </a:rPr>
+                  <a:t> </a:t>
+                </a:r>
+              </a:p>
+            </p:txBody>
+          </p:sp>
+        </mc:Fallback>
+      </mc:AlternateContent>
+      <mc:AlternateContent xmlns:mc="http://schemas.openxmlformats.org/markup-compatibility/2006" xmlns:a14="http://schemas.microsoft.com/office/drawing/2010/main">
+        <mc:Choice Requires="a14">
+          <p:sp>
+            <p:nvSpPr>
+              <p:cNvPr id="23" name="TextBox 22">
+                <a:extLst>
+                  <a:ext uri="{FF2B5EF4-FFF2-40B4-BE49-F238E27FC236}">
+                    <a16:creationId xmlns:a16="http://schemas.microsoft.com/office/drawing/2014/main" id="{700ECEF7-8D5E-6FBF-0614-2ED383637C10}"/>
+                  </a:ext>
+                </a:extLst>
+              </p:cNvPr>
+              <p:cNvSpPr txBox="1"/>
+              <p:nvPr/>
+            </p:nvSpPr>
+            <p:spPr bwMode="auto">
+              <a:xfrm>
+                <a:off x="5436096" y="4956982"/>
+                <a:ext cx="764184" cy="369332"/>
+              </a:xfrm>
+              <a:prstGeom prst="rect">
+                <a:avLst/>
+              </a:prstGeom>
+              <a:noFill/>
+            </p:spPr>
+            <p:txBody>
+              <a:bodyPr wrap="none" rtlCol="0">
+                <a:spAutoFit/>
+              </a:bodyPr>
+              <a:lstStyle/>
+              <a:p>
+                <a:pPr/>
+                <a14:m>
+                  <m:oMathPara xmlns:m="http://schemas.openxmlformats.org/officeDocument/2006/math">
+                    <m:oMathParaPr>
+                      <m:jc m:val="centerGroup"/>
+                    </m:oMathParaPr>
+                    <m:oMath xmlns:m="http://schemas.openxmlformats.org/officeDocument/2006/math">
+                      <m:r>
+                        <a:rPr lang="en-US" b="0" i="1" smtClean="0">
+                          <a:latin typeface="Cambria Math" panose="02040503050406030204" pitchFamily="18" charset="0"/>
+                        </a:rPr>
+                        <m:t>𝑡</m:t>
+                      </m:r>
+                      <m:r>
+                        <a:rPr lang="en-US" b="0" i="1" smtClean="0">
+                          <a:latin typeface="Cambria Math" panose="02040503050406030204" pitchFamily="18" charset="0"/>
+                        </a:rPr>
+                        <m:t>=1</m:t>
+                      </m:r>
+                    </m:oMath>
+                  </m:oMathPara>
+                </a14:m>
+                <a:endParaRPr lang="en-US" dirty="0"/>
+              </a:p>
+            </p:txBody>
+          </p:sp>
+        </mc:Choice>
+        <mc:Fallback xmlns="">
+          <p:sp>
+            <p:nvSpPr>
+              <p:cNvPr id="23" name="TextBox 22">
+                <a:extLst>
+                  <a:ext uri="{FF2B5EF4-FFF2-40B4-BE49-F238E27FC236}">
+                    <a16:creationId xmlns:a16="http://schemas.microsoft.com/office/drawing/2014/main" id="{700ECEF7-8D5E-6FBF-0614-2ED383637C10}"/>
+                  </a:ext>
+                </a:extLst>
+              </p:cNvPr>
+              <p:cNvSpPr txBox="1">
+                <a:spLocks noRot="1" noChangeAspect="1" noMove="1" noResize="1" noEditPoints="1" noAdjustHandles="1" noChangeArrowheads="1" noChangeShapeType="1" noTextEdit="1"/>
+              </p:cNvSpPr>
+              <p:nvPr/>
+            </p:nvSpPr>
+            <p:spPr bwMode="auto">
+              <a:xfrm>
+                <a:off x="5436096" y="4956982"/>
+                <a:ext cx="764184" cy="369332"/>
+              </a:xfrm>
+              <a:prstGeom prst="rect">
+                <a:avLst/>
+              </a:prstGeom>
+              <a:blipFill>
+                <a:blip r:embed="rId9"/>
+                <a:stretch>
+                  <a:fillRect/>
+                </a:stretch>
+              </a:blipFill>
+            </p:spPr>
+            <p:txBody>
+              <a:bodyPr/>
+              <a:lstStyle/>
+              <a:p>
+                <a:r>
+                  <a:rPr lang="en-US">
+                    <a:noFill/>
+                  </a:rPr>
+                  <a:t> </a:t>
+                </a:r>
+              </a:p>
+            </p:txBody>
+          </p:sp>
+        </mc:Fallback>
+      </mc:AlternateContent>
+    </p:spTree>
+    <p:extLst>
+      <p:ext uri="{BB962C8B-B14F-4D97-AF65-F5344CB8AC3E}">
+        <p14:creationId xmlns:p14="http://schemas.microsoft.com/office/powerpoint/2010/main" val="1847757431"/>
+      </p:ext>
+    </p:extLst>
+  </p:cSld>
+  <p:clrMapOvr>
+    <a:masterClrMapping/>
+  </p:clrMapOvr>
+</p:sld>
+</file>
+
+<file path=ppt/slides/slide6.xml><?xml version="1.0" encoding="utf-8"?>
+<p:sld xmlns:a="http://schemas.openxmlformats.org/drawingml/2006/main" xmlns:r="http://schemas.openxmlformats.org/officeDocument/2006/relationships" xmlns:p="http://schemas.openxmlformats.org/presentationml/2006/main" showMasterPhAnim="0">
+  <p:cSld>
+    <p:spTree>
+      <p:nvGrpSpPr>
+        <p:cNvPr id="1" name=""/>
+        <p:cNvGrpSpPr/>
+        <p:nvPr/>
+      </p:nvGrpSpPr>
+      <p:grpSpPr bwMode="auto">
+        <a:xfrm>
+          <a:off x="0" y="0"/>
+          <a:ext cx="0" cy="0"/>
+          <a:chOff x="0" y="0"/>
+          <a:chExt cx="0" cy="0"/>
+        </a:xfrm>
+      </p:grpSpPr>
+      <p:pic>
+        <p:nvPicPr>
+          <p:cNvPr id="5" name="Graphic 4">
+            <a:extLst>
+              <a:ext uri="{FF2B5EF4-FFF2-40B4-BE49-F238E27FC236}">
+                <a16:creationId xmlns:a16="http://schemas.microsoft.com/office/drawing/2014/main" id="{3A4660B6-5F16-C85F-3413-87F4EEFAEFBD}"/>
+              </a:ext>
+            </a:extLst>
+          </p:cNvPr>
+          <p:cNvPicPr>
+            <a:picLocks noChangeAspect="1"/>
+          </p:cNvPicPr>
+          <p:nvPr/>
+        </p:nvPicPr>
+        <p:blipFill>
+          <a:blip r:embed="rId2">
+            <a:extLst>
+              <a:ext uri="{28A0092B-C50C-407E-A947-70E740481C1C}">
+                <a14:useLocalDpi xmlns:a14="http://schemas.microsoft.com/office/drawing/2010/main" val="0"/>
+              </a:ext>
+              <a:ext uri="{96DAC541-7B7A-43D3-8B79-37D633B846F1}">
+                <asvg:svgBlip xmlns:asvg="http://schemas.microsoft.com/office/drawing/2016/SVG/main" r:embed="rId3"/>
+              </a:ext>
+            </a:extLst>
+          </a:blip>
+          <a:stretch>
+            <a:fillRect/>
+          </a:stretch>
+        </p:blipFill>
+        <p:spPr>
+          <a:xfrm>
+            <a:off x="4439499" y="1331970"/>
+            <a:ext cx="3898275" cy="3819323"/>
+          </a:xfrm>
+          <a:prstGeom prst="rect">
+            <a:avLst/>
+          </a:prstGeom>
+        </p:spPr>
+      </p:pic>
+      <p:pic>
+        <p:nvPicPr>
+          <p:cNvPr id="3" name="Graphic 2">
+            <a:extLst>
+              <a:ext uri="{FF2B5EF4-FFF2-40B4-BE49-F238E27FC236}">
+                <a16:creationId xmlns:a16="http://schemas.microsoft.com/office/drawing/2014/main" id="{B365BB6A-80C8-5973-EB98-9FF78B598672}"/>
+              </a:ext>
+            </a:extLst>
+          </p:cNvPr>
+          <p:cNvPicPr>
+            <a:picLocks noChangeAspect="1"/>
+          </p:cNvPicPr>
+          <p:nvPr/>
+        </p:nvPicPr>
+        <p:blipFill>
+          <a:blip r:embed="rId4">
+            <a:extLst>
+              <a:ext uri="{28A0092B-C50C-407E-A947-70E740481C1C}">
+                <a14:useLocalDpi xmlns:a14="http://schemas.microsoft.com/office/drawing/2010/main" val="0"/>
+              </a:ext>
+              <a:ext uri="{96DAC541-7B7A-43D3-8B79-37D633B846F1}">
+                <asvg:svgBlip xmlns:asvg="http://schemas.microsoft.com/office/drawing/2016/SVG/main" r:embed="rId5"/>
+              </a:ext>
+            </a:extLst>
+          </a:blip>
+          <a:stretch>
+            <a:fillRect/>
+          </a:stretch>
+        </p:blipFill>
+        <p:spPr>
+          <a:xfrm>
+            <a:off x="337516" y="1331970"/>
+            <a:ext cx="3898275" cy="3809678"/>
+          </a:xfrm>
+          <a:prstGeom prst="rect">
+            <a:avLst/>
+          </a:prstGeom>
+        </p:spPr>
+      </p:pic>
+      <p:sp>
+        <p:nvSpPr>
+          <p:cNvPr id="17" name="Rectangle 2"/>
+          <p:cNvSpPr txBox="1">
+            <a:spLocks noChangeArrowheads="1"/>
+          </p:cNvSpPr>
+          <p:nvPr/>
+        </p:nvSpPr>
+        <p:spPr bwMode="auto">
+          <a:xfrm>
+            <a:off x="1252" y="0"/>
+            <a:ext cx="9144000" cy="1052736"/>
+          </a:xfrm>
+          <a:prstGeom prst="rect">
+            <a:avLst/>
+          </a:prstGeom>
+          <a:solidFill>
+            <a:schemeClr val="bg1">
+              <a:lumMod val="85000"/>
+            </a:schemeClr>
+          </a:solidFill>
+          <a:ln w="9525">
+            <a:noFill/>
+            <a:miter lim="800000"/>
+            <a:headEnd/>
+            <a:tailEnd/>
+          </a:ln>
+        </p:spPr>
+        <p:txBody>
+          <a:bodyPr anchor="ctr"/>
+          <a:lstStyle>
+            <a:defPPr>
+              <a:defRPr lang="ru-RU"/>
+            </a:defPPr>
+            <a:lvl1pPr marL="357188" algn="ctr">
+              <a:defRPr sz="3600" b="1" spc="150">
+                <a:solidFill>
+                  <a:schemeClr val="accent1">
+                    <a:lumMod val="50000"/>
+                  </a:schemeClr>
+                </a:solidFill>
+              </a:defRPr>
+            </a:lvl1pPr>
+          </a:lstStyle>
+          <a:p>
+            <a:pPr>
+              <a:defRPr/>
+            </a:pPr>
+            <a:r>
+              <a:rPr lang="ru-RU" dirty="0"/>
+              <a:t>Функционирование модели</a:t>
+            </a:r>
+            <a:r>
+              <a:rPr lang="en-US" dirty="0"/>
+              <a:t> (2)</a:t>
+            </a:r>
+            <a:endParaRPr dirty="0"/>
+          </a:p>
+        </p:txBody>
+      </p:sp>
+      <p:sp>
+        <p:nvSpPr>
+          <p:cNvPr id="7" name="Slide Number Placeholder 6">
+            <a:extLst>
+              <a:ext uri="{FF2B5EF4-FFF2-40B4-BE49-F238E27FC236}">
+                <a16:creationId xmlns:a16="http://schemas.microsoft.com/office/drawing/2014/main" id="{63B65CF2-77C7-21E1-FD6C-3124FEC49D93}"/>
+              </a:ext>
+            </a:extLst>
+          </p:cNvPr>
+          <p:cNvSpPr>
+            <a:spLocks noGrp="1"/>
+          </p:cNvSpPr>
+          <p:nvPr>
+            <p:ph type="sldNum" sz="quarter" idx="12"/>
+          </p:nvPr>
+        </p:nvSpPr>
+        <p:spPr/>
+        <p:txBody>
+          <a:bodyPr/>
+          <a:lstStyle/>
+          <a:p>
+            <a:pPr>
+              <a:defRPr/>
+            </a:pPr>
+            <a:fld id="{667099E1-2BD8-4718-81B5-D06A6B18E473}" type="slidenum">
+              <a:rPr lang="ru-RU" smtClean="0"/>
+              <a:t>6</a:t>
+            </a:fld>
+            <a:endParaRPr lang="ru-RU"/>
+          </a:p>
+        </p:txBody>
+      </p:sp>
+      <p:grpSp>
+        <p:nvGrpSpPr>
+          <p:cNvPr id="13" name="Group 12">
+            <a:extLst>
+              <a:ext uri="{FF2B5EF4-FFF2-40B4-BE49-F238E27FC236}">
+                <a16:creationId xmlns:a16="http://schemas.microsoft.com/office/drawing/2014/main" id="{E3C98AE7-A136-F3A7-D76A-3ADDE4A2B0D5}"/>
+              </a:ext>
+            </a:extLst>
+          </p:cNvPr>
+          <p:cNvGrpSpPr/>
+          <p:nvPr/>
+        </p:nvGrpSpPr>
+        <p:grpSpPr>
+          <a:xfrm>
+            <a:off x="4293705" y="2524192"/>
+            <a:ext cx="864096" cy="472760"/>
+            <a:chOff x="3933665" y="2524192"/>
+            <a:chExt cx="864096" cy="472760"/>
+          </a:xfrm>
+        </p:grpSpPr>
+        <p:sp>
+          <p:nvSpPr>
+            <p:cNvPr id="11" name="Arrow: Right 10">
+              <a:extLst>
+                <a:ext uri="{FF2B5EF4-FFF2-40B4-BE49-F238E27FC236}">
+                  <a16:creationId xmlns:a16="http://schemas.microsoft.com/office/drawing/2014/main" id="{7896C19E-7D40-310C-F559-2C61F6223809}"/>
+                </a:ext>
+              </a:extLst>
+            </p:cNvPr>
+            <p:cNvSpPr/>
+            <p:nvPr/>
+          </p:nvSpPr>
+          <p:spPr>
+            <a:xfrm>
+              <a:off x="3933665" y="2780928"/>
+              <a:ext cx="864096" cy="216024"/>
+            </a:xfrm>
+            <a:prstGeom prst="rightArrow">
+              <a:avLst/>
+            </a:prstGeom>
+          </p:spPr>
+          <p:style>
+            <a:lnRef idx="2">
+              <a:schemeClr val="accent1">
+                <a:shade val="50000"/>
+              </a:schemeClr>
+            </a:lnRef>
+            <a:fillRef idx="1">
+              <a:schemeClr val="accent1"/>
+            </a:fillRef>
+            <a:effectRef idx="0">
+              <a:schemeClr val="accent1"/>
+            </a:effectRef>
+            <a:fontRef idx="minor">
+              <a:schemeClr val="lt1"/>
+            </a:fontRef>
+          </p:style>
+          <p:txBody>
+            <a:bodyPr rtlCol="0" anchor="ctr"/>
+            <a:lstStyle/>
+            <a:p>
+              <a:pPr algn="ctr"/>
+              <a:endParaRPr lang="en-US"/>
+            </a:p>
+          </p:txBody>
+        </p:sp>
+        <mc:AlternateContent xmlns:mc="http://schemas.openxmlformats.org/markup-compatibility/2006" xmlns:a14="http://schemas.microsoft.com/office/drawing/2010/main">
+          <mc:Choice Requires="a14">
+            <p:sp>
+              <p:nvSpPr>
+                <p:cNvPr id="12" name="TextBox 11">
+                  <a:extLst>
+                    <a:ext uri="{FF2B5EF4-FFF2-40B4-BE49-F238E27FC236}">
+                      <a16:creationId xmlns:a16="http://schemas.microsoft.com/office/drawing/2014/main" id="{2EF1AD67-F60C-0D7E-5BE5-578BA680065A}"/>
+                    </a:ext>
+                  </a:extLst>
+                </p:cNvPr>
+                <p:cNvSpPr txBox="1"/>
+                <p:nvPr/>
+              </p:nvSpPr>
+              <p:spPr>
+                <a:xfrm>
+                  <a:off x="4183772" y="2524192"/>
+                  <a:ext cx="363882" cy="369332"/>
+                </a:xfrm>
+                <a:prstGeom prst="rect">
+                  <a:avLst/>
+                </a:prstGeom>
+                <a:noFill/>
+              </p:spPr>
+              <p:txBody>
+                <a:bodyPr wrap="none" rtlCol="0">
+                  <a:spAutoFit/>
+                </a:bodyPr>
+                <a:lstStyle/>
+                <a:p>
+                  <a:pPr/>
+                  <a14:m>
+                    <m:oMathPara xmlns:m="http://schemas.openxmlformats.org/officeDocument/2006/math">
+                      <m:oMathParaPr>
+                        <m:jc m:val="centerGroup"/>
+                      </m:oMathParaPr>
+                      <m:oMath xmlns:m="http://schemas.openxmlformats.org/officeDocument/2006/math">
+                        <m:r>
+                          <a:rPr lang="en-US" b="0" i="1" smtClean="0">
+                            <a:latin typeface="Cambria Math" panose="02040503050406030204" pitchFamily="18" charset="0"/>
+                          </a:rPr>
+                          <m:t>𝑆</m:t>
+                        </m:r>
+                      </m:oMath>
+                    </m:oMathPara>
+                  </a14:m>
+                  <a:endParaRPr lang="en-US" dirty="0"/>
+                </a:p>
+              </p:txBody>
+            </p:sp>
+          </mc:Choice>
+          <mc:Fallback xmlns="">
+            <p:sp>
+              <p:nvSpPr>
+                <p:cNvPr id="12" name="TextBox 11">
+                  <a:extLst>
+                    <a:ext uri="{FF2B5EF4-FFF2-40B4-BE49-F238E27FC236}">
+                      <a16:creationId xmlns:a16="http://schemas.microsoft.com/office/drawing/2014/main" id="{2EF1AD67-F60C-0D7E-5BE5-578BA680065A}"/>
+                    </a:ext>
+                  </a:extLst>
+                </p:cNvPr>
+                <p:cNvSpPr txBox="1">
+                  <a:spLocks noRot="1" noChangeAspect="1" noMove="1" noResize="1" noEditPoints="1" noAdjustHandles="1" noChangeArrowheads="1" noChangeShapeType="1" noTextEdit="1"/>
+                </p:cNvSpPr>
+                <p:nvPr/>
+              </p:nvSpPr>
+              <p:spPr>
+                <a:xfrm>
+                  <a:off x="4183772" y="2524192"/>
+                  <a:ext cx="363882" cy="369332"/>
+                </a:xfrm>
+                <a:prstGeom prst="rect">
+                  <a:avLst/>
+                </a:prstGeom>
+                <a:blipFill>
+                  <a:blip r:embed="rId6"/>
+                  <a:stretch>
+                    <a:fillRect/>
+                  </a:stretch>
+                </a:blipFill>
+              </p:spPr>
+              <p:txBody>
+                <a:bodyPr/>
+                <a:lstStyle/>
+                <a:p>
+                  <a:r>
+                    <a:rPr lang="en-US">
+                      <a:noFill/>
+                    </a:rPr>
+                    <a:t> </a:t>
+                  </a:r>
+                </a:p>
+              </p:txBody>
+            </p:sp>
+          </mc:Fallback>
+        </mc:AlternateContent>
+      </p:grpSp>
+      <p:grpSp>
+        <p:nvGrpSpPr>
+          <p:cNvPr id="19" name="Group 18">
+            <a:extLst>
+              <a:ext uri="{FF2B5EF4-FFF2-40B4-BE49-F238E27FC236}">
+                <a16:creationId xmlns:a16="http://schemas.microsoft.com/office/drawing/2014/main" id="{3FB4F532-7154-4BCE-E757-DD3586F0D87D}"/>
+              </a:ext>
+            </a:extLst>
+          </p:cNvPr>
+          <p:cNvGrpSpPr/>
+          <p:nvPr/>
+        </p:nvGrpSpPr>
+        <p:grpSpPr>
+          <a:xfrm>
+            <a:off x="145323" y="2544548"/>
+            <a:ext cx="864096" cy="472760"/>
+            <a:chOff x="3933665" y="2524192"/>
+            <a:chExt cx="864096" cy="472760"/>
+          </a:xfrm>
+        </p:grpSpPr>
+        <p:sp>
+          <p:nvSpPr>
+            <p:cNvPr id="21" name="Arrow: Right 20">
+              <a:extLst>
+                <a:ext uri="{FF2B5EF4-FFF2-40B4-BE49-F238E27FC236}">
+                  <a16:creationId xmlns:a16="http://schemas.microsoft.com/office/drawing/2014/main" id="{4A219C94-5D37-487C-6948-D0EB7E34DB2E}"/>
+                </a:ext>
+              </a:extLst>
+            </p:cNvPr>
+            <p:cNvSpPr/>
+            <p:nvPr/>
+          </p:nvSpPr>
+          <p:spPr>
+            <a:xfrm>
+              <a:off x="3933665" y="2780928"/>
+              <a:ext cx="864096" cy="216024"/>
+            </a:xfrm>
+            <a:prstGeom prst="rightArrow">
+              <a:avLst/>
+            </a:prstGeom>
+          </p:spPr>
+          <p:style>
+            <a:lnRef idx="2">
+              <a:schemeClr val="accent1">
+                <a:shade val="50000"/>
+              </a:schemeClr>
+            </a:lnRef>
+            <a:fillRef idx="1">
+              <a:schemeClr val="accent1"/>
+            </a:fillRef>
+            <a:effectRef idx="0">
+              <a:schemeClr val="accent1"/>
+            </a:effectRef>
+            <a:fontRef idx="minor">
+              <a:schemeClr val="lt1"/>
+            </a:fontRef>
+          </p:style>
+          <p:txBody>
+            <a:bodyPr rtlCol="0" anchor="ctr"/>
+            <a:lstStyle/>
+            <a:p>
+              <a:pPr algn="ctr"/>
+              <a:endParaRPr lang="en-US"/>
+            </a:p>
+          </p:txBody>
+        </p:sp>
+        <mc:AlternateContent xmlns:mc="http://schemas.openxmlformats.org/markup-compatibility/2006" xmlns:a14="http://schemas.microsoft.com/office/drawing/2010/main">
+          <mc:Choice Requires="a14">
+            <p:sp>
+              <p:nvSpPr>
+                <p:cNvPr id="22" name="TextBox 21">
+                  <a:extLst>
+                    <a:ext uri="{FF2B5EF4-FFF2-40B4-BE49-F238E27FC236}">
+                      <a16:creationId xmlns:a16="http://schemas.microsoft.com/office/drawing/2014/main" id="{08498A8B-5D13-59EC-7758-DE8570D62FFF}"/>
+                    </a:ext>
+                  </a:extLst>
+                </p:cNvPr>
+                <p:cNvSpPr txBox="1"/>
+                <p:nvPr/>
+              </p:nvSpPr>
+              <p:spPr>
+                <a:xfrm>
+                  <a:off x="4183772" y="2524192"/>
+                  <a:ext cx="363882" cy="369332"/>
+                </a:xfrm>
+                <a:prstGeom prst="rect">
+                  <a:avLst/>
+                </a:prstGeom>
+                <a:noFill/>
+              </p:spPr>
+              <p:txBody>
+                <a:bodyPr wrap="none" rtlCol="0">
+                  <a:spAutoFit/>
+                </a:bodyPr>
+                <a:lstStyle/>
+                <a:p>
+                  <a:pPr/>
+                  <a14:m>
+                    <m:oMathPara xmlns:m="http://schemas.openxmlformats.org/officeDocument/2006/math">
+                      <m:oMathParaPr>
+                        <m:jc m:val="centerGroup"/>
+                      </m:oMathParaPr>
+                      <m:oMath xmlns:m="http://schemas.openxmlformats.org/officeDocument/2006/math">
+                        <m:r>
+                          <a:rPr lang="en-US" b="0" i="1" smtClean="0">
+                            <a:latin typeface="Cambria Math" panose="02040503050406030204" pitchFamily="18" charset="0"/>
+                          </a:rPr>
+                          <m:t>𝑆</m:t>
+                        </m:r>
+                      </m:oMath>
+                    </m:oMathPara>
+                  </a14:m>
+                  <a:endParaRPr lang="en-US" dirty="0"/>
+                </a:p>
+              </p:txBody>
+            </p:sp>
+          </mc:Choice>
+          <mc:Fallback xmlns="">
+            <p:sp>
+              <p:nvSpPr>
+                <p:cNvPr id="22" name="TextBox 21">
+                  <a:extLst>
+                    <a:ext uri="{FF2B5EF4-FFF2-40B4-BE49-F238E27FC236}">
+                      <a16:creationId xmlns:a16="http://schemas.microsoft.com/office/drawing/2014/main" id="{08498A8B-5D13-59EC-7758-DE8570D62FFF}"/>
+                    </a:ext>
+                  </a:extLst>
+                </p:cNvPr>
+                <p:cNvSpPr txBox="1">
+                  <a:spLocks noRot="1" noChangeAspect="1" noMove="1" noResize="1" noEditPoints="1" noAdjustHandles="1" noChangeArrowheads="1" noChangeShapeType="1" noTextEdit="1"/>
+                </p:cNvSpPr>
+                <p:nvPr/>
+              </p:nvSpPr>
+              <p:spPr>
+                <a:xfrm>
+                  <a:off x="4183772" y="2524192"/>
+                  <a:ext cx="363882" cy="369332"/>
+                </a:xfrm>
+                <a:prstGeom prst="rect">
+                  <a:avLst/>
+                </a:prstGeom>
+                <a:blipFill>
+                  <a:blip r:embed="rId7"/>
+                  <a:stretch>
+                    <a:fillRect/>
+                  </a:stretch>
+                </a:blipFill>
+              </p:spPr>
+              <p:txBody>
+                <a:bodyPr/>
+                <a:lstStyle/>
+                <a:p>
+                  <a:r>
+                    <a:rPr lang="en-US">
+                      <a:noFill/>
+                    </a:rPr>
+                    <a:t> </a:t>
+                  </a:r>
+                </a:p>
+              </p:txBody>
+            </p:sp>
+          </mc:Fallback>
+        </mc:AlternateContent>
+      </p:grpSp>
+      <mc:AlternateContent xmlns:mc="http://schemas.openxmlformats.org/markup-compatibility/2006" xmlns:a14="http://schemas.microsoft.com/office/drawing/2010/main">
+        <mc:Choice Requires="a14">
+          <p:sp>
+            <p:nvSpPr>
+              <p:cNvPr id="14" name="TextBox 13">
+                <a:extLst>
+                  <a:ext uri="{FF2B5EF4-FFF2-40B4-BE49-F238E27FC236}">
+                    <a16:creationId xmlns:a16="http://schemas.microsoft.com/office/drawing/2014/main" id="{E80E7517-CB43-E01E-8A83-778FB14E5B1C}"/>
+                  </a:ext>
+                </a:extLst>
+              </p:cNvPr>
+              <p:cNvSpPr txBox="1"/>
+              <p:nvPr/>
+            </p:nvSpPr>
+            <p:spPr>
+              <a:xfrm>
+                <a:off x="1691680" y="4956982"/>
+                <a:ext cx="764184" cy="369332"/>
+              </a:xfrm>
+              <a:prstGeom prst="rect">
+                <a:avLst/>
+              </a:prstGeom>
+              <a:noFill/>
+            </p:spPr>
+            <p:txBody>
+              <a:bodyPr wrap="none" rtlCol="0">
+                <a:spAutoFit/>
+              </a:bodyPr>
+              <a:lstStyle/>
+              <a:p>
+                <a:pPr/>
+                <a14:m>
+                  <m:oMathPara xmlns:m="http://schemas.openxmlformats.org/officeDocument/2006/math">
+                    <m:oMathParaPr>
+                      <m:jc m:val="centerGroup"/>
+                    </m:oMathParaPr>
+                    <m:oMath xmlns:m="http://schemas.openxmlformats.org/officeDocument/2006/math">
+                      <m:r>
+                        <a:rPr lang="en-US" b="0" i="1" smtClean="0">
+                          <a:latin typeface="Cambria Math" panose="02040503050406030204" pitchFamily="18" charset="0"/>
+                        </a:rPr>
+                        <m:t>𝑡</m:t>
+                      </m:r>
+                      <m:r>
+                        <a:rPr lang="en-US" b="0" i="1" smtClean="0">
+                          <a:latin typeface="Cambria Math" panose="02040503050406030204" pitchFamily="18" charset="0"/>
+                        </a:rPr>
+                        <m:t>=2</m:t>
+                      </m:r>
+                    </m:oMath>
+                  </m:oMathPara>
+                </a14:m>
+                <a:endParaRPr lang="en-US" dirty="0"/>
+              </a:p>
+            </p:txBody>
+          </p:sp>
+        </mc:Choice>
+        <mc:Fallback xmlns="">
+          <p:sp>
+            <p:nvSpPr>
+              <p:cNvPr id="14" name="TextBox 13">
+                <a:extLst>
+                  <a:ext uri="{FF2B5EF4-FFF2-40B4-BE49-F238E27FC236}">
+                    <a16:creationId xmlns:a16="http://schemas.microsoft.com/office/drawing/2014/main" id="{E80E7517-CB43-E01E-8A83-778FB14E5B1C}"/>
+                  </a:ext>
+                </a:extLst>
+              </p:cNvPr>
+              <p:cNvSpPr txBox="1">
+                <a:spLocks noRot="1" noChangeAspect="1" noMove="1" noResize="1" noEditPoints="1" noAdjustHandles="1" noChangeArrowheads="1" noChangeShapeType="1" noTextEdit="1"/>
+              </p:cNvSpPr>
+              <p:nvPr/>
+            </p:nvSpPr>
+            <p:spPr>
+              <a:xfrm>
+                <a:off x="1691680" y="4956982"/>
+                <a:ext cx="764184" cy="369332"/>
+              </a:xfrm>
+              <a:prstGeom prst="rect">
+                <a:avLst/>
+              </a:prstGeom>
+              <a:blipFill>
+                <a:blip r:embed="rId8"/>
+                <a:stretch>
+                  <a:fillRect/>
+                </a:stretch>
+              </a:blipFill>
+            </p:spPr>
+            <p:txBody>
+              <a:bodyPr/>
+              <a:lstStyle/>
+              <a:p>
+                <a:r>
+                  <a:rPr lang="en-US">
+                    <a:noFill/>
+                  </a:rPr>
+                  <a:t> </a:t>
+                </a:r>
+              </a:p>
+            </p:txBody>
+          </p:sp>
+        </mc:Fallback>
+      </mc:AlternateContent>
+      <mc:AlternateContent xmlns:mc="http://schemas.openxmlformats.org/markup-compatibility/2006" xmlns:a14="http://schemas.microsoft.com/office/drawing/2010/main">
+        <mc:Choice Requires="a14">
+          <p:sp>
+            <p:nvSpPr>
+              <p:cNvPr id="23" name="TextBox 22">
+                <a:extLst>
+                  <a:ext uri="{FF2B5EF4-FFF2-40B4-BE49-F238E27FC236}">
+                    <a16:creationId xmlns:a16="http://schemas.microsoft.com/office/drawing/2014/main" id="{700ECEF7-8D5E-6FBF-0614-2ED383637C10}"/>
+                  </a:ext>
+                </a:extLst>
+              </p:cNvPr>
+              <p:cNvSpPr txBox="1"/>
+              <p:nvPr/>
+            </p:nvSpPr>
+            <p:spPr bwMode="auto">
+              <a:xfrm>
+                <a:off x="5796136" y="4956982"/>
+                <a:ext cx="764184" cy="369332"/>
+              </a:xfrm>
+              <a:prstGeom prst="rect">
+                <a:avLst/>
+              </a:prstGeom>
+              <a:noFill/>
+            </p:spPr>
+            <p:txBody>
+              <a:bodyPr wrap="none" rtlCol="0">
+                <a:spAutoFit/>
+              </a:bodyPr>
+              <a:lstStyle/>
+              <a:p>
+                <a:pPr/>
+                <a14:m>
+                  <m:oMathPara xmlns:m="http://schemas.openxmlformats.org/officeDocument/2006/math">
+                    <m:oMathParaPr>
+                      <m:jc m:val="centerGroup"/>
+                    </m:oMathParaPr>
+                    <m:oMath xmlns:m="http://schemas.openxmlformats.org/officeDocument/2006/math">
+                      <m:r>
+                        <a:rPr lang="en-US" b="0" i="1" smtClean="0">
+                          <a:latin typeface="Cambria Math" panose="02040503050406030204" pitchFamily="18" charset="0"/>
+                        </a:rPr>
+                        <m:t>𝑡</m:t>
+                      </m:r>
+                      <m:r>
+                        <a:rPr lang="en-US" b="0" i="1" smtClean="0">
+                          <a:latin typeface="Cambria Math" panose="02040503050406030204" pitchFamily="18" charset="0"/>
+                        </a:rPr>
+                        <m:t>=3</m:t>
+                      </m:r>
+                    </m:oMath>
+                  </m:oMathPara>
+                </a14:m>
+                <a:endParaRPr lang="en-US" dirty="0"/>
+              </a:p>
+            </p:txBody>
+          </p:sp>
+        </mc:Choice>
+        <mc:Fallback xmlns="">
+          <p:sp>
+            <p:nvSpPr>
+              <p:cNvPr id="23" name="TextBox 22">
+                <a:extLst>
+                  <a:ext uri="{FF2B5EF4-FFF2-40B4-BE49-F238E27FC236}">
+                    <a16:creationId xmlns:a16="http://schemas.microsoft.com/office/drawing/2014/main" id="{700ECEF7-8D5E-6FBF-0614-2ED383637C10}"/>
+                  </a:ext>
+                </a:extLst>
+              </p:cNvPr>
+              <p:cNvSpPr txBox="1">
+                <a:spLocks noRot="1" noChangeAspect="1" noMove="1" noResize="1" noEditPoints="1" noAdjustHandles="1" noChangeArrowheads="1" noChangeShapeType="1" noTextEdit="1"/>
+              </p:cNvSpPr>
+              <p:nvPr/>
+            </p:nvSpPr>
+            <p:spPr bwMode="auto">
+              <a:xfrm>
+                <a:off x="5796136" y="4956982"/>
+                <a:ext cx="764184" cy="369332"/>
+              </a:xfrm>
+              <a:prstGeom prst="rect">
+                <a:avLst/>
+              </a:prstGeom>
+              <a:blipFill>
+                <a:blip r:embed="rId9"/>
+                <a:stretch>
+                  <a:fillRect/>
+                </a:stretch>
+              </a:blipFill>
+            </p:spPr>
+            <p:txBody>
+              <a:bodyPr/>
+              <a:lstStyle/>
+              <a:p>
+                <a:r>
+                  <a:rPr lang="en-US">
+                    <a:noFill/>
+                  </a:rPr>
+                  <a:t> </a:t>
+                </a:r>
+              </a:p>
+            </p:txBody>
+          </p:sp>
+        </mc:Fallback>
+      </mc:AlternateContent>
+      <p:grpSp>
+        <p:nvGrpSpPr>
+          <p:cNvPr id="15" name="Group 14">
+            <a:extLst>
+              <a:ext uri="{FF2B5EF4-FFF2-40B4-BE49-F238E27FC236}">
+                <a16:creationId xmlns:a16="http://schemas.microsoft.com/office/drawing/2014/main" id="{FE4A0920-94FB-2B6D-56A7-067F415BB70E}"/>
+              </a:ext>
+            </a:extLst>
+          </p:cNvPr>
+          <p:cNvGrpSpPr/>
+          <p:nvPr/>
+        </p:nvGrpSpPr>
+        <p:grpSpPr>
+          <a:xfrm>
+            <a:off x="8316376" y="2472478"/>
+            <a:ext cx="791181" cy="472760"/>
+            <a:chOff x="3933665" y="2524192"/>
+            <a:chExt cx="864096" cy="472760"/>
+          </a:xfrm>
+        </p:grpSpPr>
+        <p:sp>
+          <p:nvSpPr>
+            <p:cNvPr id="16" name="Arrow: Right 15">
+              <a:extLst>
+                <a:ext uri="{FF2B5EF4-FFF2-40B4-BE49-F238E27FC236}">
+                  <a16:creationId xmlns:a16="http://schemas.microsoft.com/office/drawing/2014/main" id="{D538E4E6-955F-4D19-7AEC-F8BB20DD47AB}"/>
+                </a:ext>
+              </a:extLst>
+            </p:cNvPr>
+            <p:cNvSpPr/>
+            <p:nvPr/>
+          </p:nvSpPr>
+          <p:spPr>
+            <a:xfrm>
+              <a:off x="3933665" y="2780928"/>
+              <a:ext cx="864096" cy="216024"/>
+            </a:xfrm>
+            <a:prstGeom prst="rightArrow">
+              <a:avLst/>
+            </a:prstGeom>
+          </p:spPr>
+          <p:style>
+            <a:lnRef idx="2">
+              <a:schemeClr val="accent1">
+                <a:shade val="50000"/>
+              </a:schemeClr>
+            </a:lnRef>
+            <a:fillRef idx="1">
+              <a:schemeClr val="accent1"/>
+            </a:fillRef>
+            <a:effectRef idx="0">
+              <a:schemeClr val="accent1"/>
+            </a:effectRef>
+            <a:fontRef idx="minor">
+              <a:schemeClr val="lt1"/>
+            </a:fontRef>
+          </p:style>
+          <p:txBody>
+            <a:bodyPr rtlCol="0" anchor="ctr"/>
+            <a:lstStyle/>
+            <a:p>
+              <a:pPr algn="ctr"/>
+              <a:endParaRPr lang="en-US"/>
+            </a:p>
+          </p:txBody>
+        </p:sp>
+        <mc:AlternateContent xmlns:mc="http://schemas.openxmlformats.org/markup-compatibility/2006" xmlns:a14="http://schemas.microsoft.com/office/drawing/2010/main">
+          <mc:Choice Requires="a14">
+            <p:sp>
+              <p:nvSpPr>
+                <p:cNvPr id="18" name="TextBox 17">
+                  <a:extLst>
+                    <a:ext uri="{FF2B5EF4-FFF2-40B4-BE49-F238E27FC236}">
+                      <a16:creationId xmlns:a16="http://schemas.microsoft.com/office/drawing/2014/main" id="{E813AA1D-428C-8FB8-FF44-568552207A86}"/>
+                    </a:ext>
+                  </a:extLst>
+                </p:cNvPr>
+                <p:cNvSpPr txBox="1"/>
+                <p:nvPr/>
+              </p:nvSpPr>
+              <p:spPr>
+                <a:xfrm>
+                  <a:off x="4183772" y="2524192"/>
+                  <a:ext cx="363882" cy="369332"/>
+                </a:xfrm>
+                <a:prstGeom prst="rect">
+                  <a:avLst/>
+                </a:prstGeom>
+                <a:noFill/>
+              </p:spPr>
+              <p:txBody>
+                <a:bodyPr wrap="none" rtlCol="0">
+                  <a:spAutoFit/>
+                </a:bodyPr>
+                <a:lstStyle/>
+                <a:p>
+                  <a:pPr/>
+                  <a14:m>
+                    <m:oMathPara xmlns:m="http://schemas.openxmlformats.org/officeDocument/2006/math">
+                      <m:oMathParaPr>
+                        <m:jc m:val="centerGroup"/>
+                      </m:oMathParaPr>
+                      <m:oMath xmlns:m="http://schemas.openxmlformats.org/officeDocument/2006/math">
+                        <m:r>
+                          <a:rPr lang="en-US" b="0" i="1" smtClean="0">
+                            <a:latin typeface="Cambria Math" panose="02040503050406030204" pitchFamily="18" charset="0"/>
+                          </a:rPr>
+                          <m:t>𝑆</m:t>
+                        </m:r>
+                      </m:oMath>
+                    </m:oMathPara>
+                  </a14:m>
+                  <a:endParaRPr lang="en-US" dirty="0"/>
+                </a:p>
+              </p:txBody>
+            </p:sp>
+          </mc:Choice>
+          <mc:Fallback xmlns="">
+            <p:sp>
+              <p:nvSpPr>
+                <p:cNvPr id="18" name="TextBox 17">
+                  <a:extLst>
+                    <a:ext uri="{FF2B5EF4-FFF2-40B4-BE49-F238E27FC236}">
+                      <a16:creationId xmlns:a16="http://schemas.microsoft.com/office/drawing/2014/main" id="{E813AA1D-428C-8FB8-FF44-568552207A86}"/>
+                    </a:ext>
+                  </a:extLst>
+                </p:cNvPr>
+                <p:cNvSpPr txBox="1">
+                  <a:spLocks noRot="1" noChangeAspect="1" noMove="1" noResize="1" noEditPoints="1" noAdjustHandles="1" noChangeArrowheads="1" noChangeShapeType="1" noTextEdit="1"/>
+                </p:cNvSpPr>
+                <p:nvPr/>
+              </p:nvSpPr>
+              <p:spPr>
+                <a:xfrm>
+                  <a:off x="4183772" y="2524192"/>
+                  <a:ext cx="363882" cy="369332"/>
+                </a:xfrm>
+                <a:prstGeom prst="rect">
+                  <a:avLst/>
+                </a:prstGeom>
+                <a:blipFill>
+                  <a:blip r:embed="rId10"/>
+                  <a:stretch>
+                    <a:fillRect/>
+                  </a:stretch>
+                </a:blipFill>
+              </p:spPr>
+              <p:txBody>
+                <a:bodyPr/>
+                <a:lstStyle/>
+                <a:p>
+                  <a:r>
+                    <a:rPr lang="en-US">
+                      <a:noFill/>
+                    </a:rPr>
+                    <a:t> </a:t>
+                  </a:r>
+                </a:p>
+              </p:txBody>
+            </p:sp>
+          </mc:Fallback>
+        </mc:AlternateContent>
+      </p:grpSp>
+    </p:spTree>
+    <p:extLst>
+      <p:ext uri="{BB962C8B-B14F-4D97-AF65-F5344CB8AC3E}">
+        <p14:creationId xmlns:p14="http://schemas.microsoft.com/office/powerpoint/2010/main" val="54769586"/>
+      </p:ext>
+    </p:extLst>
+  </p:cSld>
+  <p:clrMapOvr>
+    <a:masterClrMapping/>
+  </p:clrMapOvr>
+</p:sld>
+</file>
+
+<file path=ppt/slides/slide7.xml><?xml version="1.0" encoding="utf-8"?>
+<p:sld xmlns:a="http://schemas.openxmlformats.org/drawingml/2006/main" xmlns:r="http://schemas.openxmlformats.org/officeDocument/2006/relationships" xmlns:p="http://schemas.openxmlformats.org/presentationml/2006/main" showMasterPhAnim="0">
+  <p:cSld>
+    <p:spTree>
+      <p:nvGrpSpPr>
+        <p:cNvPr id="1" name=""/>
+        <p:cNvGrpSpPr/>
+        <p:nvPr/>
+      </p:nvGrpSpPr>
+      <p:grpSpPr bwMode="auto">
+        <a:xfrm>
+          <a:off x="0" y="0"/>
+          <a:ext cx="0" cy="0"/>
+          <a:chOff x="0" y="0"/>
+          <a:chExt cx="0" cy="0"/>
+        </a:xfrm>
+      </p:grpSpPr>
+      <mc:AlternateContent xmlns:mc="http://schemas.openxmlformats.org/markup-compatibility/2006" xmlns:a14="http://schemas.microsoft.com/office/drawing/2010/main">
+        <mc:Choice Requires="a14">
           <p:sp>
             <p:nvSpPr>
               <p:cNvPr id="3" name="Объект 2"/>
@@ -7423,7 +12158,7 @@
             </p:txBody>
           </p:sp>
         </mc:Choice>
-        <mc:Fallback>
+        <mc:Fallback xmlns="">
           <p:sp>
             <p:nvSpPr>
               <p:cNvPr id="3" name="Объект 2"/>
@@ -7543,7 +12278,7 @@
             </a:pPr>
             <a:fld id="{667099E1-2BD8-4718-81B5-D06A6B18E473}" type="slidenum">
               <a:rPr lang="ru-RU" smtClean="0"/>
-              <a:t>5</a:t>
+              <a:t>7</a:t>
             </a:fld>
             <a:endParaRPr lang="ru-RU"/>
           </a:p>
@@ -7752,7 +12487,7 @@
 </p:sld>
 </file>
 
-<file path=ppt/slides/slide6.xml><?xml version="1.0" encoding="utf-8"?>
+<file path=ppt/slides/slide8.xml><?xml version="1.0" encoding="utf-8"?>
 <p:sld xmlns:a="http://schemas.openxmlformats.org/drawingml/2006/main" xmlns:r="http://schemas.openxmlformats.org/officeDocument/2006/relationships" xmlns:p="http://schemas.openxmlformats.org/presentationml/2006/main" showMasterPhAnim="0">
   <p:cSld>
     <p:spTree>
@@ -7819,7 +12554,7 @@
             </a:pPr>
             <a:r>
               <a:rPr lang="ru-RU" dirty="0"/>
-              <a:t>Дополнительные понятия</a:t>
+              <a:t>Губковые сети на цилиндре</a:t>
             </a:r>
             <a:endParaRPr dirty="0"/>
           </a:p>
@@ -7851,836 +12586,7 @@
             </a:pPr>
             <a:fld id="{667099E1-2BD8-4718-81B5-D06A6B18E473}" type="slidenum">
               <a:rPr lang="ru-RU" smtClean="0"/>
-              <a:t>6</a:t>
-            </a:fld>
-            <a:endParaRPr lang="ru-RU"/>
-          </a:p>
-        </p:txBody>
-      </p:sp>
-      <mc:AlternateContent xmlns:mc="http://schemas.openxmlformats.org/markup-compatibility/2006">
-        <mc:Choice xmlns:a14="http://schemas.microsoft.com/office/drawing/2010/main" Requires="a14">
-          <p:sp>
-            <p:nvSpPr>
-              <p:cNvPr id="4" name="Content Placeholder 3">
-                <a:extLst>
-                  <a:ext uri="{FF2B5EF4-FFF2-40B4-BE49-F238E27FC236}">
-                    <a16:creationId xmlns:a16="http://schemas.microsoft.com/office/drawing/2014/main" id="{2F4147B3-BA2D-A1C2-086B-BACBB8271D6E}"/>
-                  </a:ext>
-                </a:extLst>
-              </p:cNvPr>
-              <p:cNvSpPr>
-                <a:spLocks noGrp="1"/>
-              </p:cNvSpPr>
-              <p:nvPr>
-                <p:ph idx="1"/>
-              </p:nvPr>
-            </p:nvSpPr>
-            <p:spPr>
-              <a:xfrm>
-                <a:off x="484634" y="3284985"/>
-                <a:ext cx="7886700" cy="2664296"/>
-              </a:xfrm>
-            </p:spPr>
-            <p:txBody>
-              <a:bodyPr/>
-              <a:lstStyle/>
-              <a:p>
-                <a:pPr algn="just"/>
-                <a:r>
-                  <a:rPr lang="ru-RU" b="1" dirty="0">
-                    <a:solidFill>
-                      <a:schemeClr val="accent1">
-                        <a:lumMod val="50000"/>
-                      </a:schemeClr>
-                    </a:solidFill>
-                  </a:rPr>
-                  <a:t>Автоморфизм ресурсной сети </a:t>
-                </a:r>
-                <a:r>
-                  <a:rPr lang="ru-RU" dirty="0"/>
-                  <a:t>– автоморфизм графа как взвешенного.</a:t>
-                </a:r>
-              </a:p>
-              <a:p>
-                <a:pPr algn="just"/>
-                <a14:m>
-                  <m:oMath xmlns:m="http://schemas.openxmlformats.org/officeDocument/2006/math">
-                    <m:r>
-                      <m:rPr>
-                        <m:nor/>
-                      </m:rPr>
-                      <a:rPr lang="ru-RU" sz="1800" b="1" smtClean="0">
-                        <a:solidFill>
-                          <a:schemeClr val="accent1">
-                            <a:lumMod val="50000"/>
-                          </a:schemeClr>
-                        </a:solidFill>
-                        <a:effectLst/>
-                        <a:latin typeface="Cambria Math" panose="02040503050406030204" pitchFamily="18" charset="0"/>
-                        <a:ea typeface="Cambria Math" panose="02040503050406030204" pitchFamily="18" charset="0"/>
-                      </a:rPr>
-                      <m:t>Aut</m:t>
-                    </m:r>
-                    <m:d>
-                      <m:dPr>
-                        <m:ctrlPr>
-                          <a:rPr lang="en-US" b="1" i="1">
-                            <a:solidFill>
-                              <a:schemeClr val="accent1">
-                                <a:lumMod val="50000"/>
-                              </a:schemeClr>
-                            </a:solidFill>
-                            <a:effectLst/>
-                            <a:latin typeface="Cambria Math" panose="02040503050406030204" pitchFamily="18" charset="0"/>
-                            <a:ea typeface="Cambria Math" panose="02040503050406030204" pitchFamily="18" charset="0"/>
-                          </a:rPr>
-                        </m:ctrlPr>
-                      </m:dPr>
-                      <m:e>
-                        <m:r>
-                          <m:rPr>
-                            <m:nor/>
-                          </m:rPr>
-                          <a:rPr lang="ru-RU" sz="1800" b="1">
-                            <a:solidFill>
-                              <a:schemeClr val="accent1">
-                                <a:lumMod val="50000"/>
-                              </a:schemeClr>
-                            </a:solidFill>
-                            <a:effectLst/>
-                            <a:latin typeface="Cambria Math" panose="02040503050406030204" pitchFamily="18" charset="0"/>
-                            <a:ea typeface="Cambria Math" panose="02040503050406030204" pitchFamily="18" charset="0"/>
-                          </a:rPr>
-                          <m:t>RN</m:t>
-                        </m:r>
-                      </m:e>
-                    </m:d>
-                  </m:oMath>
-                </a14:m>
-                <a:r>
-                  <a:rPr lang="ru-RU" dirty="0">
-                    <a:solidFill>
-                      <a:schemeClr val="accent1">
-                        <a:lumMod val="50000"/>
-                      </a:schemeClr>
-                    </a:solidFill>
-                  </a:rPr>
-                  <a:t> </a:t>
-                </a:r>
-                <a:r>
-                  <a:rPr lang="en-US" dirty="0"/>
-                  <a:t>– </a:t>
-                </a:r>
-                <a:r>
-                  <a:rPr lang="ru-RU" dirty="0"/>
-                  <a:t>группа автоморфизмов ресурсной сети.</a:t>
-                </a:r>
-                <a:endParaRPr lang="en-US" dirty="0"/>
-              </a:p>
-              <a:p>
-                <a:pPr algn="just"/>
-                <a:r>
-                  <a:rPr lang="ru-RU" b="1" dirty="0">
-                    <a:solidFill>
-                      <a:schemeClr val="accent1">
-                        <a:lumMod val="50000"/>
-                      </a:schemeClr>
-                    </a:solidFill>
-                  </a:rPr>
-                  <a:t>Фактор-сеть</a:t>
-                </a:r>
-                <a:r>
-                  <a:rPr lang="ru-RU" b="1" dirty="0"/>
-                  <a:t> </a:t>
-                </a:r>
-                <a:r>
-                  <a:rPr lang="ru-RU" dirty="0"/>
-                  <a:t>– ресурсная сеть, граф которой – факторграф исходной сети.</a:t>
-                </a:r>
-              </a:p>
-              <a:p>
-                <a:pPr lvl="1" algn="just"/>
-                <a:r>
-                  <a:rPr lang="ru-RU" dirty="0"/>
-                  <a:t>Веса должны быть согласованы.</a:t>
-                </a:r>
-              </a:p>
-              <a:p>
-                <a:pPr lvl="1" algn="just"/>
-                <a:r>
-                  <a:rPr lang="ru-RU" dirty="0"/>
-                  <a:t>Фактор-сеть существует не всегда.</a:t>
-                </a:r>
-              </a:p>
-            </p:txBody>
-          </p:sp>
-        </mc:Choice>
-        <mc:Fallback>
-          <p:sp>
-            <p:nvSpPr>
-              <p:cNvPr id="4" name="Content Placeholder 3">
-                <a:extLst>
-                  <a:ext uri="{FF2B5EF4-FFF2-40B4-BE49-F238E27FC236}">
-                    <a16:creationId xmlns:a16="http://schemas.microsoft.com/office/drawing/2014/main" id="{2F4147B3-BA2D-A1C2-086B-BACBB8271D6E}"/>
-                  </a:ext>
-                </a:extLst>
-              </p:cNvPr>
-              <p:cNvSpPr>
-                <a:spLocks noGrp="1" noRot="1" noChangeAspect="1" noMove="1" noResize="1" noEditPoints="1" noAdjustHandles="1" noChangeArrowheads="1" noChangeShapeType="1" noTextEdit="1"/>
-              </p:cNvSpPr>
-              <p:nvPr>
-                <p:ph idx="1"/>
-              </p:nvPr>
-            </p:nvSpPr>
-            <p:spPr>
-              <a:xfrm>
-                <a:off x="484634" y="3284985"/>
-                <a:ext cx="7886700" cy="2664296"/>
-              </a:xfrm>
-              <a:blipFill>
-                <a:blip r:embed="rId2"/>
-                <a:stretch>
-                  <a:fillRect l="-773" t="-2517" r="-928"/>
-                </a:stretch>
-              </a:blipFill>
-            </p:spPr>
-            <p:txBody>
-              <a:bodyPr/>
-              <a:lstStyle/>
-              <a:p>
-                <a:r>
-                  <a:rPr lang="en-US">
-                    <a:noFill/>
-                  </a:rPr>
-                  <a:t> </a:t>
-                </a:r>
-              </a:p>
-            </p:txBody>
-          </p:sp>
-        </mc:Fallback>
-      </mc:AlternateContent>
-      <p:cxnSp>
-        <p:nvCxnSpPr>
-          <p:cNvPr id="6" name="Straight Connector 5">
-            <a:extLst>
-              <a:ext uri="{FF2B5EF4-FFF2-40B4-BE49-F238E27FC236}">
-                <a16:creationId xmlns:a16="http://schemas.microsoft.com/office/drawing/2014/main" id="{93F47625-4523-D22A-FCB8-A113DACD0E96}"/>
-              </a:ext>
-            </a:extLst>
-          </p:cNvPr>
-          <p:cNvCxnSpPr/>
-          <p:nvPr/>
-        </p:nvCxnSpPr>
-        <p:spPr>
-          <a:xfrm>
-            <a:off x="755576" y="3068960"/>
-            <a:ext cx="7344816" cy="0"/>
-          </a:xfrm>
-          <a:prstGeom prst="line">
-            <a:avLst/>
-          </a:prstGeom>
-          <a:ln w="12700"/>
-        </p:spPr>
-        <p:style>
-          <a:lnRef idx="1">
-            <a:schemeClr val="accent1"/>
-          </a:lnRef>
-          <a:fillRef idx="0">
-            <a:schemeClr val="accent1"/>
-          </a:fillRef>
-          <a:effectRef idx="0">
-            <a:schemeClr val="accent1"/>
-          </a:effectRef>
-          <a:fontRef idx="minor">
-            <a:schemeClr val="tx1"/>
-          </a:fontRef>
-        </p:style>
-      </p:cxnSp>
-      <mc:AlternateContent xmlns:mc="http://schemas.openxmlformats.org/markup-compatibility/2006">
-        <mc:Choice xmlns:a14="http://schemas.microsoft.com/office/drawing/2010/main" Requires="a14">
-          <p:sp>
-            <p:nvSpPr>
-              <p:cNvPr id="13" name="Content Placeholder 3">
-                <a:extLst>
-                  <a:ext uri="{FF2B5EF4-FFF2-40B4-BE49-F238E27FC236}">
-                    <a16:creationId xmlns:a16="http://schemas.microsoft.com/office/drawing/2014/main" id="{8E968F24-7B23-3D0F-B6FA-DEF1A8491D23}"/>
-                  </a:ext>
-                </a:extLst>
-              </p:cNvPr>
-              <p:cNvSpPr txBox="1">
-                <a:spLocks/>
-              </p:cNvSpPr>
-              <p:nvPr/>
-            </p:nvSpPr>
-            <p:spPr bwMode="auto">
-              <a:xfrm>
-                <a:off x="484634" y="1700808"/>
-                <a:ext cx="7886700" cy="2554368"/>
-              </a:xfrm>
-              <a:prstGeom prst="rect">
-                <a:avLst/>
-              </a:prstGeom>
-            </p:spPr>
-            <p:txBody>
-              <a:bodyPr vert="horz" lIns="91440" tIns="45720" rIns="91440" bIns="45720" rtlCol="0">
-                <a:normAutofit/>
-              </a:bodyPr>
-              <a:lstStyle>
-                <a:lvl1pPr marL="171450" indent="-171450" algn="l" defTabSz="685800" rtl="0" eaLnBrk="1" latinLnBrk="0" hangingPunct="1">
-                  <a:lnSpc>
-                    <a:spcPct val="90000"/>
-                  </a:lnSpc>
-                  <a:spcBef>
-                    <a:spcPts val="750"/>
-                  </a:spcBef>
-                  <a:buFont typeface="Arial" panose="020B0604020202020204" pitchFamily="34" charset="0"/>
-                  <a:buChar char="•"/>
-                  <a:defRPr sz="2100" kern="1200">
-                    <a:solidFill>
-                      <a:schemeClr val="tx1"/>
-                    </a:solidFill>
-                    <a:latin typeface="+mn-lt"/>
-                    <a:ea typeface="+mn-ea"/>
-                    <a:cs typeface="+mn-cs"/>
-                  </a:defRPr>
-                </a:lvl1pPr>
-                <a:lvl2pPr marL="514350" indent="-171450" algn="l" defTabSz="685800" rtl="0" eaLnBrk="1" latinLnBrk="0" hangingPunct="1">
-                  <a:lnSpc>
-                    <a:spcPct val="90000"/>
-                  </a:lnSpc>
-                  <a:spcBef>
-                    <a:spcPts val="375"/>
-                  </a:spcBef>
-                  <a:buFont typeface="Arial" panose="020B0604020202020204" pitchFamily="34" charset="0"/>
-                  <a:buChar char="•"/>
-                  <a:defRPr sz="1800" kern="1200">
-                    <a:solidFill>
-                      <a:schemeClr val="tx1"/>
-                    </a:solidFill>
-                    <a:latin typeface="+mn-lt"/>
-                    <a:ea typeface="+mn-ea"/>
-                    <a:cs typeface="+mn-cs"/>
-                  </a:defRPr>
-                </a:lvl2pPr>
-                <a:lvl3pPr marL="857250" indent="-171450" algn="l" defTabSz="685800" rtl="0" eaLnBrk="1" latinLnBrk="0" hangingPunct="1">
-                  <a:lnSpc>
-                    <a:spcPct val="90000"/>
-                  </a:lnSpc>
-                  <a:spcBef>
-                    <a:spcPts val="375"/>
-                  </a:spcBef>
-                  <a:buFont typeface="Arial" panose="020B0604020202020204" pitchFamily="34" charset="0"/>
-                  <a:buChar char="•"/>
-                  <a:defRPr sz="1500" kern="1200">
-                    <a:solidFill>
-                      <a:schemeClr val="tx1"/>
-                    </a:solidFill>
-                    <a:latin typeface="+mn-lt"/>
-                    <a:ea typeface="+mn-ea"/>
-                    <a:cs typeface="+mn-cs"/>
-                  </a:defRPr>
-                </a:lvl3pPr>
-                <a:lvl4pPr marL="1200150" indent="-171450" algn="l" defTabSz="685800" rtl="0" eaLnBrk="1" latinLnBrk="0" hangingPunct="1">
-                  <a:lnSpc>
-                    <a:spcPct val="90000"/>
-                  </a:lnSpc>
-                  <a:spcBef>
-                    <a:spcPts val="375"/>
-                  </a:spcBef>
-                  <a:buFont typeface="Arial" panose="020B0604020202020204" pitchFamily="34" charset="0"/>
-                  <a:buChar char="•"/>
-                  <a:defRPr sz="1350" kern="1200">
-                    <a:solidFill>
-                      <a:schemeClr val="tx1"/>
-                    </a:solidFill>
-                    <a:latin typeface="+mn-lt"/>
-                    <a:ea typeface="+mn-ea"/>
-                    <a:cs typeface="+mn-cs"/>
-                  </a:defRPr>
-                </a:lvl4pPr>
-                <a:lvl5pPr marL="1543050" indent="-171450" algn="l" defTabSz="685800" rtl="0" eaLnBrk="1" latinLnBrk="0" hangingPunct="1">
-                  <a:lnSpc>
-                    <a:spcPct val="90000"/>
-                  </a:lnSpc>
-                  <a:spcBef>
-                    <a:spcPts val="375"/>
-                  </a:spcBef>
-                  <a:buFont typeface="Arial" panose="020B0604020202020204" pitchFamily="34" charset="0"/>
-                  <a:buChar char="•"/>
-                  <a:defRPr sz="1350" kern="1200">
-                    <a:solidFill>
-                      <a:schemeClr val="tx1"/>
-                    </a:solidFill>
-                    <a:latin typeface="+mn-lt"/>
-                    <a:ea typeface="+mn-ea"/>
-                    <a:cs typeface="+mn-cs"/>
-                  </a:defRPr>
-                </a:lvl5pPr>
-                <a:lvl6pPr marL="1885950" indent="-171450" algn="l" defTabSz="685800" rtl="0" eaLnBrk="1" latinLnBrk="0" hangingPunct="1">
-                  <a:lnSpc>
-                    <a:spcPct val="90000"/>
-                  </a:lnSpc>
-                  <a:spcBef>
-                    <a:spcPts val="375"/>
-                  </a:spcBef>
-                  <a:buFont typeface="Arial" panose="020B0604020202020204" pitchFamily="34" charset="0"/>
-                  <a:buChar char="•"/>
-                  <a:defRPr sz="1350" kern="1200">
-                    <a:solidFill>
-                      <a:schemeClr val="tx1"/>
-                    </a:solidFill>
-                    <a:latin typeface="+mn-lt"/>
-                    <a:ea typeface="+mn-ea"/>
-                    <a:cs typeface="+mn-cs"/>
-                  </a:defRPr>
-                </a:lvl6pPr>
-                <a:lvl7pPr marL="2228850" indent="-171450" algn="l" defTabSz="685800" rtl="0" eaLnBrk="1" latinLnBrk="0" hangingPunct="1">
-                  <a:lnSpc>
-                    <a:spcPct val="90000"/>
-                  </a:lnSpc>
-                  <a:spcBef>
-                    <a:spcPts val="375"/>
-                  </a:spcBef>
-                  <a:buFont typeface="Arial" panose="020B0604020202020204" pitchFamily="34" charset="0"/>
-                  <a:buChar char="•"/>
-                  <a:defRPr sz="1350" kern="1200">
-                    <a:solidFill>
-                      <a:schemeClr val="tx1"/>
-                    </a:solidFill>
-                    <a:latin typeface="+mn-lt"/>
-                    <a:ea typeface="+mn-ea"/>
-                    <a:cs typeface="+mn-cs"/>
-                  </a:defRPr>
-                </a:lvl7pPr>
-                <a:lvl8pPr marL="2571750" indent="-171450" algn="l" defTabSz="685800" rtl="0" eaLnBrk="1" latinLnBrk="0" hangingPunct="1">
-                  <a:lnSpc>
-                    <a:spcPct val="90000"/>
-                  </a:lnSpc>
-                  <a:spcBef>
-                    <a:spcPts val="375"/>
-                  </a:spcBef>
-                  <a:buFont typeface="Arial" panose="020B0604020202020204" pitchFamily="34" charset="0"/>
-                  <a:buChar char="•"/>
-                  <a:defRPr sz="1350" kern="1200">
-                    <a:solidFill>
-                      <a:schemeClr val="tx1"/>
-                    </a:solidFill>
-                    <a:latin typeface="+mn-lt"/>
-                    <a:ea typeface="+mn-ea"/>
-                    <a:cs typeface="+mn-cs"/>
-                  </a:defRPr>
-                </a:lvl8pPr>
-                <a:lvl9pPr marL="2914650" indent="-171450" algn="l" defTabSz="685800" rtl="0" eaLnBrk="1" latinLnBrk="0" hangingPunct="1">
-                  <a:lnSpc>
-                    <a:spcPct val="90000"/>
-                  </a:lnSpc>
-                  <a:spcBef>
-                    <a:spcPts val="375"/>
-                  </a:spcBef>
-                  <a:buFont typeface="Arial" panose="020B0604020202020204" pitchFamily="34" charset="0"/>
-                  <a:buChar char="•"/>
-                  <a:defRPr sz="1350" kern="1200">
-                    <a:solidFill>
-                      <a:schemeClr val="tx1"/>
-                    </a:solidFill>
-                    <a:latin typeface="+mn-lt"/>
-                    <a:ea typeface="+mn-ea"/>
-                    <a:cs typeface="+mn-cs"/>
-                  </a:defRPr>
-                </a:lvl9pPr>
-              </a:lstStyle>
-              <a:p>
-                <a:pPr algn="just"/>
-                <a:r>
-                  <a:rPr lang="ru-RU" dirty="0"/>
-                  <a:t>Ресурсная сеть –</a:t>
-                </a:r>
-                <a:r>
-                  <a:rPr lang="en-US" dirty="0"/>
-                  <a:t> </a:t>
-                </a:r>
-                <a14:m>
-                  <m:oMath xmlns:m="http://schemas.openxmlformats.org/officeDocument/2006/math">
-                    <m:r>
-                      <m:rPr>
-                        <m:sty m:val="p"/>
-                      </m:rPr>
-                      <a:rPr lang="en-US" b="0" i="0" smtClean="0">
-                        <a:latin typeface="Cambria Math" panose="02040503050406030204" pitchFamily="18" charset="0"/>
-                      </a:rPr>
-                      <m:t>RN</m:t>
-                    </m:r>
-                  </m:oMath>
-                </a14:m>
-                <a:r>
-                  <a:rPr lang="en-US" dirty="0"/>
-                  <a:t>. </a:t>
-                </a:r>
-                <a:r>
-                  <a:rPr lang="ru-RU" dirty="0"/>
-                  <a:t>Губковая сеть –</a:t>
-                </a:r>
-                <a:r>
-                  <a:rPr lang="en-US" dirty="0"/>
-                  <a:t> </a:t>
-                </a:r>
-                <a14:m>
-                  <m:oMath xmlns:m="http://schemas.openxmlformats.org/officeDocument/2006/math">
-                    <m:r>
-                      <m:rPr>
-                        <m:sty m:val="p"/>
-                      </m:rPr>
-                      <a:rPr lang="en-US" dirty="0" smtClean="0">
-                        <a:latin typeface="Cambria Math" panose="02040503050406030204" pitchFamily="18" charset="0"/>
-                      </a:rPr>
-                      <m:t>S</m:t>
-                    </m:r>
-                    <m:r>
-                      <m:rPr>
-                        <m:sty m:val="p"/>
-                      </m:rPr>
-                      <a:rPr lang="en-US">
-                        <a:latin typeface="Cambria Math" panose="02040503050406030204" pitchFamily="18" charset="0"/>
-                      </a:rPr>
-                      <m:t>N</m:t>
-                    </m:r>
-                  </m:oMath>
-                </a14:m>
-                <a:r>
-                  <a:rPr lang="en-US" dirty="0"/>
-                  <a:t>.</a:t>
-                </a:r>
-                <a:r>
-                  <a:rPr lang="ru-RU" dirty="0"/>
-                  <a:t> </a:t>
-                </a:r>
-              </a:p>
-              <a:p>
-                <a:pPr algn="just"/>
-                <a:r>
-                  <a:rPr lang="ru-RU" dirty="0"/>
-                  <a:t>Если </a:t>
-                </a:r>
-                <a14:m>
-                  <m:oMath xmlns:m="http://schemas.openxmlformats.org/officeDocument/2006/math">
-                    <m:r>
-                      <a:rPr lang="en-US" b="0" i="1" smtClean="0">
-                        <a:latin typeface="Cambria Math" panose="02040503050406030204" pitchFamily="18" charset="0"/>
-                      </a:rPr>
-                      <m:t>𝐺</m:t>
-                    </m:r>
-                    <m:r>
-                      <a:rPr lang="en-US" b="0" i="1" smtClean="0">
-                        <a:latin typeface="Cambria Math" panose="02040503050406030204" pitchFamily="18" charset="0"/>
-                      </a:rPr>
-                      <m:t>=</m:t>
-                    </m:r>
-                    <m:d>
-                      <m:dPr>
-                        <m:ctrlPr>
-                          <a:rPr lang="en-US" b="0" i="1" smtClean="0">
-                            <a:latin typeface="Cambria Math" panose="02040503050406030204" pitchFamily="18" charset="0"/>
-                          </a:rPr>
-                        </m:ctrlPr>
-                      </m:dPr>
-                      <m:e>
-                        <m:r>
-                          <a:rPr lang="en-US" b="0" i="1" smtClean="0">
-                            <a:latin typeface="Cambria Math" panose="02040503050406030204" pitchFamily="18" charset="0"/>
-                          </a:rPr>
-                          <m:t>𝑉</m:t>
-                        </m:r>
-                        <m:r>
-                          <a:rPr lang="en-US" b="0" i="1" smtClean="0">
-                            <a:latin typeface="Cambria Math" panose="02040503050406030204" pitchFamily="18" charset="0"/>
-                          </a:rPr>
-                          <m:t>, </m:t>
-                        </m:r>
-                        <m:r>
-                          <a:rPr lang="en-US" b="0" i="1" smtClean="0">
-                            <a:latin typeface="Cambria Math" panose="02040503050406030204" pitchFamily="18" charset="0"/>
-                          </a:rPr>
-                          <m:t>𝐸</m:t>
-                        </m:r>
-                      </m:e>
-                    </m:d>
-                  </m:oMath>
-                </a14:m>
-                <a:r>
-                  <a:rPr lang="en-US" dirty="0"/>
-                  <a:t> – </a:t>
-                </a:r>
-                <a:r>
-                  <a:rPr lang="ru-RU" dirty="0"/>
-                  <a:t>некоторый граф, а </a:t>
-                </a:r>
-                <a14:m>
-                  <m:oMath xmlns:m="http://schemas.openxmlformats.org/officeDocument/2006/math">
-                    <m:r>
-                      <a:rPr lang="en-US" b="0" i="1" smtClean="0">
-                        <a:latin typeface="Cambria Math" panose="02040503050406030204" pitchFamily="18" charset="0"/>
-                      </a:rPr>
-                      <m:t>~</m:t>
-                    </m:r>
-                  </m:oMath>
-                </a14:m>
-                <a:r>
-                  <a:rPr lang="en-US" dirty="0"/>
-                  <a:t> – </a:t>
-                </a:r>
-                <a:r>
-                  <a:rPr lang="ru-RU" dirty="0"/>
-                  <a:t>отношение эквивалентности на </a:t>
-                </a:r>
-                <a14:m>
-                  <m:oMath xmlns:m="http://schemas.openxmlformats.org/officeDocument/2006/math">
-                    <m:r>
-                      <a:rPr lang="en-US" b="0" i="1" smtClean="0">
-                        <a:latin typeface="Cambria Math" panose="02040503050406030204" pitchFamily="18" charset="0"/>
-                      </a:rPr>
-                      <m:t>𝑉</m:t>
-                    </m:r>
-                  </m:oMath>
-                </a14:m>
-                <a:r>
-                  <a:rPr lang="ru-RU" dirty="0"/>
-                  <a:t>, то </a:t>
-                </a:r>
-                <a14:m>
-                  <m:oMath xmlns:m="http://schemas.openxmlformats.org/officeDocument/2006/math">
-                    <m:r>
-                      <a:rPr lang="en-US" b="0" i="1" smtClean="0">
-                        <a:latin typeface="Cambria Math" panose="02040503050406030204" pitchFamily="18" charset="0"/>
-                      </a:rPr>
-                      <m:t>𝐺</m:t>
-                    </m:r>
-                    <m:r>
-                      <a:rPr lang="en-US" b="0" i="1" smtClean="0">
-                        <a:latin typeface="Cambria Math" panose="02040503050406030204" pitchFamily="18" charset="0"/>
-                      </a:rPr>
-                      <m:t>/~</m:t>
-                    </m:r>
-                  </m:oMath>
-                </a14:m>
-                <a:r>
-                  <a:rPr lang="en-US" dirty="0"/>
-                  <a:t> – </a:t>
-                </a:r>
-                <a:r>
-                  <a:rPr lang="ru-RU" b="1" dirty="0">
-                    <a:solidFill>
-                      <a:schemeClr val="accent1">
-                        <a:lumMod val="50000"/>
-                      </a:schemeClr>
-                    </a:solidFill>
-                  </a:rPr>
-                  <a:t>факторграф</a:t>
-                </a:r>
-                <a:r>
-                  <a:rPr lang="ru-RU" b="1" dirty="0"/>
-                  <a:t> </a:t>
-                </a:r>
-                <a14:m>
-                  <m:oMath xmlns:m="http://schemas.openxmlformats.org/officeDocument/2006/math">
-                    <m:r>
-                      <a:rPr lang="en-US" b="0" i="1" smtClean="0">
-                        <a:latin typeface="Cambria Math" panose="02040503050406030204" pitchFamily="18" charset="0"/>
-                      </a:rPr>
-                      <m:t>𝐺</m:t>
-                    </m:r>
-                  </m:oMath>
-                </a14:m>
-                <a:r>
-                  <a:rPr lang="en-US" dirty="0"/>
-                  <a:t> </a:t>
-                </a:r>
-                <a:r>
-                  <a:rPr lang="ru-RU" dirty="0"/>
-                  <a:t>по отношению </a:t>
-                </a:r>
-                <a14:m>
-                  <m:oMath xmlns:m="http://schemas.openxmlformats.org/officeDocument/2006/math">
-                    <m:r>
-                      <a:rPr lang="en-US" b="0" i="1" smtClean="0">
-                        <a:latin typeface="Cambria Math" panose="02040503050406030204" pitchFamily="18" charset="0"/>
-                      </a:rPr>
-                      <m:t>~</m:t>
-                    </m:r>
-                  </m:oMath>
-                </a14:m>
-                <a:r>
-                  <a:rPr lang="en-US" dirty="0"/>
-                  <a:t>.</a:t>
-                </a:r>
-                <a:endParaRPr lang="ru-RU" dirty="0"/>
-              </a:p>
-              <a:p>
-                <a:pPr marL="0" indent="0" algn="just">
-                  <a:buNone/>
-                </a:pPr>
-                <a:endParaRPr lang="en-US" dirty="0"/>
-              </a:p>
-            </p:txBody>
-          </p:sp>
-        </mc:Choice>
-        <mc:Fallback>
-          <p:sp>
-            <p:nvSpPr>
-              <p:cNvPr id="13" name="Content Placeholder 3">
-                <a:extLst>
-                  <a:ext uri="{FF2B5EF4-FFF2-40B4-BE49-F238E27FC236}">
-                    <a16:creationId xmlns:a16="http://schemas.microsoft.com/office/drawing/2014/main" id="{8E968F24-7B23-3D0F-B6FA-DEF1A8491D23}"/>
-                  </a:ext>
-                </a:extLst>
-              </p:cNvPr>
-              <p:cNvSpPr txBox="1">
-                <a:spLocks noRot="1" noChangeAspect="1" noMove="1" noResize="1" noEditPoints="1" noAdjustHandles="1" noChangeArrowheads="1" noChangeShapeType="1" noTextEdit="1"/>
-              </p:cNvSpPr>
-              <p:nvPr/>
-            </p:nvSpPr>
-            <p:spPr bwMode="auto">
-              <a:xfrm>
-                <a:off x="484634" y="1700808"/>
-                <a:ext cx="7886700" cy="2554368"/>
-              </a:xfrm>
-              <a:prstGeom prst="rect">
-                <a:avLst/>
-              </a:prstGeom>
-              <a:blipFill>
-                <a:blip r:embed="rId3"/>
-                <a:stretch>
-                  <a:fillRect l="-773" t="-2625" r="-928"/>
-                </a:stretch>
-              </a:blipFill>
-            </p:spPr>
-            <p:txBody>
-              <a:bodyPr/>
-              <a:lstStyle/>
-              <a:p>
-                <a:r>
-                  <a:rPr lang="en-US">
-                    <a:noFill/>
-                  </a:rPr>
-                  <a:t> </a:t>
-                </a:r>
-              </a:p>
-            </p:txBody>
-          </p:sp>
-        </mc:Fallback>
-      </mc:AlternateContent>
-    </p:spTree>
-    <p:extLst>
-      <p:ext uri="{BB962C8B-B14F-4D97-AF65-F5344CB8AC3E}">
-        <p14:creationId xmlns:p14="http://schemas.microsoft.com/office/powerpoint/2010/main" val="3865184819"/>
-      </p:ext>
-    </p:extLst>
-  </p:cSld>
-  <p:clrMapOvr>
-    <a:masterClrMapping/>
-  </p:clrMapOvr>
-</p:sld>
-</file>
-
-<file path=ppt/slides/slide7.xml><?xml version="1.0" encoding="utf-8"?>
-<p:sld xmlns:a="http://schemas.openxmlformats.org/drawingml/2006/main" xmlns:r="http://schemas.openxmlformats.org/officeDocument/2006/relationships" xmlns:p="http://schemas.openxmlformats.org/presentationml/2006/main" showMasterPhAnim="0">
-  <p:cSld>
-    <p:spTree>
-      <p:nvGrpSpPr>
-        <p:cNvPr id="1" name=""/>
-        <p:cNvGrpSpPr/>
-        <p:nvPr/>
-      </p:nvGrpSpPr>
-      <p:grpSpPr bwMode="auto">
-        <a:xfrm>
-          <a:off x="0" y="0"/>
-          <a:ext cx="0" cy="0"/>
-          <a:chOff x="0" y="0"/>
-          <a:chExt cx="0" cy="0"/>
-        </a:xfrm>
-      </p:grpSpPr>
-      <p:sp>
-        <p:nvSpPr>
-          <p:cNvPr id="17" name="Rectangle 2"/>
-          <p:cNvSpPr txBox="1">
-            <a:spLocks noChangeArrowheads="1"/>
-          </p:cNvSpPr>
-          <p:nvPr/>
-        </p:nvSpPr>
-        <p:spPr bwMode="auto">
-          <a:xfrm>
-            <a:off x="1252" y="0"/>
-            <a:ext cx="9144000" cy="1052736"/>
-          </a:xfrm>
-          <a:prstGeom prst="rect">
-            <a:avLst/>
-          </a:prstGeom>
-          <a:solidFill>
-            <a:schemeClr val="bg1">
-              <a:lumMod val="85000"/>
-            </a:schemeClr>
-          </a:solidFill>
-          <a:ln w="9525">
-            <a:noFill/>
-            <a:miter lim="800000"/>
-            <a:headEnd/>
-            <a:tailEnd/>
-          </a:ln>
-        </p:spPr>
-        <p:txBody>
-          <a:bodyPr anchor="ctr"/>
-          <a:lstStyle>
-            <a:defPPr>
-              <a:defRPr lang="ru-RU"/>
-            </a:defPPr>
-            <a:lvl1pPr marL="357188" algn="ctr">
-              <a:defRPr sz="3600" b="1" spc="150">
-                <a:solidFill>
-                  <a:schemeClr val="accent1">
-                    <a:lumMod val="50000"/>
-                  </a:schemeClr>
-                </a:solidFill>
-              </a:defRPr>
-            </a:lvl1pPr>
-          </a:lstStyle>
-          <a:p>
-            <a:pPr>
-              <a:defRPr/>
-            </a:pPr>
-            <a:r>
-              <a:rPr lang="ru-RU" dirty="0"/>
-              <a:t>Губковые сети на цилиндре</a:t>
-            </a:r>
-            <a:endParaRPr dirty="0"/>
-          </a:p>
-        </p:txBody>
-      </p:sp>
-      <p:sp>
-        <p:nvSpPr>
-          <p:cNvPr id="7" name="Slide Number Placeholder 6">
-            <a:extLst>
-              <a:ext uri="{FF2B5EF4-FFF2-40B4-BE49-F238E27FC236}">
-                <a16:creationId xmlns:a16="http://schemas.microsoft.com/office/drawing/2014/main" id="{63B65CF2-77C7-21E1-FD6C-3124FEC49D93}"/>
-              </a:ext>
-            </a:extLst>
-          </p:cNvPr>
-          <p:cNvSpPr>
-            <a:spLocks noGrp="1"/>
-          </p:cNvSpPr>
-          <p:nvPr>
-            <p:ph type="sldNum" sz="quarter" idx="12"/>
-          </p:nvPr>
-        </p:nvSpPr>
-        <p:spPr/>
-        <p:txBody>
-          <a:bodyPr/>
-          <a:lstStyle/>
-          <a:p>
-            <a:pPr>
-              <a:defRPr/>
-            </a:pPr>
-            <a:fld id="{667099E1-2BD8-4718-81B5-D06A6B18E473}" type="slidenum">
-              <a:rPr lang="ru-RU" smtClean="0"/>
-              <a:t>7</a:t>
+              <a:t>8</a:t>
             </a:fld>
             <a:endParaRPr lang="ru-RU"/>
           </a:p>
@@ -8890,7 +12796,7 @@
 </p:sld>
 </file>
 
-<file path=ppt/slides/slide8.xml><?xml version="1.0" encoding="utf-8"?>
+<file path=ppt/slides/slide9.xml><?xml version="1.0" encoding="utf-8"?>
 <p:sld xmlns:a="http://schemas.openxmlformats.org/drawingml/2006/main" xmlns:r="http://schemas.openxmlformats.org/officeDocument/2006/relationships" xmlns:p="http://schemas.openxmlformats.org/presentationml/2006/main" showMasterPhAnim="0">
   <p:cSld>
     <p:spTree>
@@ -8957,7 +12863,7 @@
             </a:pPr>
             <a:r>
               <a:rPr lang="ru-RU" dirty="0"/>
-              <a:t>Результаты</a:t>
+              <a:t>Симметрии сетей как графов</a:t>
             </a:r>
             <a:endParaRPr dirty="0"/>
           </a:p>
@@ -8989,14 +12895,14 @@
             </a:pPr>
             <a:fld id="{667099E1-2BD8-4718-81B5-D06A6B18E473}" type="slidenum">
               <a:rPr lang="ru-RU" smtClean="0"/>
-              <a:t>8</a:t>
+              <a:t>9</a:t>
             </a:fld>
             <a:endParaRPr lang="ru-RU"/>
           </a:p>
         </p:txBody>
       </p:sp>
-      <mc:AlternateContent xmlns:mc="http://schemas.openxmlformats.org/markup-compatibility/2006">
-        <mc:Choice xmlns:a14="http://schemas.microsoft.com/office/drawing/2010/main" Requires="a14">
+      <mc:AlternateContent xmlns:mc="http://schemas.openxmlformats.org/markup-compatibility/2006" xmlns:a14="http://schemas.microsoft.com/office/drawing/2010/main">
+        <mc:Choice Requires="a14">
           <p:sp>
             <p:nvSpPr>
               <p:cNvPr id="3" name="Content Placeholder 2">
@@ -9015,12 +12921,14 @@
             </p:nvSpPr>
             <p:spPr>
               <a:xfrm>
-                <a:off x="628650" y="1253331"/>
-                <a:ext cx="7886700" cy="4351338"/>
+                <a:off x="628650" y="1253330"/>
+                <a:ext cx="6031582" cy="4839965"/>
               </a:xfrm>
             </p:spPr>
             <p:txBody>
-              <a:bodyPr/>
+              <a:bodyPr>
+                <a:normAutofit/>
+              </a:bodyPr>
               <a:lstStyle/>
               <a:p>
                 <a:pPr algn="just"/>
@@ -9571,7 +13479,21 @@
                     <a:effectLst/>
                     <a:ea typeface="Calibri" panose="020F0502020204030204" pitchFamily="34" charset="0"/>
                   </a:rPr>
-                  <a:t>Если уравнять в сети веса ребер, то сеть будет иметь еще один автоморфизм </a:t>
+                  <a:t>Если уравнять в сети веса ребер</a:t>
+                </a:r>
+                <a:r>
+                  <a:rPr lang="en-US" dirty="0">
+                    <a:effectLst/>
+                    <a:ea typeface="Calibri" panose="020F0502020204030204" pitchFamily="34" charset="0"/>
+                  </a:rPr>
+                  <a:t> </a:t>
+                </a:r>
+                <a:r>
+                  <a:rPr lang="ru-RU" dirty="0">
+                    <a:effectLst/>
+                    <a:ea typeface="Calibri" panose="020F0502020204030204" pitchFamily="34" charset="0"/>
+                  </a:rPr>
+                  <a:t>и убрать стоки, то сеть будет иметь еще один автоморфизм </a:t>
                 </a:r>
                 <a14:m>
                   <m:oMath xmlns:m="http://schemas.openxmlformats.org/officeDocument/2006/math">
@@ -9994,7 +13916,7 @@
             </p:txBody>
           </p:sp>
         </mc:Choice>
-        <mc:Fallback>
+        <mc:Fallback xmlns="">
           <p:sp>
             <p:nvSpPr>
               <p:cNvPr id="3" name="Content Placeholder 2">
@@ -10013,13 +13935,13 @@
             </p:nvSpPr>
             <p:spPr>
               <a:xfrm>
-                <a:off x="628650" y="1253331"/>
-                <a:ext cx="7886700" cy="4351338"/>
+                <a:off x="628650" y="1253330"/>
+                <a:ext cx="6031582" cy="4839965"/>
               </a:xfrm>
               <a:blipFill>
                 <a:blip r:embed="rId2"/>
                 <a:stretch>
-                  <a:fillRect l="-773" t="-1683" r="-696"/>
+                  <a:fillRect l="-1010" t="-1511" r="-808"/>
                 </a:stretch>
               </a:blipFill>
             </p:spPr>
@@ -10074,1004 +13996,49 @@
           </a:fontRef>
         </p:style>
       </p:cxnSp>
-    </p:spTree>
-    <p:extLst>
-      <p:ext uri="{BB962C8B-B14F-4D97-AF65-F5344CB8AC3E}">
-        <p14:creationId xmlns:p14="http://schemas.microsoft.com/office/powerpoint/2010/main" val="738282818"/>
-      </p:ext>
-    </p:extLst>
-  </p:cSld>
-  <p:clrMapOvr>
-    <a:masterClrMapping/>
-  </p:clrMapOvr>
-</p:sld>
-</file>
-
-<file path=ppt/slides/slide9.xml><?xml version="1.0" encoding="utf-8"?>
-<p:sld xmlns:a="http://schemas.openxmlformats.org/drawingml/2006/main" xmlns:r="http://schemas.openxmlformats.org/officeDocument/2006/relationships" xmlns:p="http://schemas.openxmlformats.org/presentationml/2006/main" showMasterPhAnim="0">
-  <p:cSld>
-    <p:spTree>
-      <p:nvGrpSpPr>
-        <p:cNvPr id="1" name=""/>
-        <p:cNvGrpSpPr/>
-        <p:nvPr/>
-      </p:nvGrpSpPr>
-      <p:grpSpPr bwMode="auto">
-        <a:xfrm>
-          <a:off x="0" y="0"/>
-          <a:ext cx="0" cy="0"/>
-          <a:chOff x="0" y="0"/>
-          <a:chExt cx="0" cy="0"/>
-        </a:xfrm>
-      </p:grpSpPr>
-      <p:sp>
-        <p:nvSpPr>
-          <p:cNvPr id="17" name="Rectangle 2"/>
-          <p:cNvSpPr txBox="1">
-            <a:spLocks noChangeArrowheads="1"/>
-          </p:cNvSpPr>
+      <p:pic>
+        <p:nvPicPr>
+          <p:cNvPr id="6" name="Graphic 5">
+            <a:extLst>
+              <a:ext uri="{FF2B5EF4-FFF2-40B4-BE49-F238E27FC236}">
+                <a16:creationId xmlns:a16="http://schemas.microsoft.com/office/drawing/2014/main" id="{C0F538CA-F617-49D3-3C36-A4B1079CF910}"/>
+              </a:ext>
+            </a:extLst>
+          </p:cNvPr>
+          <p:cNvPicPr>
+            <a:picLocks noChangeAspect="1"/>
+          </p:cNvPicPr>
           <p:nvPr/>
-        </p:nvSpPr>
-        <p:spPr bwMode="auto">
+        </p:nvPicPr>
+        <p:blipFill>
+          <a:blip r:embed="rId3">
+            <a:extLst>
+              <a:ext uri="{28A0092B-C50C-407E-A947-70E740481C1C}">
+                <a14:useLocalDpi xmlns:a14="http://schemas.microsoft.com/office/drawing/2010/main" val="0"/>
+              </a:ext>
+              <a:ext uri="{96DAC541-7B7A-43D3-8B79-37D633B846F1}">
+                <asvg:svgBlip xmlns:asvg="http://schemas.microsoft.com/office/drawing/2016/SVG/main" r:embed="rId4"/>
+              </a:ext>
+            </a:extLst>
+          </a:blip>
+          <a:stretch>
+            <a:fillRect/>
+          </a:stretch>
+        </p:blipFill>
+        <p:spPr>
           <a:xfrm>
-            <a:off x="1252" y="0"/>
-            <a:ext cx="9144000" cy="1052736"/>
+            <a:off x="6735866" y="1832336"/>
+            <a:ext cx="1601966" cy="4392488"/>
           </a:xfrm>
           <a:prstGeom prst="rect">
             <a:avLst/>
           </a:prstGeom>
-          <a:solidFill>
-            <a:schemeClr val="bg1">
-              <a:lumMod val="85000"/>
-            </a:schemeClr>
-          </a:solidFill>
-          <a:ln w="9525">
-            <a:noFill/>
-            <a:miter lim="800000"/>
-            <a:headEnd/>
-            <a:tailEnd/>
-          </a:ln>
         </p:spPr>
-        <p:txBody>
-          <a:bodyPr anchor="ctr"/>
-          <a:lstStyle>
-            <a:defPPr>
-              <a:defRPr lang="ru-RU"/>
-            </a:defPPr>
-            <a:lvl1pPr marL="357188" algn="ctr">
-              <a:defRPr sz="3600" b="1" spc="150">
-                <a:solidFill>
-                  <a:schemeClr val="accent1">
-                    <a:lumMod val="50000"/>
-                  </a:schemeClr>
-                </a:solidFill>
-              </a:defRPr>
-            </a:lvl1pPr>
-          </a:lstStyle>
-          <a:p>
-            <a:pPr>
-              <a:defRPr/>
-            </a:pPr>
-            <a:r>
-              <a:rPr lang="ru-RU" dirty="0"/>
-              <a:t>Результаты</a:t>
-            </a:r>
-            <a:r>
-              <a:rPr lang="en-US" dirty="0"/>
-              <a:t> (2)</a:t>
-            </a:r>
-            <a:endParaRPr dirty="0"/>
-          </a:p>
-        </p:txBody>
-      </p:sp>
-      <p:sp>
-        <p:nvSpPr>
-          <p:cNvPr id="7" name="Slide Number Placeholder 6">
-            <a:extLst>
-              <a:ext uri="{FF2B5EF4-FFF2-40B4-BE49-F238E27FC236}">
-                <a16:creationId xmlns:a16="http://schemas.microsoft.com/office/drawing/2014/main" id="{63B65CF2-77C7-21E1-FD6C-3124FEC49D93}"/>
-              </a:ext>
-            </a:extLst>
-          </p:cNvPr>
-          <p:cNvSpPr>
-            <a:spLocks noGrp="1"/>
-          </p:cNvSpPr>
-          <p:nvPr>
-            <p:ph type="sldNum" sz="quarter" idx="12"/>
-          </p:nvPr>
-        </p:nvSpPr>
-        <p:spPr/>
-        <p:txBody>
-          <a:bodyPr/>
-          <a:lstStyle/>
-          <a:p>
-            <a:pPr>
-              <a:defRPr/>
-            </a:pPr>
-            <a:fld id="{667099E1-2BD8-4718-81B5-D06A6B18E473}" type="slidenum">
-              <a:rPr lang="ru-RU" smtClean="0"/>
-              <a:t>9</a:t>
-            </a:fld>
-            <a:endParaRPr lang="ru-RU"/>
-          </a:p>
-        </p:txBody>
-      </p:sp>
-      <mc:AlternateContent xmlns:mc="http://schemas.openxmlformats.org/markup-compatibility/2006">
-        <mc:Choice xmlns:a14="http://schemas.microsoft.com/office/drawing/2010/main" Requires="a14">
-          <p:sp>
-            <p:nvSpPr>
-              <p:cNvPr id="3" name="Content Placeholder 2">
-                <a:extLst>
-                  <a:ext uri="{FF2B5EF4-FFF2-40B4-BE49-F238E27FC236}">
-                    <a16:creationId xmlns:a16="http://schemas.microsoft.com/office/drawing/2014/main" id="{B37D946C-C169-1133-F6FA-82F79F03BCC7}"/>
-                  </a:ext>
-                </a:extLst>
-              </p:cNvPr>
-              <p:cNvSpPr>
-                <a:spLocks noGrp="1"/>
-              </p:cNvSpPr>
-              <p:nvPr>
-                <p:ph idx="1"/>
-              </p:nvPr>
-            </p:nvSpPr>
-            <p:spPr>
-              <a:xfrm>
-                <a:off x="628650" y="1253331"/>
-                <a:ext cx="7886700" cy="4351338"/>
-              </a:xfrm>
-            </p:spPr>
-            <p:txBody>
-              <a:bodyPr/>
-              <a:lstStyle/>
-              <a:p>
-                <a:pPr algn="just"/>
-                <a:r>
-                  <a:rPr lang="ru-RU" dirty="0"/>
-                  <a:t>Описаны симметрии сети на цилиндре </a:t>
-                </a:r>
-                <a14:m>
-                  <m:oMath xmlns:m="http://schemas.openxmlformats.org/officeDocument/2006/math">
-                    <m:r>
-                      <m:rPr>
-                        <m:nor/>
-                      </m:rPr>
-                      <a:rPr lang="ru-RU" sz="1800" smtClean="0">
-                        <a:effectLst/>
-                        <a:ea typeface="Calibri" panose="020F0502020204030204" pitchFamily="34" charset="0"/>
-                      </a:rPr>
-                      <m:t>SN</m:t>
-                    </m:r>
-                    <m:r>
-                      <a:rPr lang="ru-RU" sz="1800">
-                        <a:effectLst/>
-                        <a:latin typeface="Cambria Math" panose="02040503050406030204" pitchFamily="18" charset="0"/>
-                        <a:ea typeface="Calibri" panose="020F0502020204030204" pitchFamily="34" charset="0"/>
-                        <a:cs typeface="Times New Roman" panose="02020603050405020304" pitchFamily="18" charset="0"/>
-                      </a:rPr>
-                      <m:t>/</m:t>
-                    </m:r>
-                    <m:sSub>
-                      <m:sSubPr>
-                        <m:ctrlPr>
-                          <a:rPr lang="en-US" sz="1800" i="1">
-                            <a:effectLst/>
-                            <a:latin typeface="Cambria Math" panose="02040503050406030204" pitchFamily="18" charset="0"/>
-                          </a:rPr>
-                        </m:ctrlPr>
-                      </m:sSubPr>
-                      <m:e>
-                        <m:r>
-                          <a:rPr lang="ru-RU" sz="1800">
-                            <a:effectLst/>
-                            <a:latin typeface="Cambria Math" panose="02040503050406030204" pitchFamily="18" charset="0"/>
-                            <a:ea typeface="Calibri" panose="020F0502020204030204" pitchFamily="34" charset="0"/>
-                            <a:cs typeface="Times New Roman" panose="02020603050405020304" pitchFamily="18" charset="0"/>
-                          </a:rPr>
-                          <m:t>∼</m:t>
-                        </m:r>
-                      </m:e>
-                      <m:sub>
-                        <m:r>
-                          <m:rPr>
-                            <m:nor/>
-                          </m:rPr>
-                          <a:rPr lang="ru-RU" sz="1800">
-                            <a:effectLst/>
-                            <a:ea typeface="Calibri" panose="020F0502020204030204" pitchFamily="34" charset="0"/>
-                          </a:rPr>
-                          <m:t>cyl</m:t>
-                        </m:r>
-                      </m:sub>
-                    </m:sSub>
-                  </m:oMath>
-                </a14:m>
-                <a:r>
-                  <a:rPr lang="ru-RU" dirty="0"/>
-                  <a:t>.</a:t>
-                </a:r>
-              </a:p>
-              <a:p>
-                <a:pPr algn="just"/>
-                <a:endParaRPr lang="ru-RU" dirty="0"/>
-              </a:p>
-              <a:p>
-                <a:pPr lvl="1" algn="just"/>
-                <a:r>
-                  <a:rPr lang="ru-RU" sz="1800" dirty="0">
-                    <a:effectLst/>
-                    <a:ea typeface="Calibri" panose="020F0502020204030204" pitchFamily="34" charset="0"/>
-                  </a:rPr>
-                  <a:t>Пусть </a:t>
-                </a:r>
-                <a14:m>
-                  <m:oMath xmlns:m="http://schemas.openxmlformats.org/officeDocument/2006/math">
-                    <m:acc>
-                      <m:accPr>
-                        <m:chr m:val="̃"/>
-                        <m:ctrlPr>
-                          <a:rPr lang="en-US" i="1">
-                            <a:effectLst/>
-                            <a:latin typeface="Cambria Math" panose="02040503050406030204" pitchFamily="18" charset="0"/>
-                          </a:rPr>
-                        </m:ctrlPr>
-                      </m:accPr>
-                      <m:e>
-                        <m:r>
-                          <a:rPr lang="ru-RU" sz="1800" i="1">
-                            <a:effectLst/>
-                            <a:latin typeface="Cambria Math" panose="02040503050406030204" pitchFamily="18" charset="0"/>
-                            <a:ea typeface="Calibri" panose="020F0502020204030204" pitchFamily="34" charset="0"/>
-                            <a:cs typeface="Times New Roman" panose="02020603050405020304" pitchFamily="18" charset="0"/>
-                          </a:rPr>
-                          <m:t>𝑚</m:t>
-                        </m:r>
-                      </m:e>
-                    </m:acc>
-                    <m:r>
-                      <a:rPr lang="ru-RU" sz="1800">
-                        <a:effectLst/>
-                        <a:latin typeface="Cambria Math" panose="02040503050406030204" pitchFamily="18" charset="0"/>
-                        <a:ea typeface="Calibri" panose="020F0502020204030204" pitchFamily="34" charset="0"/>
-                        <a:cs typeface="Times New Roman" panose="02020603050405020304" pitchFamily="18" charset="0"/>
-                      </a:rPr>
-                      <m:t>=</m:t>
-                    </m:r>
-                    <m:r>
-                      <a:rPr lang="ru-RU" sz="1800" i="1">
-                        <a:effectLst/>
-                        <a:latin typeface="Cambria Math" panose="02040503050406030204" pitchFamily="18" charset="0"/>
-                        <a:ea typeface="Calibri" panose="020F0502020204030204" pitchFamily="34" charset="0"/>
-                        <a:cs typeface="Times New Roman" panose="02020603050405020304" pitchFamily="18" charset="0"/>
-                      </a:rPr>
-                      <m:t>𝑚</m:t>
-                    </m:r>
-                  </m:oMath>
-                </a14:m>
-                <a:r>
-                  <a:rPr lang="ru-RU" sz="1800" dirty="0">
-                    <a:effectLst/>
-                    <a:ea typeface="Calibri" panose="020F0502020204030204" pitchFamily="34" charset="0"/>
-                  </a:rPr>
-                  <a:t>, если сеть прямоугольная или шестиугольная и </a:t>
-                </a:r>
-                <a14:m>
-                  <m:oMath xmlns:m="http://schemas.openxmlformats.org/officeDocument/2006/math">
-                    <m:acc>
-                      <m:accPr>
-                        <m:chr m:val="̃"/>
-                        <m:ctrlPr>
-                          <a:rPr lang="en-US" i="1">
-                            <a:effectLst/>
-                            <a:latin typeface="Cambria Math" panose="02040503050406030204" pitchFamily="18" charset="0"/>
-                          </a:rPr>
-                        </m:ctrlPr>
-                      </m:accPr>
-                      <m:e>
-                        <m:r>
-                          <a:rPr lang="ru-RU" sz="1800" i="1">
-                            <a:effectLst/>
-                            <a:latin typeface="Cambria Math" panose="02040503050406030204" pitchFamily="18" charset="0"/>
-                            <a:ea typeface="Calibri" panose="020F0502020204030204" pitchFamily="34" charset="0"/>
-                            <a:cs typeface="Times New Roman" panose="02020603050405020304" pitchFamily="18" charset="0"/>
-                          </a:rPr>
-                          <m:t>𝑚</m:t>
-                        </m:r>
-                      </m:e>
-                    </m:acc>
-                    <m:r>
-                      <a:rPr lang="ru-RU" sz="1800">
-                        <a:effectLst/>
-                        <a:latin typeface="Cambria Math" panose="02040503050406030204" pitchFamily="18" charset="0"/>
-                        <a:ea typeface="Calibri" panose="020F0502020204030204" pitchFamily="34" charset="0"/>
-                        <a:cs typeface="Times New Roman" panose="02020603050405020304" pitchFamily="18" charset="0"/>
-                      </a:rPr>
-                      <m:t>=</m:t>
-                    </m:r>
-                    <m:d>
-                      <m:dPr>
-                        <m:begChr m:val="⌊"/>
-                        <m:endChr m:val="⌋"/>
-                        <m:ctrlPr>
-                          <a:rPr lang="en-US" i="1">
-                            <a:effectLst/>
-                            <a:latin typeface="Cambria Math" panose="02040503050406030204" pitchFamily="18" charset="0"/>
-                          </a:rPr>
-                        </m:ctrlPr>
-                      </m:dPr>
-                      <m:e>
-                        <m:r>
-                          <a:rPr lang="ru-RU" sz="1800" i="1">
-                            <a:effectLst/>
-                            <a:latin typeface="Cambria Math" panose="02040503050406030204" pitchFamily="18" charset="0"/>
-                            <a:ea typeface="Calibri" panose="020F0502020204030204" pitchFamily="34" charset="0"/>
-                            <a:cs typeface="Times New Roman" panose="02020603050405020304" pitchFamily="18" charset="0"/>
-                          </a:rPr>
-                          <m:t>𝑚</m:t>
-                        </m:r>
-                        <m:r>
-                          <m:rPr>
-                            <m:nor/>
-                          </m:rPr>
-                          <a:rPr lang="ru-RU" sz="1800">
-                            <a:effectLst/>
-                            <a:ea typeface="Calibri" panose="020F0502020204030204" pitchFamily="34" charset="0"/>
-                          </a:rPr>
-                          <m:t> / </m:t>
-                        </m:r>
-                        <m:r>
-                          <a:rPr lang="ru-RU" sz="1800" i="1">
-                            <a:effectLst/>
-                            <a:latin typeface="Cambria Math" panose="02040503050406030204" pitchFamily="18" charset="0"/>
-                            <a:ea typeface="Calibri" panose="020F0502020204030204" pitchFamily="34" charset="0"/>
-                            <a:cs typeface="Times New Roman" panose="02020603050405020304" pitchFamily="18" charset="0"/>
-                          </a:rPr>
-                          <m:t>2</m:t>
-                        </m:r>
-                      </m:e>
-                    </m:d>
-                  </m:oMath>
-                </a14:m>
-                <a:r>
-                  <a:rPr lang="ru-RU" sz="1800" dirty="0">
-                    <a:effectLst/>
-                    <a:ea typeface="Calibri" panose="020F0502020204030204" pitchFamily="34" charset="0"/>
-                  </a:rPr>
-                  <a:t>, если сеть треугольная</a:t>
-                </a:r>
-                <a:r>
-                  <a:rPr lang="en-US" sz="1800" dirty="0">
-                    <a:effectLst/>
-                    <a:ea typeface="Calibri" panose="020F0502020204030204" pitchFamily="34" charset="0"/>
-                  </a:rPr>
-                  <a:t>.</a:t>
-                </a:r>
-              </a:p>
-              <a:p>
-                <a:pPr lvl="2" algn="just"/>
-                <a:r>
-                  <a:rPr lang="ru-RU" sz="1800" dirty="0">
-                    <a:effectLst/>
-                    <a:ea typeface="Calibri" panose="020F0502020204030204" pitchFamily="34" charset="0"/>
-                  </a:rPr>
-                  <a:t>Если сеть прямоугольная, то</a:t>
-                </a:r>
-                <a:r>
-                  <a:rPr lang="en-US" sz="1800" dirty="0">
-                    <a:effectLst/>
-                    <a:ea typeface="Calibri" panose="020F0502020204030204" pitchFamily="34" charset="0"/>
-                  </a:rPr>
-                  <a:t> </a:t>
-                </a:r>
-                <a14:m>
-                  <m:oMath xmlns:m="http://schemas.openxmlformats.org/officeDocument/2006/math">
-                    <m:r>
-                      <m:rPr>
-                        <m:nor/>
-                      </m:rPr>
-                      <a:rPr lang="ru-RU" sz="1800" smtClean="0">
-                        <a:effectLst/>
-                        <a:ea typeface="Calibri" panose="020F0502020204030204" pitchFamily="34" charset="0"/>
-                      </a:rPr>
-                      <m:t>Aut</m:t>
-                    </m:r>
-                    <m:d>
-                      <m:dPr>
-                        <m:ctrlPr>
-                          <a:rPr lang="en-US" sz="1800" i="1">
-                            <a:effectLst/>
-                            <a:latin typeface="Cambria Math" panose="02040503050406030204" pitchFamily="18" charset="0"/>
-                          </a:rPr>
-                        </m:ctrlPr>
-                      </m:dPr>
-                      <m:e>
-                        <m:r>
-                          <m:rPr>
-                            <m:nor/>
-                          </m:rPr>
-                          <a:rPr lang="ru-RU" sz="1800">
-                            <a:effectLst/>
-                            <a:ea typeface="Calibri" panose="020F0502020204030204" pitchFamily="34" charset="0"/>
-                          </a:rPr>
-                          <m:t>SN</m:t>
-                        </m:r>
-                        <m:r>
-                          <a:rPr lang="ru-RU" sz="1800">
-                            <a:effectLst/>
-                            <a:latin typeface="Cambria Math" panose="02040503050406030204" pitchFamily="18" charset="0"/>
-                            <a:ea typeface="Calibri" panose="020F0502020204030204" pitchFamily="34" charset="0"/>
-                            <a:cs typeface="Times New Roman" panose="02020603050405020304" pitchFamily="18" charset="0"/>
-                          </a:rPr>
-                          <m:t>/</m:t>
-                        </m:r>
-                        <m:sSub>
-                          <m:sSubPr>
-                            <m:ctrlPr>
-                              <a:rPr lang="en-US" sz="1800" i="1">
-                                <a:effectLst/>
-                                <a:latin typeface="Cambria Math" panose="02040503050406030204" pitchFamily="18" charset="0"/>
-                              </a:rPr>
-                            </m:ctrlPr>
-                          </m:sSubPr>
-                          <m:e>
-                            <m:r>
-                              <a:rPr lang="ru-RU" sz="1800">
-                                <a:effectLst/>
-                                <a:latin typeface="Cambria Math" panose="02040503050406030204" pitchFamily="18" charset="0"/>
-                                <a:ea typeface="Calibri" panose="020F0502020204030204" pitchFamily="34" charset="0"/>
-                                <a:cs typeface="Times New Roman" panose="02020603050405020304" pitchFamily="18" charset="0"/>
-                              </a:rPr>
-                              <m:t>∼</m:t>
-                            </m:r>
-                          </m:e>
-                          <m:sub>
-                            <m:r>
-                              <m:rPr>
-                                <m:nor/>
-                              </m:rPr>
-                              <a:rPr lang="ru-RU" sz="1800">
-                                <a:effectLst/>
-                                <a:ea typeface="Calibri" panose="020F0502020204030204" pitchFamily="34" charset="0"/>
-                              </a:rPr>
-                              <m:t>cyl</m:t>
-                            </m:r>
-                          </m:sub>
-                        </m:sSub>
-                      </m:e>
-                    </m:d>
-                    <m:r>
-                      <a:rPr lang="ru-RU" sz="1800">
-                        <a:effectLst/>
-                        <a:latin typeface="Cambria Math" panose="02040503050406030204" pitchFamily="18" charset="0"/>
-                        <a:ea typeface="Calibri" panose="020F0502020204030204" pitchFamily="34" charset="0"/>
-                        <a:cs typeface="Times New Roman" panose="02020603050405020304" pitchFamily="18" charset="0"/>
-                      </a:rPr>
-                      <m:t>≅</m:t>
-                    </m:r>
-                    <m:sSub>
-                      <m:sSubPr>
-                        <m:ctrlPr>
-                          <a:rPr lang="en-US" sz="1800" i="1">
-                            <a:effectLst/>
-                            <a:latin typeface="Cambria Math" panose="02040503050406030204" pitchFamily="18" charset="0"/>
-                          </a:rPr>
-                        </m:ctrlPr>
-                      </m:sSubPr>
-                      <m:e>
-                        <m:r>
-                          <a:rPr lang="ru-RU" sz="1800" i="1">
-                            <a:effectLst/>
-                            <a:latin typeface="Cambria Math" panose="02040503050406030204" pitchFamily="18" charset="0"/>
-                            <a:ea typeface="Calibri" panose="020F0502020204030204" pitchFamily="34" charset="0"/>
-                            <a:cs typeface="Times New Roman" panose="02020603050405020304" pitchFamily="18" charset="0"/>
-                          </a:rPr>
-                          <m:t>𝐷</m:t>
-                        </m:r>
-                      </m:e>
-                      <m:sub>
-                        <m:acc>
-                          <m:accPr>
-                            <m:chr m:val="̃"/>
-                            <m:ctrlPr>
-                              <a:rPr lang="en-US" sz="1800" i="1">
-                                <a:effectLst/>
-                                <a:latin typeface="Cambria Math" panose="02040503050406030204" pitchFamily="18" charset="0"/>
-                              </a:rPr>
-                            </m:ctrlPr>
-                          </m:accPr>
-                          <m:e>
-                            <m:r>
-                              <a:rPr lang="ru-RU" sz="1800" i="1">
-                                <a:effectLst/>
-                                <a:latin typeface="Cambria Math" panose="02040503050406030204" pitchFamily="18" charset="0"/>
-                                <a:ea typeface="Calibri" panose="020F0502020204030204" pitchFamily="34" charset="0"/>
-                                <a:cs typeface="Times New Roman" panose="02020603050405020304" pitchFamily="18" charset="0"/>
-                              </a:rPr>
-                              <m:t>𝑚</m:t>
-                            </m:r>
-                          </m:e>
-                        </m:acc>
-                        <m:r>
-                          <a:rPr lang="ru-RU" sz="1800" i="1">
-                            <a:effectLst/>
-                            <a:latin typeface="Cambria Math" panose="02040503050406030204" pitchFamily="18" charset="0"/>
-                            <a:ea typeface="Calibri" panose="020F0502020204030204" pitchFamily="34" charset="0"/>
-                            <a:cs typeface="Times New Roman" panose="02020603050405020304" pitchFamily="18" charset="0"/>
-                          </a:rPr>
-                          <m:t>−1</m:t>
-                        </m:r>
-                      </m:sub>
-                    </m:sSub>
-                  </m:oMath>
-                </a14:m>
-                <a:r>
-                  <a:rPr lang="en-US" sz="1800" dirty="0">
-                    <a:effectLst/>
-                    <a:ea typeface="Calibri" panose="020F0502020204030204" pitchFamily="34" charset="0"/>
-                  </a:rPr>
-                  <a:t>, </a:t>
-                </a:r>
-                <a:r>
-                  <a:rPr lang="ru-RU" sz="1800" dirty="0"/>
-                  <a:t>, где </a:t>
-                </a:r>
-                <a14:m>
-                  <m:oMath xmlns:m="http://schemas.openxmlformats.org/officeDocument/2006/math">
-                    <m:sSub>
-                      <m:sSubPr>
-                        <m:ctrlPr>
-                          <a:rPr lang="en-US" sz="1800" i="1">
-                            <a:latin typeface="Cambria Math" panose="02040503050406030204" pitchFamily="18" charset="0"/>
-                          </a:rPr>
-                        </m:ctrlPr>
-                      </m:sSubPr>
-                      <m:e>
-                        <m:r>
-                          <a:rPr lang="ru-RU" sz="1800" i="1">
-                            <a:latin typeface="Cambria Math" panose="02040503050406030204" pitchFamily="18" charset="0"/>
-                          </a:rPr>
-                          <m:t>𝐷</m:t>
-                        </m:r>
-                      </m:e>
-                      <m:sub>
-                        <m:r>
-                          <a:rPr lang="ru-RU" sz="1800" i="1">
-                            <a:latin typeface="Cambria Math" panose="02040503050406030204" pitchFamily="18" charset="0"/>
-                          </a:rPr>
-                          <m:t>𝑘</m:t>
-                        </m:r>
-                      </m:sub>
-                    </m:sSub>
-                  </m:oMath>
-                </a14:m>
-                <a:r>
-                  <a:rPr lang="ru-RU" sz="1800" dirty="0"/>
-                  <a:t> – </a:t>
-                </a:r>
-                <a14:m>
-                  <m:oMath xmlns:m="http://schemas.openxmlformats.org/officeDocument/2006/math">
-                    <m:r>
-                      <a:rPr lang="ru-RU" sz="1800" i="1">
-                        <a:latin typeface="Cambria Math" panose="02040503050406030204" pitchFamily="18" charset="0"/>
-                      </a:rPr>
-                      <m:t>𝑘</m:t>
-                    </m:r>
-                  </m:oMath>
-                </a14:m>
-                <a:r>
-                  <a:rPr lang="ru-RU" sz="1800" dirty="0"/>
-                  <a:t>-</a:t>
-                </a:r>
-                <a:r>
-                  <a:rPr lang="ru-RU" sz="1800" dirty="0" err="1"/>
-                  <a:t>ая</a:t>
-                </a:r>
-                <a:r>
-                  <a:rPr lang="ru-RU" sz="1800" dirty="0"/>
-                  <a:t> группа диэдра</a:t>
-                </a:r>
-                <a:r>
-                  <a:rPr lang="en-US" sz="1800" dirty="0"/>
-                  <a:t>;</a:t>
-                </a:r>
-              </a:p>
-              <a:p>
-                <a:pPr lvl="2" algn="just"/>
-                <a:r>
-                  <a:rPr lang="ru-RU" sz="1800" dirty="0">
-                    <a:effectLst/>
-                    <a:ea typeface="Calibri" panose="020F0502020204030204" pitchFamily="34" charset="0"/>
-                  </a:rPr>
-                  <a:t>Если сеть треугольная или шестиугольная, а количество столбцов четно, то</a:t>
-                </a:r>
-                <a:r>
-                  <a:rPr lang="en-US" sz="1800" dirty="0">
-                    <a:effectLst/>
-                    <a:ea typeface="Calibri" panose="020F0502020204030204" pitchFamily="34" charset="0"/>
-                  </a:rPr>
-                  <a:t> </a:t>
-                </a:r>
-                <a14:m>
-                  <m:oMath xmlns:m="http://schemas.openxmlformats.org/officeDocument/2006/math">
-                    <m:r>
-                      <m:rPr>
-                        <m:nor/>
-                      </m:rPr>
-                      <a:rPr lang="ru-RU" sz="1800" smtClean="0">
-                        <a:effectLst/>
-                        <a:ea typeface="Calibri" panose="020F0502020204030204" pitchFamily="34" charset="0"/>
-                      </a:rPr>
-                      <m:t>Aut</m:t>
-                    </m:r>
-                    <m:d>
-                      <m:dPr>
-                        <m:ctrlPr>
-                          <a:rPr lang="en-US" sz="1800" i="1">
-                            <a:effectLst/>
-                            <a:latin typeface="Cambria Math" panose="02040503050406030204" pitchFamily="18" charset="0"/>
-                          </a:rPr>
-                        </m:ctrlPr>
-                      </m:dPr>
-                      <m:e>
-                        <m:r>
-                          <m:rPr>
-                            <m:nor/>
-                          </m:rPr>
-                          <a:rPr lang="ru-RU" sz="1800">
-                            <a:effectLst/>
-                            <a:ea typeface="Calibri" panose="020F0502020204030204" pitchFamily="34" charset="0"/>
-                          </a:rPr>
-                          <m:t>SN</m:t>
-                        </m:r>
-                        <m:r>
-                          <a:rPr lang="ru-RU" sz="1800">
-                            <a:effectLst/>
-                            <a:latin typeface="Cambria Math" panose="02040503050406030204" pitchFamily="18" charset="0"/>
-                            <a:ea typeface="Calibri" panose="020F0502020204030204" pitchFamily="34" charset="0"/>
-                            <a:cs typeface="Times New Roman" panose="02020603050405020304" pitchFamily="18" charset="0"/>
-                          </a:rPr>
-                          <m:t>/</m:t>
-                        </m:r>
-                        <m:sSub>
-                          <m:sSubPr>
-                            <m:ctrlPr>
-                              <a:rPr lang="en-US" sz="1800" i="1">
-                                <a:effectLst/>
-                                <a:latin typeface="Cambria Math" panose="02040503050406030204" pitchFamily="18" charset="0"/>
-                              </a:rPr>
-                            </m:ctrlPr>
-                          </m:sSubPr>
-                          <m:e>
-                            <m:r>
-                              <a:rPr lang="ru-RU" sz="1800">
-                                <a:effectLst/>
-                                <a:latin typeface="Cambria Math" panose="02040503050406030204" pitchFamily="18" charset="0"/>
-                                <a:ea typeface="Calibri" panose="020F0502020204030204" pitchFamily="34" charset="0"/>
-                                <a:cs typeface="Times New Roman" panose="02020603050405020304" pitchFamily="18" charset="0"/>
-                              </a:rPr>
-                              <m:t>∼</m:t>
-                            </m:r>
-                          </m:e>
-                          <m:sub>
-                            <m:r>
-                              <m:rPr>
-                                <m:nor/>
-                              </m:rPr>
-                              <a:rPr lang="ru-RU" sz="1800">
-                                <a:effectLst/>
-                                <a:ea typeface="Calibri" panose="020F0502020204030204" pitchFamily="34" charset="0"/>
-                              </a:rPr>
-                              <m:t>cyl</m:t>
-                            </m:r>
-                          </m:sub>
-                        </m:sSub>
-                      </m:e>
-                    </m:d>
-                    <m:r>
-                      <a:rPr lang="ru-RU" sz="1800">
-                        <a:effectLst/>
-                        <a:latin typeface="Cambria Math" panose="02040503050406030204" pitchFamily="18" charset="0"/>
-                        <a:ea typeface="Calibri" panose="020F0502020204030204" pitchFamily="34" charset="0"/>
-                        <a:cs typeface="Times New Roman" panose="02020603050405020304" pitchFamily="18" charset="0"/>
-                      </a:rPr>
-                      <m:t>≅</m:t>
-                    </m:r>
-                    <m:sSub>
-                      <m:sSubPr>
-                        <m:ctrlPr>
-                          <a:rPr lang="en-US" sz="1800" i="1">
-                            <a:effectLst/>
-                            <a:latin typeface="Cambria Math" panose="02040503050406030204" pitchFamily="18" charset="0"/>
-                          </a:rPr>
-                        </m:ctrlPr>
-                      </m:sSubPr>
-                      <m:e>
-                        <m:r>
-                          <a:rPr lang="ru-RU" sz="1800" i="1">
-                            <a:effectLst/>
-                            <a:latin typeface="Cambria Math" panose="02040503050406030204" pitchFamily="18" charset="0"/>
-                            <a:ea typeface="Calibri" panose="020F0502020204030204" pitchFamily="34" charset="0"/>
-                            <a:cs typeface="Times New Roman" panose="02020603050405020304" pitchFamily="18" charset="0"/>
-                          </a:rPr>
-                          <m:t>𝐷</m:t>
-                        </m:r>
-                      </m:e>
-                      <m:sub>
-                        <m:acc>
-                          <m:accPr>
-                            <m:chr m:val="̃"/>
-                            <m:ctrlPr>
-                              <a:rPr lang="en-US" sz="1800" i="1">
-                                <a:effectLst/>
-                                <a:latin typeface="Cambria Math" panose="02040503050406030204" pitchFamily="18" charset="0"/>
-                              </a:rPr>
-                            </m:ctrlPr>
-                          </m:accPr>
-                          <m:e>
-                            <m:r>
-                              <a:rPr lang="ru-RU" sz="1800" i="1">
-                                <a:effectLst/>
-                                <a:latin typeface="Cambria Math" panose="02040503050406030204" pitchFamily="18" charset="0"/>
-                                <a:ea typeface="Calibri" panose="020F0502020204030204" pitchFamily="34" charset="0"/>
-                                <a:cs typeface="Times New Roman" panose="02020603050405020304" pitchFamily="18" charset="0"/>
-                              </a:rPr>
-                              <m:t>𝑚</m:t>
-                            </m:r>
-                          </m:e>
-                        </m:acc>
-                        <m:r>
-                          <a:rPr lang="ru-RU" sz="1800" i="1">
-                            <a:effectLst/>
-                            <a:latin typeface="Cambria Math" panose="02040503050406030204" pitchFamily="18" charset="0"/>
-                            <a:ea typeface="Calibri" panose="020F0502020204030204" pitchFamily="34" charset="0"/>
-                            <a:cs typeface="Times New Roman" panose="02020603050405020304" pitchFamily="18" charset="0"/>
-                          </a:rPr>
-                          <m:t>−1</m:t>
-                        </m:r>
-                      </m:sub>
-                    </m:sSub>
-                  </m:oMath>
-                </a14:m>
-                <a:r>
-                  <a:rPr lang="en-US" sz="1800" dirty="0">
-                    <a:effectLst/>
-                    <a:ea typeface="Calibri" panose="020F0502020204030204" pitchFamily="34" charset="0"/>
-                  </a:rPr>
-                  <a:t>;</a:t>
-                </a:r>
-              </a:p>
-              <a:p>
-                <a:pPr lvl="2" algn="just"/>
-                <a:r>
-                  <a:rPr lang="ru-RU" sz="1800" dirty="0">
-                    <a:effectLst/>
-                    <a:ea typeface="Calibri" panose="020F0502020204030204" pitchFamily="34" charset="0"/>
-                  </a:rPr>
-                  <a:t>Если сеть треугольная или шестиугольная, но количество столбцов нечетно, то</a:t>
-                </a:r>
-                <a:r>
-                  <a:rPr lang="en-US" sz="1800" dirty="0">
-                    <a:ea typeface="Calibri" panose="020F0502020204030204" pitchFamily="34" charset="0"/>
-                  </a:rPr>
-                  <a:t> </a:t>
-                </a:r>
-                <a14:m>
-                  <m:oMath xmlns:m="http://schemas.openxmlformats.org/officeDocument/2006/math">
-                    <m:r>
-                      <m:rPr>
-                        <m:nor/>
-                      </m:rPr>
-                      <a:rPr lang="ru-RU" sz="1800" smtClean="0">
-                        <a:effectLst/>
-                        <a:ea typeface="Calibri" panose="020F0502020204030204" pitchFamily="34" charset="0"/>
-                      </a:rPr>
-                      <m:t>Aut</m:t>
-                    </m:r>
-                    <m:d>
-                      <m:dPr>
-                        <m:ctrlPr>
-                          <a:rPr lang="en-US" sz="1800" i="1">
-                            <a:effectLst/>
-                            <a:latin typeface="Cambria Math" panose="02040503050406030204" pitchFamily="18" charset="0"/>
-                          </a:rPr>
-                        </m:ctrlPr>
-                      </m:dPr>
-                      <m:e>
-                        <m:r>
-                          <m:rPr>
-                            <m:nor/>
-                          </m:rPr>
-                          <a:rPr lang="ru-RU" sz="1800">
-                            <a:effectLst/>
-                            <a:ea typeface="Calibri" panose="020F0502020204030204" pitchFamily="34" charset="0"/>
-                          </a:rPr>
-                          <m:t>SN</m:t>
-                        </m:r>
-                        <m:r>
-                          <a:rPr lang="ru-RU" sz="1800">
-                            <a:effectLst/>
-                            <a:latin typeface="Cambria Math" panose="02040503050406030204" pitchFamily="18" charset="0"/>
-                            <a:ea typeface="Calibri" panose="020F0502020204030204" pitchFamily="34" charset="0"/>
-                            <a:cs typeface="Times New Roman" panose="02020603050405020304" pitchFamily="18" charset="0"/>
-                          </a:rPr>
-                          <m:t>/</m:t>
-                        </m:r>
-                        <m:sSub>
-                          <m:sSubPr>
-                            <m:ctrlPr>
-                              <a:rPr lang="en-US" sz="1800" i="1">
-                                <a:effectLst/>
-                                <a:latin typeface="Cambria Math" panose="02040503050406030204" pitchFamily="18" charset="0"/>
-                              </a:rPr>
-                            </m:ctrlPr>
-                          </m:sSubPr>
-                          <m:e>
-                            <m:r>
-                              <a:rPr lang="ru-RU" sz="1800">
-                                <a:effectLst/>
-                                <a:latin typeface="Cambria Math" panose="02040503050406030204" pitchFamily="18" charset="0"/>
-                                <a:ea typeface="Calibri" panose="020F0502020204030204" pitchFamily="34" charset="0"/>
-                                <a:cs typeface="Times New Roman" panose="02020603050405020304" pitchFamily="18" charset="0"/>
-                              </a:rPr>
-                              <m:t>∼</m:t>
-                            </m:r>
-                          </m:e>
-                          <m:sub>
-                            <m:r>
-                              <m:rPr>
-                                <m:nor/>
-                              </m:rPr>
-                              <a:rPr lang="ru-RU" sz="1800">
-                                <a:effectLst/>
-                                <a:ea typeface="Calibri" panose="020F0502020204030204" pitchFamily="34" charset="0"/>
-                              </a:rPr>
-                              <m:t>cyl</m:t>
-                            </m:r>
-                          </m:sub>
-                        </m:sSub>
-                      </m:e>
-                    </m:d>
-                    <m:r>
-                      <a:rPr lang="ru-RU" sz="1800">
-                        <a:effectLst/>
-                        <a:latin typeface="Cambria Math" panose="02040503050406030204" pitchFamily="18" charset="0"/>
-                        <a:ea typeface="Calibri" panose="020F0502020204030204" pitchFamily="34" charset="0"/>
-                        <a:cs typeface="Times New Roman" panose="02020603050405020304" pitchFamily="18" charset="0"/>
-                      </a:rPr>
-                      <m:t>≅</m:t>
-                    </m:r>
-                    <m:r>
-                      <a:rPr lang="ru-RU" sz="1800" i="1">
-                        <a:effectLst/>
-                        <a:latin typeface="Cambria Math" panose="02040503050406030204" pitchFamily="18" charset="0"/>
-                        <a:ea typeface="Calibri" panose="020F0502020204030204" pitchFamily="34" charset="0"/>
-                        <a:cs typeface="Times New Roman" panose="02020603050405020304" pitchFamily="18" charset="0"/>
-                      </a:rPr>
-                      <m:t>ℤ</m:t>
-                    </m:r>
-                    <m:r>
-                      <a:rPr lang="ru-RU" sz="1800">
-                        <a:effectLst/>
-                        <a:latin typeface="Cambria Math" panose="02040503050406030204" pitchFamily="18" charset="0"/>
-                        <a:ea typeface="Calibri" panose="020F0502020204030204" pitchFamily="34" charset="0"/>
-                        <a:cs typeface="Times New Roman" panose="02020603050405020304" pitchFamily="18" charset="0"/>
-                      </a:rPr>
-                      <m:t>/</m:t>
-                    </m:r>
-                    <m:r>
-                      <a:rPr lang="ru-RU" sz="1800" i="1">
-                        <a:effectLst/>
-                        <a:latin typeface="Cambria Math" panose="02040503050406030204" pitchFamily="18" charset="0"/>
-                        <a:ea typeface="Calibri" panose="020F0502020204030204" pitchFamily="34" charset="0"/>
-                        <a:cs typeface="Times New Roman" panose="02020603050405020304" pitchFamily="18" charset="0"/>
-                      </a:rPr>
-                      <m:t>2</m:t>
-                    </m:r>
-                    <m:r>
-                      <a:rPr lang="ru-RU" sz="1800" i="1">
-                        <a:effectLst/>
-                        <a:latin typeface="Cambria Math" panose="02040503050406030204" pitchFamily="18" charset="0"/>
-                        <a:ea typeface="Calibri" panose="020F0502020204030204" pitchFamily="34" charset="0"/>
-                        <a:cs typeface="Times New Roman" panose="02020603050405020304" pitchFamily="18" charset="0"/>
-                      </a:rPr>
-                      <m:t>ℤ</m:t>
-                    </m:r>
-                  </m:oMath>
-                </a14:m>
-                <a:r>
-                  <a:rPr lang="en-US" sz="1800" dirty="0">
-                    <a:effectLst/>
-                    <a:ea typeface="Calibri" panose="020F0502020204030204" pitchFamily="34" charset="0"/>
-                  </a:rPr>
-                  <a:t>.</a:t>
-                </a:r>
-              </a:p>
-            </p:txBody>
-          </p:sp>
-        </mc:Choice>
-        <mc:Fallback>
-          <p:sp>
-            <p:nvSpPr>
-              <p:cNvPr id="3" name="Content Placeholder 2">
-                <a:extLst>
-                  <a:ext uri="{FF2B5EF4-FFF2-40B4-BE49-F238E27FC236}">
-                    <a16:creationId xmlns:a16="http://schemas.microsoft.com/office/drawing/2014/main" id="{B37D946C-C169-1133-F6FA-82F79F03BCC7}"/>
-                  </a:ext>
-                </a:extLst>
-              </p:cNvPr>
-              <p:cNvSpPr>
-                <a:spLocks noGrp="1" noRot="1" noChangeAspect="1" noMove="1" noResize="1" noEditPoints="1" noAdjustHandles="1" noChangeArrowheads="1" noChangeShapeType="1" noTextEdit="1"/>
-              </p:cNvSpPr>
-              <p:nvPr>
-                <p:ph idx="1"/>
-              </p:nvPr>
-            </p:nvSpPr>
-            <p:spPr>
-              <a:xfrm>
-                <a:off x="628650" y="1253331"/>
-                <a:ext cx="7886700" cy="4351338"/>
-              </a:xfrm>
-              <a:blipFill>
-                <a:blip r:embed="rId2"/>
-                <a:stretch>
-                  <a:fillRect l="-773" t="-2104" r="-1546"/>
-                </a:stretch>
-              </a:blipFill>
-            </p:spPr>
-            <p:txBody>
-              <a:bodyPr/>
-              <a:lstStyle/>
-              <a:p>
-                <a:r>
-                  <a:rPr lang="en-US">
-                    <a:noFill/>
-                  </a:rPr>
-                  <a:t> </a:t>
-                </a:r>
-              </a:p>
-            </p:txBody>
-          </p:sp>
-        </mc:Fallback>
-      </mc:AlternateContent>
-      <p:cxnSp>
-        <p:nvCxnSpPr>
-          <p:cNvPr id="4" name="Straight Connector 3">
-            <a:extLst>
-              <a:ext uri="{FF2B5EF4-FFF2-40B4-BE49-F238E27FC236}">
-                <a16:creationId xmlns:a16="http://schemas.microsoft.com/office/drawing/2014/main" id="{29652B8E-5293-0982-6975-18D13E778670}"/>
-              </a:ext>
-            </a:extLst>
-          </p:cNvPr>
-          <p:cNvCxnSpPr/>
-          <p:nvPr/>
-        </p:nvCxnSpPr>
-        <p:spPr>
-          <a:xfrm>
-            <a:off x="791580" y="1772816"/>
-            <a:ext cx="7560840" cy="0"/>
-          </a:xfrm>
-          <a:prstGeom prst="line">
-            <a:avLst/>
-          </a:prstGeom>
-        </p:spPr>
-        <p:style>
-          <a:lnRef idx="1">
-            <a:schemeClr val="accent1"/>
-          </a:lnRef>
-          <a:fillRef idx="0">
-            <a:schemeClr val="accent1"/>
-          </a:fillRef>
-          <a:effectRef idx="0">
-            <a:schemeClr val="accent1"/>
-          </a:effectRef>
-          <a:fontRef idx="minor">
-            <a:schemeClr val="tx1"/>
-          </a:fontRef>
-        </p:style>
-      </p:cxnSp>
+      </p:pic>
     </p:spTree>
     <p:extLst>
       <p:ext uri="{BB962C8B-B14F-4D97-AF65-F5344CB8AC3E}">
-        <p14:creationId xmlns:p14="http://schemas.microsoft.com/office/powerpoint/2010/main" val="468896233"/>
+        <p14:creationId xmlns:p14="http://schemas.microsoft.com/office/powerpoint/2010/main" val="801845885"/>
       </p:ext>
     </p:extLst>
   </p:cSld>
